--- a/reports/2023-desindex-figures-v2.pptx
+++ b/reports/2023-desindex-figures-v2.pptx
@@ -1,6 +1,6 @@
 
 <file path=ppt/presentation.xml><?xml version="1.0" encoding="utf-8"?>
-<p:presentation xmlns:a="http://schemas.openxmlformats.org/drawingml/2006/main" xmlns:r="http://schemas.openxmlformats.org/officeDocument/2006/relationships" xmlns:p="http://schemas.openxmlformats.org/presentationml/2006/main" saveSubsetFonts="1">
+<p:presentation xmlns:a="http://schemas.openxmlformats.org/drawingml/2006/main" xmlns:r="http://schemas.openxmlformats.org/officeDocument/2006/relationships" xmlns:p="http://schemas.openxmlformats.org/presentationml/2006/main" saveSubsetFonts="1" autoCompressPictures="0">
   <p:sldMasterIdLst>
     <p:sldMasterId id="2147483696" r:id="rId4"/>
   </p:sldMasterIdLst>
@@ -109,7 +109,7 @@
   <p:extLst>
     <p:ext uri="{EFAFB233-063F-42B5-8137-9DF3F51BA10A}">
       <p15:sldGuideLst xmlns:p15="http://schemas.microsoft.com/office/powerpoint/2012/main">
-        <p15:guide id="1" orient="horz" pos="1724" userDrawn="1">
+        <p15:guide id="1" orient="horz" pos="3084" userDrawn="1">
           <p15:clr>
             <a:srgbClr val="A4A3A4"/>
           </p15:clr>
@@ -3645,7 +3645,7 @@
           <a:p>
             <a:fld id="{846CE7D5-CF57-46EF-B807-FDD0502418D4}" type="datetimeFigureOut">
               <a:rPr lang="en-GB" smtClean="0"/>
-              <a:t>14/11/2023</a:t>
+              <a:t>18/11/2023</a:t>
             </a:fld>
             <a:endParaRPr lang="en-GB"/>
           </a:p>
@@ -3815,7 +3815,7 @@
           <a:p>
             <a:fld id="{846CE7D5-CF57-46EF-B807-FDD0502418D4}" type="datetimeFigureOut">
               <a:rPr lang="en-GB" smtClean="0"/>
-              <a:t>14/11/2023</a:t>
+              <a:t>18/11/2023</a:t>
             </a:fld>
             <a:endParaRPr lang="en-GB"/>
           </a:p>
@@ -3995,7 +3995,7 @@
           <a:p>
             <a:fld id="{846CE7D5-CF57-46EF-B807-FDD0502418D4}" type="datetimeFigureOut">
               <a:rPr lang="en-GB" smtClean="0"/>
-              <a:t>14/11/2023</a:t>
+              <a:t>18/11/2023</a:t>
             </a:fld>
             <a:endParaRPr lang="en-GB"/>
           </a:p>
@@ -4165,7 +4165,7 @@
           <a:p>
             <a:fld id="{846CE7D5-CF57-46EF-B807-FDD0502418D4}" type="datetimeFigureOut">
               <a:rPr lang="en-GB" smtClean="0"/>
-              <a:t>14/11/2023</a:t>
+              <a:t>18/11/2023</a:t>
             </a:fld>
             <a:endParaRPr lang="en-GB"/>
           </a:p>
@@ -4409,7 +4409,7 @@
           <a:p>
             <a:fld id="{846CE7D5-CF57-46EF-B807-FDD0502418D4}" type="datetimeFigureOut">
               <a:rPr lang="en-GB" smtClean="0"/>
-              <a:t>14/11/2023</a:t>
+              <a:t>18/11/2023</a:t>
             </a:fld>
             <a:endParaRPr lang="en-GB"/>
           </a:p>
@@ -4641,7 +4641,7 @@
           <a:p>
             <a:fld id="{846CE7D5-CF57-46EF-B807-FDD0502418D4}" type="datetimeFigureOut">
               <a:rPr lang="en-GB" smtClean="0"/>
-              <a:t>14/11/2023</a:t>
+              <a:t>18/11/2023</a:t>
             </a:fld>
             <a:endParaRPr lang="en-GB"/>
           </a:p>
@@ -5008,7 +5008,7 @@
           <a:p>
             <a:fld id="{846CE7D5-CF57-46EF-B807-FDD0502418D4}" type="datetimeFigureOut">
               <a:rPr lang="en-GB" smtClean="0"/>
-              <a:t>14/11/2023</a:t>
+              <a:t>18/11/2023</a:t>
             </a:fld>
             <a:endParaRPr lang="en-GB"/>
           </a:p>
@@ -5126,7 +5126,7 @@
           <a:p>
             <a:fld id="{846CE7D5-CF57-46EF-B807-FDD0502418D4}" type="datetimeFigureOut">
               <a:rPr lang="en-GB" smtClean="0"/>
-              <a:t>14/11/2023</a:t>
+              <a:t>18/11/2023</a:t>
             </a:fld>
             <a:endParaRPr lang="en-GB"/>
           </a:p>
@@ -5221,7 +5221,7 @@
           <a:p>
             <a:fld id="{846CE7D5-CF57-46EF-B807-FDD0502418D4}" type="datetimeFigureOut">
               <a:rPr lang="en-GB" smtClean="0"/>
-              <a:t>14/11/2023</a:t>
+              <a:t>18/11/2023</a:t>
             </a:fld>
             <a:endParaRPr lang="en-GB"/>
           </a:p>
@@ -5498,7 +5498,7 @@
           <a:p>
             <a:fld id="{846CE7D5-CF57-46EF-B807-FDD0502418D4}" type="datetimeFigureOut">
               <a:rPr lang="en-GB" smtClean="0"/>
-              <a:t>14/11/2023</a:t>
+              <a:t>18/11/2023</a:t>
             </a:fld>
             <a:endParaRPr lang="en-GB"/>
           </a:p>
@@ -5755,7 +5755,7 @@
           <a:p>
             <a:fld id="{846CE7D5-CF57-46EF-B807-FDD0502418D4}" type="datetimeFigureOut">
               <a:rPr lang="en-GB" smtClean="0"/>
-              <a:t>14/11/2023</a:t>
+              <a:t>18/11/2023</a:t>
             </a:fld>
             <a:endParaRPr lang="en-GB"/>
           </a:p>
@@ -5968,7 +5968,7 @@
           <a:p>
             <a:fld id="{846CE7D5-CF57-46EF-B807-FDD0502418D4}" type="datetimeFigureOut">
               <a:rPr lang="en-GB" smtClean="0"/>
-              <a:t>14/11/2023</a:t>
+              <a:t>18/11/2023</a:t>
             </a:fld>
             <a:endParaRPr lang="en-GB"/>
           </a:p>
@@ -6373,6 +6373,36 @@
           <a:chExt cx="0" cy="0"/>
         </a:xfrm>
       </p:grpSpPr>
+      <p:pic>
+        <p:nvPicPr>
+          <p:cNvPr id="30" name="Picture 29"/>
+          <p:cNvPicPr>
+            <a:picLocks noChangeAspect="1"/>
+          </p:cNvPicPr>
+          <p:nvPr/>
+        </p:nvPicPr>
+        <p:blipFill>
+          <a:blip r:embed="rId2">
+            <a:extLst>
+              <a:ext uri="{28A0092B-C50C-407E-A947-70E740481C1C}">
+                <a14:useLocalDpi xmlns:a14="http://schemas.microsoft.com/office/drawing/2010/main" val="0"/>
+              </a:ext>
+            </a:extLst>
+          </a:blip>
+          <a:stretch>
+            <a:fillRect/>
+          </a:stretch>
+        </p:blipFill>
+        <p:spPr>
+          <a:xfrm>
+            <a:off x="354846" y="2759103"/>
+            <a:ext cx="1630751" cy="1118041"/>
+          </a:xfrm>
+          <a:prstGeom prst="rect">
+            <a:avLst/>
+          </a:prstGeom>
+        </p:spPr>
+      </p:pic>
       <p:cxnSp>
         <p:nvCxnSpPr>
           <p:cNvPr id="1127" name="Straight Connector 1126">
@@ -6389,7 +6419,7 @@
         </p:nvCxnSpPr>
         <p:spPr>
           <a:xfrm>
-            <a:off x="4778901" y="2105111"/>
+            <a:off x="4824621" y="2139401"/>
             <a:ext cx="154905" cy="0"/>
           </a:xfrm>
           <a:prstGeom prst="line">
@@ -6482,7 +6512,7 @@
         </p:nvSpPr>
         <p:spPr>
           <a:xfrm>
-            <a:off x="4870011" y="1611065"/>
+            <a:off x="4870011" y="1691075"/>
             <a:ext cx="1903421" cy="1018805"/>
           </a:xfrm>
           <a:prstGeom prst="rect">
@@ -6534,7 +6564,7 @@
         </p:nvSpPr>
         <p:spPr>
           <a:xfrm>
-            <a:off x="5355238" y="1730363"/>
+            <a:off x="5355238" y="1810373"/>
             <a:ext cx="1544346" cy="1015663"/>
           </a:xfrm>
           <a:prstGeom prst="rect">
@@ -6615,7 +6645,7 @@
         </p:nvSpPr>
         <p:spPr>
           <a:xfrm>
-            <a:off x="4869938" y="1608484"/>
+            <a:off x="4869938" y="1688494"/>
             <a:ext cx="1905962" cy="150332"/>
           </a:xfrm>
           <a:prstGeom prst="rect">
@@ -6670,7 +6700,7 @@
         </p:nvSpPr>
         <p:spPr>
           <a:xfrm>
-            <a:off x="4820006" y="1599540"/>
+            <a:off x="4820006" y="1679550"/>
             <a:ext cx="1963207" cy="238527"/>
           </a:xfrm>
           <a:prstGeom prst="rect">
@@ -6715,7 +6745,7 @@
         </p:nvSpPr>
         <p:spPr>
           <a:xfrm>
-            <a:off x="4839804" y="1734460"/>
+            <a:off x="4841709" y="1814470"/>
             <a:ext cx="643125" cy="877163"/>
           </a:xfrm>
           <a:prstGeom prst="rect">
@@ -6825,7 +6855,7 @@
         </p:nvSpPr>
         <p:spPr>
           <a:xfrm>
-            <a:off x="4873661" y="3652738"/>
+            <a:off x="4873661" y="3694648"/>
             <a:ext cx="1909536" cy="196817"/>
           </a:xfrm>
           <a:prstGeom prst="rect">
@@ -6877,7 +6907,7 @@
         </p:nvSpPr>
         <p:spPr>
           <a:xfrm>
-            <a:off x="4874903" y="2830751"/>
+            <a:off x="4874903" y="2872661"/>
             <a:ext cx="1903421" cy="142690"/>
           </a:xfrm>
           <a:prstGeom prst="rect">
@@ -6929,7 +6959,7 @@
         </p:nvSpPr>
         <p:spPr>
           <a:xfrm>
-            <a:off x="4874830" y="2828169"/>
+            <a:off x="4874830" y="2870079"/>
             <a:ext cx="1905962" cy="150332"/>
           </a:xfrm>
           <a:prstGeom prst="rect">
@@ -6981,7 +7011,7 @@
         </p:nvSpPr>
         <p:spPr>
           <a:xfrm>
-            <a:off x="4824898" y="2819225"/>
+            <a:off x="4824898" y="2861135"/>
             <a:ext cx="1963207" cy="238527"/>
           </a:xfrm>
           <a:prstGeom prst="rect">
@@ -7026,7 +7056,7 @@
         </p:nvSpPr>
         <p:spPr>
           <a:xfrm>
-            <a:off x="4875448" y="2998226"/>
+            <a:off x="4875448" y="3040136"/>
             <a:ext cx="1905962" cy="196817"/>
           </a:xfrm>
           <a:prstGeom prst="rect">
@@ -7064,12 +7094,293 @@
           </a:p>
         </p:txBody>
       </p:sp>
-      <p:sp>
-        <p:nvSpPr>
-          <p:cNvPr id="2" name="Rectangle 1">
+      <p:pic>
+        <p:nvPicPr>
+          <p:cNvPr id="1036" name="Picture 1035">
             <a:extLst>
               <a:ext uri="{FF2B5EF4-FFF2-40B4-BE49-F238E27FC236}">
-                <a16:creationId xmlns:a16="http://schemas.microsoft.com/office/drawing/2014/main" id="{622D69E3-678C-88E2-A562-156386E17C15}"/>
+                <a16:creationId xmlns:a16="http://schemas.microsoft.com/office/drawing/2014/main" id="{7D753100-B34B-8450-821D-9A52F8016331}"/>
+              </a:ext>
+            </a:extLst>
+          </p:cNvPr>
+          <p:cNvPicPr>
+            <a:picLocks noChangeAspect="1"/>
+          </p:cNvPicPr>
+          <p:nvPr/>
+        </p:nvPicPr>
+        <p:blipFill>
+          <a:blip r:embed="rId3" cstate="print">
+            <a:extLst>
+              <a:ext uri="{28A0092B-C50C-407E-A947-70E740481C1C}">
+                <a14:useLocalDpi xmlns:a14="http://schemas.microsoft.com/office/drawing/2010/main" val="0"/>
+              </a:ext>
+            </a:extLst>
+          </a:blip>
+          <a:srcRect/>
+          <a:stretch/>
+        </p:blipFill>
+        <p:spPr>
+          <a:xfrm>
+            <a:off x="4015052" y="510541"/>
+            <a:ext cx="604968" cy="3080564"/>
+          </a:xfrm>
+          <a:prstGeom prst="rect">
+            <a:avLst/>
+          </a:prstGeom>
+        </p:spPr>
+      </p:pic>
+      <p:pic>
+        <p:nvPicPr>
+          <p:cNvPr id="1035" name="Picture 1034" descr="A screenshot of a game&#10;&#10;Description automatically generated">
+            <a:extLst>
+              <a:ext uri="{FF2B5EF4-FFF2-40B4-BE49-F238E27FC236}">
+                <a16:creationId xmlns:a16="http://schemas.microsoft.com/office/drawing/2014/main" id="{0A1DB69F-559A-B358-B260-556E54F43871}"/>
+              </a:ext>
+            </a:extLst>
+          </p:cNvPr>
+          <p:cNvPicPr>
+            <a:picLocks noChangeAspect="1"/>
+          </p:cNvPicPr>
+          <p:nvPr/>
+        </p:nvPicPr>
+        <p:blipFill>
+          <a:blip r:embed="rId4" cstate="print">
+            <a:extLst>
+              <a:ext uri="{28A0092B-C50C-407E-A947-70E740481C1C}">
+                <a14:useLocalDpi xmlns:a14="http://schemas.microsoft.com/office/drawing/2010/main" val="0"/>
+              </a:ext>
+            </a:extLst>
+          </a:blip>
+          <a:stretch>
+            <a:fillRect/>
+          </a:stretch>
+        </p:blipFill>
+        <p:spPr>
+          <a:xfrm>
+            <a:off x="3425820" y="512258"/>
+            <a:ext cx="604969" cy="3080564"/>
+          </a:xfrm>
+          <a:prstGeom prst="rect">
+            <a:avLst/>
+          </a:prstGeom>
+        </p:spPr>
+      </p:pic>
+      <p:sp>
+        <p:nvSpPr>
+          <p:cNvPr id="4" name="TextBox 3">
+            <a:extLst>
+              <a:ext uri="{FF2B5EF4-FFF2-40B4-BE49-F238E27FC236}">
+                <a16:creationId xmlns:a16="http://schemas.microsoft.com/office/drawing/2014/main" id="{518BDF98-0653-843B-83BD-609DACB8E1DA}"/>
+              </a:ext>
+            </a:extLst>
+          </p:cNvPr>
+          <p:cNvSpPr txBox="1"/>
+          <p:nvPr/>
+        </p:nvSpPr>
+        <p:spPr>
+          <a:xfrm>
+            <a:off x="297271" y="409176"/>
+            <a:ext cx="1585356" cy="461665"/>
+          </a:xfrm>
+          <a:prstGeom prst="rect">
+            <a:avLst/>
+          </a:prstGeom>
+          <a:noFill/>
+        </p:spPr>
+        <p:txBody>
+          <a:bodyPr wrap="square" rtlCol="0">
+            <a:spAutoFit/>
+          </a:bodyPr>
+          <a:lstStyle/>
+          <a:p>
+            <a:pPr algn="ctr"/>
+            <a:r>
+              <a:rPr lang="en-GB" sz="600" b="1" dirty="0">
+                <a:latin typeface="Helvetica" pitchFamily="2" charset="0"/>
+              </a:rPr>
+              <a:t>1 domain (GOV.UK)</a:t>
+            </a:r>
+          </a:p>
+          <a:p>
+            <a:pPr algn="ctr"/>
+            <a:r>
+              <a:rPr lang="en-GB" sz="600" b="1" dirty="0">
+                <a:latin typeface="Helvetica" pitchFamily="2" charset="0"/>
+              </a:rPr>
+              <a:t>468 Organisations </a:t>
+            </a:r>
+          </a:p>
+          <a:p>
+            <a:pPr algn="ctr"/>
+            <a:r>
+              <a:rPr lang="en-GB" sz="600" dirty="0">
+                <a:latin typeface="Helvetica" pitchFamily="2" charset="0"/>
+              </a:rPr>
+              <a:t>(i.e., 44 departments, 424 executive agencies and public bodies)</a:t>
+            </a:r>
+          </a:p>
+        </p:txBody>
+      </p:sp>
+      <p:sp>
+        <p:nvSpPr>
+          <p:cNvPr id="5" name="TextBox 4">
+            <a:extLst>
+              <a:ext uri="{FF2B5EF4-FFF2-40B4-BE49-F238E27FC236}">
+                <a16:creationId xmlns:a16="http://schemas.microsoft.com/office/drawing/2014/main" id="{122068D4-624C-9C6D-396B-0E1D61280AC1}"/>
+              </a:ext>
+            </a:extLst>
+          </p:cNvPr>
+          <p:cNvSpPr txBox="1"/>
+          <p:nvPr/>
+        </p:nvSpPr>
+        <p:spPr>
+          <a:xfrm>
+            <a:off x="-152348" y="951873"/>
+            <a:ext cx="1337283" cy="369332"/>
+          </a:xfrm>
+          <a:prstGeom prst="rect">
+            <a:avLst/>
+          </a:prstGeom>
+          <a:noFill/>
+        </p:spPr>
+        <p:txBody>
+          <a:bodyPr wrap="square" rtlCol="0">
+            <a:spAutoFit/>
+          </a:bodyPr>
+          <a:lstStyle/>
+          <a:p>
+            <a:pPr algn="ctr"/>
+            <a:r>
+              <a:rPr lang="en-GB" sz="600" dirty="0">
+                <a:latin typeface="Helvetica" pitchFamily="2" charset="0"/>
+              </a:rPr>
+              <a:t>Quantifying</a:t>
+            </a:r>
+          </a:p>
+          <a:p>
+            <a:pPr algn="ctr"/>
+            <a:r>
+              <a:rPr lang="en-GB" sz="600" dirty="0">
+                <a:latin typeface="Helvetica" pitchFamily="2" charset="0"/>
+              </a:rPr>
+              <a:t>dynamics and scale </a:t>
+            </a:r>
+          </a:p>
+          <a:p>
+            <a:pPr algn="ctr"/>
+            <a:r>
+              <a:rPr lang="en-GB" sz="600" dirty="0">
+                <a:latin typeface="Helvetica" pitchFamily="2" charset="0"/>
+              </a:rPr>
+              <a:t>of service delivery</a:t>
+            </a:r>
+          </a:p>
+        </p:txBody>
+      </p:sp>
+      <p:sp>
+        <p:nvSpPr>
+          <p:cNvPr id="6" name="TextBox 5">
+            <a:extLst>
+              <a:ext uri="{FF2B5EF4-FFF2-40B4-BE49-F238E27FC236}">
+                <a16:creationId xmlns:a16="http://schemas.microsoft.com/office/drawing/2014/main" id="{43717571-E369-2D80-47DF-C88FE480D109}"/>
+              </a:ext>
+            </a:extLst>
+          </p:cNvPr>
+          <p:cNvSpPr txBox="1"/>
+          <p:nvPr/>
+        </p:nvSpPr>
+        <p:spPr>
+          <a:xfrm>
+            <a:off x="1071177" y="957774"/>
+            <a:ext cx="1184482" cy="369332"/>
+          </a:xfrm>
+          <a:prstGeom prst="rect">
+            <a:avLst/>
+          </a:prstGeom>
+          <a:noFill/>
+        </p:spPr>
+        <p:txBody>
+          <a:bodyPr wrap="square" rtlCol="0">
+            <a:spAutoFit/>
+          </a:bodyPr>
+          <a:lstStyle/>
+          <a:p>
+            <a:pPr algn="ctr"/>
+            <a:r>
+              <a:rPr lang="en-GB" sz="600" dirty="0">
+                <a:latin typeface="Helvetica" pitchFamily="2" charset="0"/>
+              </a:rPr>
+              <a:t>Estimating</a:t>
+            </a:r>
+          </a:p>
+          <a:p>
+            <a:pPr algn="ctr"/>
+            <a:r>
+              <a:rPr lang="en-GB" sz="600" dirty="0">
+                <a:latin typeface="Helvetica" pitchFamily="2" charset="0"/>
+              </a:rPr>
+              <a:t>the potential of </a:t>
+            </a:r>
+          </a:p>
+          <a:p>
+            <a:pPr algn="ctr"/>
+            <a:r>
+              <a:rPr lang="en-GB" sz="600" dirty="0">
+                <a:latin typeface="Helvetica" pitchFamily="2" charset="0"/>
+              </a:rPr>
+              <a:t>automation and AI</a:t>
+            </a:r>
+          </a:p>
+        </p:txBody>
+      </p:sp>
+      <p:sp>
+        <p:nvSpPr>
+          <p:cNvPr id="19" name="TextBox 18">
+            <a:extLst>
+              <a:ext uri="{FF2B5EF4-FFF2-40B4-BE49-F238E27FC236}">
+                <a16:creationId xmlns:a16="http://schemas.microsoft.com/office/drawing/2014/main" id="{51041DCE-7E91-6D86-0610-82F3D49C0659}"/>
+              </a:ext>
+            </a:extLst>
+          </p:cNvPr>
+          <p:cNvSpPr txBox="1"/>
+          <p:nvPr/>
+        </p:nvSpPr>
+        <p:spPr>
+          <a:xfrm>
+            <a:off x="325352" y="157597"/>
+            <a:ext cx="1585356" cy="238463"/>
+          </a:xfrm>
+          <a:prstGeom prst="rect">
+            <a:avLst/>
+          </a:prstGeom>
+          <a:noFill/>
+        </p:spPr>
+        <p:txBody>
+          <a:bodyPr wrap="square" rtlCol="0">
+            <a:spAutoFit/>
+          </a:bodyPr>
+          <a:lstStyle/>
+          <a:p>
+            <a:pPr algn="ctr">
+              <a:lnSpc>
+                <a:spcPct val="150000"/>
+              </a:lnSpc>
+            </a:pPr>
+            <a:r>
+              <a:rPr lang="en-GB" sz="701" b="1" dirty="0">
+                <a:latin typeface="Helvetica" pitchFamily="2" charset="0"/>
+              </a:rPr>
+              <a:t>UK Government</a:t>
+            </a:r>
+          </a:p>
+        </p:txBody>
+      </p:sp>
+      <p:sp>
+        <p:nvSpPr>
+          <p:cNvPr id="21" name="Rectangle 20">
+            <a:extLst>
+              <a:ext uri="{FF2B5EF4-FFF2-40B4-BE49-F238E27FC236}">
+                <a16:creationId xmlns:a16="http://schemas.microsoft.com/office/drawing/2014/main" id="{569C2496-DFAE-22EA-6D34-FA2B743EAE9F}"/>
               </a:ext>
             </a:extLst>
           </p:cNvPr>
@@ -7078,21 +7389,14 @@
         </p:nvSpPr>
         <p:spPr>
           <a:xfrm>
-            <a:off x="4841950" y="521782"/>
-            <a:ext cx="726739" cy="542431"/>
+            <a:off x="4768543" y="251814"/>
+            <a:ext cx="2071985" cy="1187630"/>
           </a:xfrm>
           <a:prstGeom prst="rect">
             <a:avLst/>
           </a:prstGeom>
-          <a:solidFill>
-            <a:schemeClr val="accent4">
-              <a:lumMod val="20000"/>
-              <a:lumOff val="80000"/>
-            </a:schemeClr>
-          </a:solidFill>
-          <a:ln w="9525">
-            <a:noFill/>
-          </a:ln>
+          <a:noFill/>
+          <a:ln w="6350"/>
         </p:spPr>
         <p:style>
           <a:lnRef idx="2">
@@ -7115,16 +7419,16 @@
           <a:lstStyle/>
           <a:p>
             <a:pPr algn="ctr"/>
-            <a:endParaRPr lang="en-GB" dirty="0"/>
-          </a:p>
-        </p:txBody>
-      </p:sp>
-      <p:sp>
-        <p:nvSpPr>
-          <p:cNvPr id="14" name="Rectangle 13">
+            <a:endParaRPr lang="en-GB"/>
+          </a:p>
+        </p:txBody>
+      </p:sp>
+      <p:sp>
+        <p:nvSpPr>
+          <p:cNvPr id="24" name="Rectangle 23">
             <a:extLst>
               <a:ext uri="{FF2B5EF4-FFF2-40B4-BE49-F238E27FC236}">
-                <a16:creationId xmlns:a16="http://schemas.microsoft.com/office/drawing/2014/main" id="{8E28E2C1-1551-5ED1-3550-EA4C90462F91}"/>
+                <a16:creationId xmlns:a16="http://schemas.microsoft.com/office/drawing/2014/main" id="{12063674-96A9-B9BC-C580-AABE426DC22E}"/>
               </a:ext>
             </a:extLst>
           </p:cNvPr>
@@ -7133,18 +7437,14 @@
         </p:nvSpPr>
         <p:spPr>
           <a:xfrm>
-            <a:off x="4841950" y="694185"/>
-            <a:ext cx="726739" cy="712665"/>
+            <a:off x="2584982" y="252617"/>
+            <a:ext cx="2049741" cy="3680746"/>
           </a:xfrm>
           <a:prstGeom prst="rect">
             <a:avLst/>
           </a:prstGeom>
-          <a:solidFill>
-            <a:srgbClr val="FEF4E6"/>
-          </a:solidFill>
-          <a:ln>
-            <a:noFill/>
-          </a:ln>
+          <a:noFill/>
+          <a:ln w="6350"/>
         </p:spPr>
         <p:style>
           <a:lnRef idx="2">
@@ -7167,506 +7467,6 @@
           <a:lstStyle/>
           <a:p>
             <a:pPr algn="ctr"/>
-            <a:endParaRPr lang="en-GB"/>
-          </a:p>
-        </p:txBody>
-      </p:sp>
-      <p:sp>
-        <p:nvSpPr>
-          <p:cNvPr id="7" name="TextBox 6">
-            <a:extLst>
-              <a:ext uri="{FF2B5EF4-FFF2-40B4-BE49-F238E27FC236}">
-                <a16:creationId xmlns:a16="http://schemas.microsoft.com/office/drawing/2014/main" id="{709FDE6F-217C-E923-EA33-91B1E5358697}"/>
-              </a:ext>
-            </a:extLst>
-          </p:cNvPr>
-          <p:cNvSpPr txBox="1"/>
-          <p:nvPr/>
-        </p:nvSpPr>
-        <p:spPr>
-          <a:xfrm>
-            <a:off x="4797817" y="530883"/>
-            <a:ext cx="910243" cy="902811"/>
-          </a:xfrm>
-          <a:prstGeom prst="rect">
-            <a:avLst/>
-          </a:prstGeom>
-          <a:noFill/>
-          <a:ln>
-            <a:noFill/>
-          </a:ln>
-        </p:spPr>
-        <p:txBody>
-          <a:bodyPr wrap="square" rtlCol="0">
-            <a:spAutoFit/>
-          </a:bodyPr>
-          <a:lstStyle/>
-          <a:p>
-            <a:r>
-              <a:rPr lang="en-GB" sz="500" b="1" dirty="0">
-                <a:latin typeface="Helvetica" pitchFamily="2" charset="0"/>
-              </a:rPr>
-              <a:t>Task group        Count    </a:t>
-            </a:r>
-          </a:p>
-          <a:p>
-            <a:endParaRPr lang="en-GB" sz="450" dirty="0">
-              <a:latin typeface="Helvetica" pitchFamily="2" charset="0"/>
-            </a:endParaRPr>
-          </a:p>
-          <a:p>
-            <a:pPr>
-              <a:spcAft>
-                <a:spcPts val="350"/>
-              </a:spcAft>
-            </a:pPr>
-            <a:r>
-              <a:rPr lang="en-GB" sz="450" dirty="0">
-                <a:latin typeface="Helvetica" pitchFamily="2" charset="0"/>
-              </a:rPr>
-              <a:t>NRA	      0</a:t>
-            </a:r>
-          </a:p>
-          <a:p>
-            <a:pPr>
-              <a:spcAft>
-                <a:spcPts val="350"/>
-              </a:spcAft>
-            </a:pPr>
-            <a:r>
-              <a:rPr lang="en-GB" sz="450" dirty="0">
-                <a:latin typeface="Helvetica" pitchFamily="2" charset="0"/>
-              </a:rPr>
-              <a:t>NRI	      1</a:t>
-            </a:r>
-          </a:p>
-          <a:p>
-            <a:pPr>
-              <a:spcAft>
-                <a:spcPts val="350"/>
-              </a:spcAft>
-            </a:pPr>
-            <a:r>
-              <a:rPr lang="en-GB" sz="450" dirty="0">
-                <a:latin typeface="Helvetica" pitchFamily="2" charset="0"/>
-              </a:rPr>
-              <a:t>RC	      8</a:t>
-            </a:r>
-          </a:p>
-          <a:p>
-            <a:pPr>
-              <a:spcAft>
-                <a:spcPts val="350"/>
-              </a:spcAft>
-            </a:pPr>
-            <a:r>
-              <a:rPr lang="en-GB" sz="450" dirty="0">
-                <a:latin typeface="Helvetica" pitchFamily="2" charset="0"/>
-              </a:rPr>
-              <a:t>RM	      1</a:t>
-            </a:r>
-          </a:p>
-          <a:p>
-            <a:pPr>
-              <a:spcAft>
-                <a:spcPts val="350"/>
-              </a:spcAft>
-            </a:pPr>
-            <a:r>
-              <a:rPr lang="en-GB" sz="450" dirty="0">
-                <a:latin typeface="Helvetica" pitchFamily="2" charset="0"/>
-              </a:rPr>
-              <a:t>NRM 	      0</a:t>
-            </a:r>
-          </a:p>
-          <a:p>
-            <a:pPr>
-              <a:spcAft>
-                <a:spcPts val="350"/>
-              </a:spcAft>
-            </a:pPr>
-            <a:r>
-              <a:rPr lang="en-GB" sz="450" dirty="0">
-                <a:latin typeface="Helvetica" pitchFamily="2" charset="0"/>
-              </a:rPr>
-              <a:t>Total	    10</a:t>
-            </a:r>
-          </a:p>
-        </p:txBody>
-      </p:sp>
-      <p:pic>
-        <p:nvPicPr>
-          <p:cNvPr id="1036" name="Picture 1035">
-            <a:extLst>
-              <a:ext uri="{FF2B5EF4-FFF2-40B4-BE49-F238E27FC236}">
-                <a16:creationId xmlns:a16="http://schemas.microsoft.com/office/drawing/2014/main" id="{7D753100-B34B-8450-821D-9A52F8016331}"/>
-              </a:ext>
-            </a:extLst>
-          </p:cNvPr>
-          <p:cNvPicPr>
-            <a:picLocks noChangeAspect="1"/>
-          </p:cNvPicPr>
-          <p:nvPr/>
-        </p:nvPicPr>
-        <p:blipFill>
-          <a:blip r:embed="rId2" cstate="print">
-            <a:extLst>
-              <a:ext uri="{28A0092B-C50C-407E-A947-70E740481C1C}">
-                <a14:useLocalDpi xmlns:a14="http://schemas.microsoft.com/office/drawing/2010/main" val="0"/>
-              </a:ext>
-            </a:extLst>
-          </a:blip>
-          <a:srcRect/>
-          <a:stretch/>
-        </p:blipFill>
-        <p:spPr>
-          <a:xfrm>
-            <a:off x="4015052" y="510541"/>
-            <a:ext cx="604968" cy="3080564"/>
-          </a:xfrm>
-          <a:prstGeom prst="rect">
-            <a:avLst/>
-          </a:prstGeom>
-        </p:spPr>
-      </p:pic>
-      <p:pic>
-        <p:nvPicPr>
-          <p:cNvPr id="1035" name="Picture 1034" descr="A screenshot of a game&#10;&#10;Description automatically generated">
-            <a:extLst>
-              <a:ext uri="{FF2B5EF4-FFF2-40B4-BE49-F238E27FC236}">
-                <a16:creationId xmlns:a16="http://schemas.microsoft.com/office/drawing/2014/main" id="{0A1DB69F-559A-B358-B260-556E54F43871}"/>
-              </a:ext>
-            </a:extLst>
-          </p:cNvPr>
-          <p:cNvPicPr>
-            <a:picLocks noChangeAspect="1"/>
-          </p:cNvPicPr>
-          <p:nvPr/>
-        </p:nvPicPr>
-        <p:blipFill>
-          <a:blip r:embed="rId3" cstate="print">
-            <a:extLst>
-              <a:ext uri="{28A0092B-C50C-407E-A947-70E740481C1C}">
-                <a14:useLocalDpi xmlns:a14="http://schemas.microsoft.com/office/drawing/2010/main" val="0"/>
-              </a:ext>
-            </a:extLst>
-          </a:blip>
-          <a:stretch>
-            <a:fillRect/>
-          </a:stretch>
-        </p:blipFill>
-        <p:spPr>
-          <a:xfrm>
-            <a:off x="3425820" y="512258"/>
-            <a:ext cx="604969" cy="3080564"/>
-          </a:xfrm>
-          <a:prstGeom prst="rect">
-            <a:avLst/>
-          </a:prstGeom>
-        </p:spPr>
-      </p:pic>
-      <p:sp>
-        <p:nvSpPr>
-          <p:cNvPr id="4" name="TextBox 3">
-            <a:extLst>
-              <a:ext uri="{FF2B5EF4-FFF2-40B4-BE49-F238E27FC236}">
-                <a16:creationId xmlns:a16="http://schemas.microsoft.com/office/drawing/2014/main" id="{518BDF98-0653-843B-83BD-609DACB8E1DA}"/>
-              </a:ext>
-            </a:extLst>
-          </p:cNvPr>
-          <p:cNvSpPr txBox="1"/>
-          <p:nvPr/>
-        </p:nvSpPr>
-        <p:spPr>
-          <a:xfrm>
-            <a:off x="297271" y="409176"/>
-            <a:ext cx="1585356" cy="461665"/>
-          </a:xfrm>
-          <a:prstGeom prst="rect">
-            <a:avLst/>
-          </a:prstGeom>
-          <a:noFill/>
-        </p:spPr>
-        <p:txBody>
-          <a:bodyPr wrap="square" rtlCol="0">
-            <a:spAutoFit/>
-          </a:bodyPr>
-          <a:lstStyle/>
-          <a:p>
-            <a:pPr algn="ctr"/>
-            <a:r>
-              <a:rPr lang="en-GB" sz="600" b="1" dirty="0">
-                <a:latin typeface="Helvetica" pitchFamily="2" charset="0"/>
-              </a:rPr>
-              <a:t>1 domain (GOV.UK)</a:t>
-            </a:r>
-          </a:p>
-          <a:p>
-            <a:pPr algn="ctr"/>
-            <a:r>
-              <a:rPr lang="en-GB" sz="600" b="1" dirty="0">
-                <a:latin typeface="Helvetica" pitchFamily="2" charset="0"/>
-              </a:rPr>
-              <a:t>468 Organisations </a:t>
-            </a:r>
-          </a:p>
-          <a:p>
-            <a:pPr algn="ctr"/>
-            <a:r>
-              <a:rPr lang="en-GB" sz="600" dirty="0">
-                <a:latin typeface="Helvetica" pitchFamily="2" charset="0"/>
-              </a:rPr>
-              <a:t>(i.e., 44 departments, 424 executive agencies and public bodies)</a:t>
-            </a:r>
-          </a:p>
-        </p:txBody>
-      </p:sp>
-      <p:sp>
-        <p:nvSpPr>
-          <p:cNvPr id="5" name="TextBox 4">
-            <a:extLst>
-              <a:ext uri="{FF2B5EF4-FFF2-40B4-BE49-F238E27FC236}">
-                <a16:creationId xmlns:a16="http://schemas.microsoft.com/office/drawing/2014/main" id="{122068D4-624C-9C6D-396B-0E1D61280AC1}"/>
-              </a:ext>
-            </a:extLst>
-          </p:cNvPr>
-          <p:cNvSpPr txBox="1"/>
-          <p:nvPr/>
-        </p:nvSpPr>
-        <p:spPr>
-          <a:xfrm>
-            <a:off x="-152348" y="951873"/>
-            <a:ext cx="1337283" cy="369332"/>
-          </a:xfrm>
-          <a:prstGeom prst="rect">
-            <a:avLst/>
-          </a:prstGeom>
-          <a:noFill/>
-        </p:spPr>
-        <p:txBody>
-          <a:bodyPr wrap="square" rtlCol="0">
-            <a:spAutoFit/>
-          </a:bodyPr>
-          <a:lstStyle/>
-          <a:p>
-            <a:pPr algn="ctr"/>
-            <a:r>
-              <a:rPr lang="en-GB" sz="600" dirty="0">
-                <a:latin typeface="Helvetica" pitchFamily="2" charset="0"/>
-              </a:rPr>
-              <a:t>Quantifying</a:t>
-            </a:r>
-          </a:p>
-          <a:p>
-            <a:pPr algn="ctr"/>
-            <a:r>
-              <a:rPr lang="en-GB" sz="600" dirty="0">
-                <a:latin typeface="Helvetica" pitchFamily="2" charset="0"/>
-              </a:rPr>
-              <a:t>dynamics and scale </a:t>
-            </a:r>
-          </a:p>
-          <a:p>
-            <a:pPr algn="ctr"/>
-            <a:r>
-              <a:rPr lang="en-GB" sz="600" dirty="0">
-                <a:latin typeface="Helvetica" pitchFamily="2" charset="0"/>
-              </a:rPr>
-              <a:t>of service delivery</a:t>
-            </a:r>
-          </a:p>
-        </p:txBody>
-      </p:sp>
-      <p:sp>
-        <p:nvSpPr>
-          <p:cNvPr id="6" name="TextBox 5">
-            <a:extLst>
-              <a:ext uri="{FF2B5EF4-FFF2-40B4-BE49-F238E27FC236}">
-                <a16:creationId xmlns:a16="http://schemas.microsoft.com/office/drawing/2014/main" id="{43717571-E369-2D80-47DF-C88FE480D109}"/>
-              </a:ext>
-            </a:extLst>
-          </p:cNvPr>
-          <p:cNvSpPr txBox="1"/>
-          <p:nvPr/>
-        </p:nvSpPr>
-        <p:spPr>
-          <a:xfrm>
-            <a:off x="1071177" y="957774"/>
-            <a:ext cx="1184482" cy="369332"/>
-          </a:xfrm>
-          <a:prstGeom prst="rect">
-            <a:avLst/>
-          </a:prstGeom>
-          <a:noFill/>
-        </p:spPr>
-        <p:txBody>
-          <a:bodyPr wrap="square" rtlCol="0">
-            <a:spAutoFit/>
-          </a:bodyPr>
-          <a:lstStyle/>
-          <a:p>
-            <a:pPr algn="ctr"/>
-            <a:r>
-              <a:rPr lang="en-GB" sz="600" dirty="0">
-                <a:latin typeface="Helvetica" pitchFamily="2" charset="0"/>
-              </a:rPr>
-              <a:t>Estimating</a:t>
-            </a:r>
-          </a:p>
-          <a:p>
-            <a:pPr algn="ctr"/>
-            <a:r>
-              <a:rPr lang="en-GB" sz="600" dirty="0">
-                <a:latin typeface="Helvetica" pitchFamily="2" charset="0"/>
-              </a:rPr>
-              <a:t>the potential of </a:t>
-            </a:r>
-          </a:p>
-          <a:p>
-            <a:pPr algn="ctr"/>
-            <a:r>
-              <a:rPr lang="en-GB" sz="600" dirty="0">
-                <a:latin typeface="Helvetica" pitchFamily="2" charset="0"/>
-              </a:rPr>
-              <a:t>automation and AI</a:t>
-            </a:r>
-          </a:p>
-        </p:txBody>
-      </p:sp>
-      <p:sp>
-        <p:nvSpPr>
-          <p:cNvPr id="19" name="TextBox 18">
-            <a:extLst>
-              <a:ext uri="{FF2B5EF4-FFF2-40B4-BE49-F238E27FC236}">
-                <a16:creationId xmlns:a16="http://schemas.microsoft.com/office/drawing/2014/main" id="{51041DCE-7E91-6D86-0610-82F3D49C0659}"/>
-              </a:ext>
-            </a:extLst>
-          </p:cNvPr>
-          <p:cNvSpPr txBox="1"/>
-          <p:nvPr/>
-        </p:nvSpPr>
-        <p:spPr>
-          <a:xfrm>
-            <a:off x="325352" y="157597"/>
-            <a:ext cx="1585356" cy="238463"/>
-          </a:xfrm>
-          <a:prstGeom prst="rect">
-            <a:avLst/>
-          </a:prstGeom>
-          <a:noFill/>
-        </p:spPr>
-        <p:txBody>
-          <a:bodyPr wrap="square" rtlCol="0">
-            <a:spAutoFit/>
-          </a:bodyPr>
-          <a:lstStyle/>
-          <a:p>
-            <a:pPr algn="ctr">
-              <a:lnSpc>
-                <a:spcPct val="150000"/>
-              </a:lnSpc>
-            </a:pPr>
-            <a:r>
-              <a:rPr lang="en-GB" sz="701" b="1" dirty="0">
-                <a:latin typeface="Helvetica" pitchFamily="2" charset="0"/>
-              </a:rPr>
-              <a:t>UK Government</a:t>
-            </a:r>
-          </a:p>
-        </p:txBody>
-      </p:sp>
-      <p:sp>
-        <p:nvSpPr>
-          <p:cNvPr id="21" name="Rectangle 20">
-            <a:extLst>
-              <a:ext uri="{FF2B5EF4-FFF2-40B4-BE49-F238E27FC236}">
-                <a16:creationId xmlns:a16="http://schemas.microsoft.com/office/drawing/2014/main" id="{569C2496-DFAE-22EA-6D34-FA2B743EAE9F}"/>
-              </a:ext>
-            </a:extLst>
-          </p:cNvPr>
-          <p:cNvSpPr/>
-          <p:nvPr/>
-        </p:nvSpPr>
-        <p:spPr>
-          <a:xfrm>
-            <a:off x="4722877" y="251814"/>
-            <a:ext cx="2117651" cy="3680750"/>
-          </a:xfrm>
-          <a:prstGeom prst="rect">
-            <a:avLst/>
-          </a:prstGeom>
-          <a:noFill/>
-          <a:ln w="6350"/>
-        </p:spPr>
-        <p:style>
-          <a:lnRef idx="2">
-            <a:schemeClr val="accent1">
-              <a:shade val="15000"/>
-            </a:schemeClr>
-          </a:lnRef>
-          <a:fillRef idx="1">
-            <a:schemeClr val="accent1"/>
-          </a:fillRef>
-          <a:effectRef idx="0">
-            <a:schemeClr val="accent1"/>
-          </a:effectRef>
-          <a:fontRef idx="minor">
-            <a:schemeClr val="lt1"/>
-          </a:fontRef>
-        </p:style>
-        <p:txBody>
-          <a:bodyPr rtlCol="0" anchor="ctr"/>
-          <a:lstStyle/>
-          <a:p>
-            <a:pPr algn="ctr"/>
-            <a:endParaRPr lang="en-GB"/>
-          </a:p>
-        </p:txBody>
-      </p:sp>
-      <p:sp>
-        <p:nvSpPr>
-          <p:cNvPr id="24" name="Rectangle 23">
-            <a:extLst>
-              <a:ext uri="{FF2B5EF4-FFF2-40B4-BE49-F238E27FC236}">
-                <a16:creationId xmlns:a16="http://schemas.microsoft.com/office/drawing/2014/main" id="{12063674-96A9-B9BC-C580-AABE426DC22E}"/>
-              </a:ext>
-            </a:extLst>
-          </p:cNvPr>
-          <p:cNvSpPr/>
-          <p:nvPr/>
-        </p:nvSpPr>
-        <p:spPr>
-          <a:xfrm>
-            <a:off x="2584982" y="252617"/>
-            <a:ext cx="2061790" cy="3680746"/>
-          </a:xfrm>
-          <a:prstGeom prst="rect">
-            <a:avLst/>
-          </a:prstGeom>
-          <a:noFill/>
-          <a:ln w="6350"/>
-        </p:spPr>
-        <p:style>
-          <a:lnRef idx="2">
-            <a:schemeClr val="accent1">
-              <a:shade val="15000"/>
-            </a:schemeClr>
-          </a:lnRef>
-          <a:fillRef idx="1">
-            <a:schemeClr val="accent1"/>
-          </a:fillRef>
-          <a:effectRef idx="0">
-            <a:schemeClr val="accent1"/>
-          </a:effectRef>
-          <a:fontRef idx="minor">
-            <a:schemeClr val="lt1"/>
-          </a:fontRef>
-        </p:style>
-        <p:txBody>
-          <a:bodyPr rtlCol="0" anchor="ctr"/>
-          <a:lstStyle/>
-          <a:p>
-            <a:pPr algn="ctr"/>
             <a:endParaRPr lang="en-GB" dirty="0"/>
           </a:p>
         </p:txBody>
@@ -7687,8 +7487,8 @@
         </p:nvCxnSpPr>
         <p:spPr>
           <a:xfrm>
-            <a:off x="3270981" y="899053"/>
-            <a:ext cx="372920" cy="0"/>
+            <a:off x="3339541" y="899053"/>
+            <a:ext cx="304360" cy="0"/>
           </a:xfrm>
           <a:prstGeom prst="straightConnector1">
             <a:avLst/>
@@ -7697,54 +7497,8 @@
             <a:solidFill>
               <a:schemeClr val="tx1"/>
             </a:solidFill>
-            <a:headEnd w="lg" len="sm"/>
+            <a:headEnd type="triangle" w="sm" len="sm"/>
             <a:tailEnd type="none" w="sm" len="sm"/>
-          </a:ln>
-        </p:spPr>
-        <p:style>
-          <a:lnRef idx="1">
-            <a:schemeClr val="accent1"/>
-          </a:lnRef>
-          <a:fillRef idx="0">
-            <a:schemeClr val="accent1"/>
-          </a:fillRef>
-          <a:effectRef idx="0">
-            <a:schemeClr val="accent1"/>
-          </a:effectRef>
-          <a:fontRef idx="minor">
-            <a:schemeClr val="tx1"/>
-          </a:fontRef>
-        </p:style>
-      </p:cxnSp>
-      <p:cxnSp>
-        <p:nvCxnSpPr>
-          <p:cNvPr id="38" name="Straight Arrow Connector 37">
-            <a:extLst>
-              <a:ext uri="{FF2B5EF4-FFF2-40B4-BE49-F238E27FC236}">
-                <a16:creationId xmlns:a16="http://schemas.microsoft.com/office/drawing/2014/main" id="{9A423733-14CD-9865-FA9F-4796AE0D7AE2}"/>
-              </a:ext>
-            </a:extLst>
-          </p:cNvPr>
-          <p:cNvCxnSpPr>
-            <a:cxnSpLocks/>
-          </p:cNvCxnSpPr>
-          <p:nvPr/>
-        </p:nvCxnSpPr>
-        <p:spPr>
-          <a:xfrm>
-            <a:off x="2408909" y="611643"/>
-            <a:ext cx="2237863" cy="0"/>
-          </a:xfrm>
-          <a:prstGeom prst="straightConnector1">
-            <a:avLst/>
-          </a:prstGeom>
-          <a:ln w="9525">
-            <a:solidFill>
-              <a:srgbClr val="FF0000"/>
-            </a:solidFill>
-            <a:prstDash val="lgDash"/>
-            <a:headEnd type="none" w="med" len="med"/>
-            <a:tailEnd type="none" w="med" len="med"/>
           </a:ln>
         </p:spPr>
         <p:style>
@@ -7778,54 +7532,8 @@
         </p:nvCxnSpPr>
         <p:spPr>
           <a:xfrm>
-            <a:off x="2479743" y="2050815"/>
+            <a:off x="2446088" y="2050815"/>
             <a:ext cx="2198828" cy="0"/>
-          </a:xfrm>
-          <a:prstGeom prst="straightConnector1">
-            <a:avLst/>
-          </a:prstGeom>
-          <a:ln w="9525">
-            <a:solidFill>
-              <a:srgbClr val="FF0000"/>
-            </a:solidFill>
-            <a:prstDash val="lgDash"/>
-            <a:headEnd type="none" w="med" len="med"/>
-            <a:tailEnd type="none" w="med" len="med"/>
-          </a:ln>
-        </p:spPr>
-        <p:style>
-          <a:lnRef idx="1">
-            <a:schemeClr val="accent1"/>
-          </a:lnRef>
-          <a:fillRef idx="0">
-            <a:schemeClr val="accent1"/>
-          </a:fillRef>
-          <a:effectRef idx="0">
-            <a:schemeClr val="accent1"/>
-          </a:effectRef>
-          <a:fontRef idx="minor">
-            <a:schemeClr val="tx1"/>
-          </a:fontRef>
-        </p:style>
-      </p:cxnSp>
-      <p:cxnSp>
-        <p:nvCxnSpPr>
-          <p:cNvPr id="43" name="Straight Arrow Connector 42">
-            <a:extLst>
-              <a:ext uri="{FF2B5EF4-FFF2-40B4-BE49-F238E27FC236}">
-                <a16:creationId xmlns:a16="http://schemas.microsoft.com/office/drawing/2014/main" id="{A9B560C8-9B69-5A3F-E800-477F43A87CC2}"/>
-              </a:ext>
-            </a:extLst>
-          </p:cNvPr>
-          <p:cNvCxnSpPr>
-            <a:cxnSpLocks/>
-          </p:cNvCxnSpPr>
-          <p:nvPr/>
-        </p:nvCxnSpPr>
-        <p:spPr>
-          <a:xfrm>
-            <a:off x="2408909" y="3501597"/>
-            <a:ext cx="2237863" cy="0"/>
           </a:xfrm>
           <a:prstGeom prst="straightConnector1">
             <a:avLst/>
@@ -8050,7 +7758,7 @@
         </p:nvCxnSpPr>
         <p:spPr>
           <a:xfrm>
-            <a:off x="2375926" y="611643"/>
+            <a:off x="2375926" y="609738"/>
             <a:ext cx="180975" cy="0"/>
           </a:xfrm>
           <a:prstGeom prst="line">
@@ -8445,7 +8153,19 @@
               <a:rPr lang="en-GB" sz="600" dirty="0">
                 <a:latin typeface="Helvetica" pitchFamily="2" charset="0"/>
               </a:rPr>
-              <a:t>Appeal against a visa or immigration decision: You may need a visa to come to the UK to visit, study or work. You can appeal to the First-tier Tribunal (Immigration and Asylum Chamber).</a:t>
+              <a:t>Appeal against a </a:t>
+            </a:r>
+            <a:r>
+              <a:rPr lang="en-GB" sz="600" dirty="0" smtClean="0">
+                <a:latin typeface="Helvetica" pitchFamily="2" charset="0"/>
+              </a:rPr>
+              <a:t>visa or immigration </a:t>
+            </a:r>
+            <a:r>
+              <a:rPr lang="en-GB" sz="600" dirty="0">
+                <a:latin typeface="Helvetica" pitchFamily="2" charset="0"/>
+              </a:rPr>
+              <a:t>decision: You may need a visa to come to the UK to visit, study or work. You can appeal to the First-tier Tribunal (Immigration and Asylum Chamber).</a:t>
             </a:r>
           </a:p>
         </p:txBody>
@@ -8550,7 +8270,7 @@
         <p:spPr>
           <a:xfrm>
             <a:off x="4297931" y="1846053"/>
-            <a:ext cx="548433" cy="0"/>
+            <a:ext cx="577517" cy="88"/>
           </a:xfrm>
           <a:prstGeom prst="straightConnector1">
             <a:avLst/>
@@ -8578,137 +8298,6 @@
           </a:fontRef>
         </p:style>
       </p:cxnSp>
-      <p:cxnSp>
-        <p:nvCxnSpPr>
-          <p:cNvPr id="1090" name="Straight Arrow Connector 1089">
-            <a:extLst>
-              <a:ext uri="{FF2B5EF4-FFF2-40B4-BE49-F238E27FC236}">
-                <a16:creationId xmlns:a16="http://schemas.microsoft.com/office/drawing/2014/main" id="{B90E577E-EF21-E7DF-7B7F-C3D9F3F31CC5}"/>
-              </a:ext>
-            </a:extLst>
-          </p:cNvPr>
-          <p:cNvCxnSpPr>
-            <a:cxnSpLocks/>
-          </p:cNvCxnSpPr>
-          <p:nvPr/>
-        </p:nvCxnSpPr>
-        <p:spPr>
-          <a:xfrm>
-            <a:off x="3710162" y="899053"/>
-            <a:ext cx="1105418" cy="0"/>
-          </a:xfrm>
-          <a:prstGeom prst="straightConnector1">
-            <a:avLst/>
-          </a:prstGeom>
-          <a:ln w="9525">
-            <a:solidFill>
-              <a:schemeClr val="tx1"/>
-            </a:solidFill>
-            <a:headEnd w="lg" len="sm"/>
-            <a:tailEnd type="triangle" w="sm" len="sm"/>
-          </a:ln>
-        </p:spPr>
-        <p:style>
-          <a:lnRef idx="1">
-            <a:schemeClr val="accent1"/>
-          </a:lnRef>
-          <a:fillRef idx="0">
-            <a:schemeClr val="accent1"/>
-          </a:fillRef>
-          <a:effectRef idx="0">
-            <a:schemeClr val="accent1"/>
-          </a:effectRef>
-          <a:fontRef idx="minor">
-            <a:schemeClr val="tx1"/>
-          </a:fontRef>
-        </p:style>
-      </p:cxnSp>
-      <p:cxnSp>
-        <p:nvCxnSpPr>
-          <p:cNvPr id="17" name="Straight Connector 16">
-            <a:extLst>
-              <a:ext uri="{FF2B5EF4-FFF2-40B4-BE49-F238E27FC236}">
-                <a16:creationId xmlns:a16="http://schemas.microsoft.com/office/drawing/2014/main" id="{69F21B93-60D4-3D7B-CA3C-CED5000AA0B0}"/>
-              </a:ext>
-            </a:extLst>
-          </p:cNvPr>
-          <p:cNvCxnSpPr>
-            <a:cxnSpLocks/>
-          </p:cNvCxnSpPr>
-          <p:nvPr/>
-        </p:nvCxnSpPr>
-        <p:spPr>
-          <a:xfrm>
-            <a:off x="4841950" y="694186"/>
-            <a:ext cx="726739" cy="0"/>
-          </a:xfrm>
-          <a:prstGeom prst="line">
-            <a:avLst/>
-          </a:prstGeom>
-          <a:ln w="6350">
-            <a:solidFill>
-              <a:schemeClr val="tx1"/>
-            </a:solidFill>
-          </a:ln>
-        </p:spPr>
-        <p:style>
-          <a:lnRef idx="1">
-            <a:schemeClr val="accent1"/>
-          </a:lnRef>
-          <a:fillRef idx="0">
-            <a:schemeClr val="accent1"/>
-          </a:fillRef>
-          <a:effectRef idx="0">
-            <a:schemeClr val="accent1"/>
-          </a:effectRef>
-          <a:fontRef idx="minor">
-            <a:schemeClr val="tx1"/>
-          </a:fontRef>
-        </p:style>
-      </p:cxnSp>
-      <p:cxnSp>
-        <p:nvCxnSpPr>
-          <p:cNvPr id="18" name="Straight Connector 17">
-            <a:extLst>
-              <a:ext uri="{FF2B5EF4-FFF2-40B4-BE49-F238E27FC236}">
-                <a16:creationId xmlns:a16="http://schemas.microsoft.com/office/drawing/2014/main" id="{64393F54-0E39-D3C7-914B-FA1852491C6F}"/>
-              </a:ext>
-            </a:extLst>
-          </p:cNvPr>
-          <p:cNvCxnSpPr>
-            <a:cxnSpLocks/>
-          </p:cNvCxnSpPr>
-          <p:nvPr/>
-        </p:nvCxnSpPr>
-        <p:spPr>
-          <a:xfrm>
-            <a:off x="4841950" y="1404540"/>
-            <a:ext cx="726739" cy="0"/>
-          </a:xfrm>
-          <a:prstGeom prst="line">
-            <a:avLst/>
-          </a:prstGeom>
-          <a:ln w="6350">
-            <a:solidFill>
-              <a:schemeClr val="tx1"/>
-            </a:solidFill>
-          </a:ln>
-        </p:spPr>
-        <p:style>
-          <a:lnRef idx="1">
-            <a:schemeClr val="accent1"/>
-          </a:lnRef>
-          <a:fillRef idx="0">
-            <a:schemeClr val="accent1"/>
-          </a:fillRef>
-          <a:effectRef idx="0">
-            <a:schemeClr val="accent1"/>
-          </a:effectRef>
-          <a:fontRef idx="minor">
-            <a:schemeClr val="tx1"/>
-          </a:fontRef>
-        </p:style>
-      </p:cxnSp>
       <p:sp>
         <p:nvSpPr>
           <p:cNvPr id="22" name="TextBox 21">
@@ -8723,7 +8312,7 @@
         </p:nvSpPr>
         <p:spPr>
           <a:xfrm>
-            <a:off x="4634904" y="273157"/>
+            <a:off x="4637191" y="231611"/>
             <a:ext cx="1129606" cy="261610"/>
           </a:xfrm>
           <a:prstGeom prst="rect">
@@ -8756,49 +8345,6 @@
           </a:p>
         </p:txBody>
       </p:sp>
-      <p:cxnSp>
-        <p:nvCxnSpPr>
-          <p:cNvPr id="23" name="Straight Connector 22">
-            <a:extLst>
-              <a:ext uri="{FF2B5EF4-FFF2-40B4-BE49-F238E27FC236}">
-                <a16:creationId xmlns:a16="http://schemas.microsoft.com/office/drawing/2014/main" id="{69D4FFD9-D0DB-99A3-BCD1-6179E96F1244}"/>
-              </a:ext>
-            </a:extLst>
-          </p:cNvPr>
-          <p:cNvCxnSpPr>
-            <a:cxnSpLocks/>
-          </p:cNvCxnSpPr>
-          <p:nvPr/>
-        </p:nvCxnSpPr>
-        <p:spPr>
-          <a:xfrm>
-            <a:off x="4841949" y="1283204"/>
-            <a:ext cx="726740" cy="0"/>
-          </a:xfrm>
-          <a:prstGeom prst="line">
-            <a:avLst/>
-          </a:prstGeom>
-          <a:ln w="6350">
-            <a:solidFill>
-              <a:schemeClr val="tx1"/>
-            </a:solidFill>
-          </a:ln>
-        </p:spPr>
-        <p:style>
-          <a:lnRef idx="1">
-            <a:schemeClr val="accent1"/>
-          </a:lnRef>
-          <a:fillRef idx="0">
-            <a:schemeClr val="accent1"/>
-          </a:fillRef>
-          <a:effectRef idx="0">
-            <a:schemeClr val="accent1"/>
-          </a:effectRef>
-          <a:fontRef idx="minor">
-            <a:schemeClr val="tx1"/>
-          </a:fontRef>
-        </p:style>
-      </p:cxnSp>
       <p:sp>
         <p:nvSpPr>
           <p:cNvPr id="25" name="TextBox 24">
@@ -8813,7 +8359,7 @@
         </p:nvSpPr>
         <p:spPr>
           <a:xfrm>
-            <a:off x="5669650" y="281692"/>
+            <a:off x="5669650" y="251212"/>
             <a:ext cx="1129606" cy="176972"/>
           </a:xfrm>
           <a:prstGeom prst="rect">
@@ -8851,7 +8397,7 @@
         </p:nvGrpSpPr>
         <p:grpSpPr>
           <a:xfrm>
-            <a:off x="5615941" y="446222"/>
+            <a:off x="5615941" y="415742"/>
             <a:ext cx="1262686" cy="1027373"/>
             <a:chOff x="5639320" y="252483"/>
             <a:chExt cx="1262686" cy="1027373"/>
@@ -9425,7 +8971,7 @@
         </p:nvSpPr>
         <p:spPr>
           <a:xfrm>
-            <a:off x="4817458" y="1441932"/>
+            <a:off x="4817458" y="1533372"/>
             <a:ext cx="2021942" cy="176972"/>
           </a:xfrm>
           <a:prstGeom prst="rect">
@@ -9465,7 +9011,7 @@
         </p:nvCxnSpPr>
         <p:spPr>
           <a:xfrm>
-            <a:off x="4872479" y="1756285"/>
+            <a:off x="4872479" y="1836295"/>
             <a:ext cx="1900953" cy="0"/>
           </a:xfrm>
           <a:prstGeom prst="line">
@@ -9508,7 +9054,7 @@
         </p:nvCxnSpPr>
         <p:spPr>
           <a:xfrm>
-            <a:off x="4871310" y="2629870"/>
+            <a:off x="4871310" y="2709880"/>
             <a:ext cx="1900953" cy="0"/>
           </a:xfrm>
           <a:prstGeom prst="line">
@@ -9549,7 +9095,7 @@
         </p:nvSpPr>
         <p:spPr>
           <a:xfrm>
-            <a:off x="4856392" y="2656971"/>
+            <a:off x="4856392" y="2698881"/>
             <a:ext cx="2021942" cy="176972"/>
           </a:xfrm>
           <a:prstGeom prst="rect">
@@ -9595,7 +9141,7 @@
         </p:nvCxnSpPr>
         <p:spPr>
           <a:xfrm>
-            <a:off x="4877371" y="2975970"/>
+            <a:off x="4877371" y="3017880"/>
             <a:ext cx="1900953" cy="0"/>
           </a:xfrm>
           <a:prstGeom prst="line">
@@ -9638,7 +9184,7 @@
         </p:nvCxnSpPr>
         <p:spPr>
           <a:xfrm>
-            <a:off x="4877371" y="3849555"/>
+            <a:off x="4877371" y="3891465"/>
             <a:ext cx="1907559" cy="0"/>
           </a:xfrm>
           <a:prstGeom prst="line">
@@ -9679,7 +9225,7 @@
         </p:nvSpPr>
         <p:spPr>
           <a:xfrm>
-            <a:off x="4869938" y="3217538"/>
+            <a:off x="4869938" y="3259448"/>
             <a:ext cx="1909537" cy="196817"/>
           </a:xfrm>
           <a:prstGeom prst="rect">
@@ -9731,7 +9277,7 @@
         </p:nvSpPr>
         <p:spPr>
           <a:xfrm>
-            <a:off x="4873661" y="3434941"/>
+            <a:off x="4873661" y="3476851"/>
             <a:ext cx="1909536" cy="196817"/>
           </a:xfrm>
           <a:prstGeom prst="rect">
@@ -9783,7 +9329,7 @@
         </p:nvSpPr>
         <p:spPr>
           <a:xfrm>
-            <a:off x="4846364" y="2975907"/>
+            <a:off x="4846364" y="3017817"/>
             <a:ext cx="402674" cy="230832"/>
           </a:xfrm>
           <a:prstGeom prst="rect">
@@ -9828,7 +9374,7 @@
         </p:nvSpPr>
         <p:spPr>
           <a:xfrm>
-            <a:off x="4846364" y="3202956"/>
+            <a:off x="4846364" y="3244866"/>
             <a:ext cx="402674" cy="230832"/>
           </a:xfrm>
           <a:prstGeom prst="rect">
@@ -9873,7 +9419,7 @@
         </p:nvSpPr>
         <p:spPr>
           <a:xfrm>
-            <a:off x="4850648" y="3413701"/>
+            <a:off x="4850648" y="3455611"/>
             <a:ext cx="402674" cy="230832"/>
           </a:xfrm>
           <a:prstGeom prst="rect">
@@ -9918,7 +9464,7 @@
         </p:nvSpPr>
         <p:spPr>
           <a:xfrm>
-            <a:off x="4856392" y="3635730"/>
+            <a:off x="4856392" y="3677640"/>
             <a:ext cx="402674" cy="230832"/>
           </a:xfrm>
           <a:prstGeom prst="rect">
@@ -9963,7 +9509,7 @@
         </p:nvSpPr>
         <p:spPr>
           <a:xfrm>
-            <a:off x="5176230" y="2975069"/>
+            <a:off x="5176230" y="3016979"/>
             <a:ext cx="1596033" cy="230832"/>
           </a:xfrm>
           <a:prstGeom prst="rect">
@@ -10006,7 +9552,7 @@
         </p:nvSpPr>
         <p:spPr>
           <a:xfrm>
-            <a:off x="5183321" y="3197663"/>
+            <a:off x="5183321" y="3239573"/>
             <a:ext cx="1760331" cy="230832"/>
           </a:xfrm>
           <a:prstGeom prst="rect">
@@ -10057,7 +9603,7 @@
         </p:nvSpPr>
         <p:spPr>
           <a:xfrm>
-            <a:off x="5187297" y="3423052"/>
+            <a:off x="5187297" y="3464962"/>
             <a:ext cx="1803415" cy="230832"/>
           </a:xfrm>
           <a:prstGeom prst="rect">
@@ -10100,7 +9646,7 @@
         </p:nvSpPr>
         <p:spPr>
           <a:xfrm>
-            <a:off x="5197126" y="3639956"/>
+            <a:off x="5197126" y="3681866"/>
             <a:ext cx="1596033" cy="230832"/>
           </a:xfrm>
           <a:prstGeom prst="rect">
@@ -10129,138 +9675,123 @@
           </a:p>
         </p:txBody>
       </p:sp>
-      <p:grpSp>
-        <p:nvGrpSpPr>
-          <p:cNvPr id="1116" name="Group 1115">
+      <p:sp>
+        <p:nvSpPr>
+          <p:cNvPr id="1113" name="TextBox 1112">
             <a:extLst>
               <a:ext uri="{FF2B5EF4-FFF2-40B4-BE49-F238E27FC236}">
-                <a16:creationId xmlns:a16="http://schemas.microsoft.com/office/drawing/2014/main" id="{5B8329A7-F4F8-B774-C024-E1B4839E9BAE}"/>
+                <a16:creationId xmlns:a16="http://schemas.microsoft.com/office/drawing/2014/main" id="{63F4D0B0-4B05-61E3-EED2-034161DBB12F}"/>
               </a:ext>
             </a:extLst>
           </p:cNvPr>
-          <p:cNvGrpSpPr/>
+          <p:cNvSpPr txBox="1"/>
           <p:nvPr/>
-        </p:nvGrpSpPr>
-        <p:grpSpPr>
-          <a:xfrm>
-            <a:off x="-47272" y="-15363"/>
-            <a:ext cx="4909209" cy="273486"/>
-            <a:chOff x="-22724" y="27596"/>
-            <a:chExt cx="4909209" cy="273486"/>
-          </a:xfrm>
-        </p:grpSpPr>
-        <p:sp>
-          <p:nvSpPr>
-            <p:cNvPr id="1113" name="TextBox 1112">
-              <a:extLst>
-                <a:ext uri="{FF2B5EF4-FFF2-40B4-BE49-F238E27FC236}">
-                  <a16:creationId xmlns:a16="http://schemas.microsoft.com/office/drawing/2014/main" id="{63F4D0B0-4B05-61E3-EED2-034161DBB12F}"/>
-                </a:ext>
-              </a:extLst>
-            </p:cNvPr>
-            <p:cNvSpPr txBox="1"/>
-            <p:nvPr/>
-          </p:nvSpPr>
-          <p:spPr>
-            <a:xfrm>
-              <a:off x="2470086" y="32016"/>
-              <a:ext cx="277640" cy="246221"/>
-            </a:xfrm>
-            <a:prstGeom prst="rect">
-              <a:avLst/>
-            </a:prstGeom>
-            <a:noFill/>
-          </p:spPr>
-          <p:txBody>
-            <a:bodyPr wrap="none" rtlCol="0">
-              <a:spAutoFit/>
-            </a:bodyPr>
-            <a:lstStyle/>
-            <a:p>
-              <a:r>
-                <a:rPr lang="en-GB" sz="1000" b="1" dirty="0">
-                  <a:latin typeface="Helvetica" pitchFamily="2" charset="0"/>
-                </a:rPr>
-                <a:t>C</a:t>
-              </a:r>
-            </a:p>
-          </p:txBody>
-        </p:sp>
-        <p:sp>
-          <p:nvSpPr>
-            <p:cNvPr id="1114" name="TextBox 1113">
-              <a:extLst>
-                <a:ext uri="{FF2B5EF4-FFF2-40B4-BE49-F238E27FC236}">
-                  <a16:creationId xmlns:a16="http://schemas.microsoft.com/office/drawing/2014/main" id="{1FEDC399-AC46-058B-35DC-C3C4982E4A68}"/>
-                </a:ext>
-              </a:extLst>
-            </p:cNvPr>
-            <p:cNvSpPr txBox="1"/>
-            <p:nvPr/>
-          </p:nvSpPr>
-          <p:spPr>
-            <a:xfrm>
-              <a:off x="4608845" y="27596"/>
-              <a:ext cx="277640" cy="246221"/>
-            </a:xfrm>
-            <a:prstGeom prst="rect">
-              <a:avLst/>
-            </a:prstGeom>
-            <a:noFill/>
-          </p:spPr>
-          <p:txBody>
-            <a:bodyPr wrap="none" rtlCol="0">
-              <a:spAutoFit/>
-            </a:bodyPr>
-            <a:lstStyle/>
-            <a:p>
-              <a:r>
-                <a:rPr lang="en-GB" sz="1000" b="1" dirty="0">
-                  <a:latin typeface="Helvetica" pitchFamily="2" charset="0"/>
-                </a:rPr>
-                <a:t>D</a:t>
-              </a:r>
-            </a:p>
-          </p:txBody>
-        </p:sp>
-        <p:sp>
-          <p:nvSpPr>
-            <p:cNvPr id="1115" name="TextBox 1114">
-              <a:extLst>
-                <a:ext uri="{FF2B5EF4-FFF2-40B4-BE49-F238E27FC236}">
-                  <a16:creationId xmlns:a16="http://schemas.microsoft.com/office/drawing/2014/main" id="{33743A0C-A613-CF3E-CA37-79856E5A6576}"/>
-                </a:ext>
-              </a:extLst>
-            </p:cNvPr>
-            <p:cNvSpPr txBox="1"/>
-            <p:nvPr/>
-          </p:nvSpPr>
-          <p:spPr>
-            <a:xfrm>
-              <a:off x="-22724" y="54861"/>
-              <a:ext cx="277640" cy="246221"/>
-            </a:xfrm>
-            <a:prstGeom prst="rect">
-              <a:avLst/>
-            </a:prstGeom>
-            <a:noFill/>
-          </p:spPr>
-          <p:txBody>
-            <a:bodyPr wrap="none" rtlCol="0">
-              <a:spAutoFit/>
-            </a:bodyPr>
-            <a:lstStyle/>
-            <a:p>
-              <a:r>
-                <a:rPr lang="en-GB" sz="1000" b="1" dirty="0">
-                  <a:latin typeface="Helvetica" pitchFamily="2" charset="0"/>
-                </a:rPr>
-                <a:t>A</a:t>
-              </a:r>
-            </a:p>
-          </p:txBody>
-        </p:sp>
-      </p:grpSp>
+        </p:nvSpPr>
+        <p:spPr>
+          <a:xfrm>
+            <a:off x="1884610" y="56941"/>
+            <a:ext cx="271084" cy="246221"/>
+          </a:xfrm>
+          <a:prstGeom prst="rect">
+            <a:avLst/>
+          </a:prstGeom>
+          <a:noFill/>
+        </p:spPr>
+        <p:txBody>
+          <a:bodyPr wrap="square" rtlCol="0">
+            <a:spAutoFit/>
+          </a:bodyPr>
+          <a:lstStyle/>
+          <a:p>
+            <a:r>
+              <a:rPr lang="en-GB" sz="1000" b="1" dirty="0">
+                <a:latin typeface="Helvetica" pitchFamily="2" charset="0"/>
+              </a:rPr>
+              <a:t>B</a:t>
+            </a:r>
+            <a:endParaRPr lang="en-GB" sz="1000" b="1" dirty="0">
+              <a:latin typeface="Helvetica" pitchFamily="2" charset="0"/>
+            </a:endParaRPr>
+          </a:p>
+        </p:txBody>
+      </p:sp>
+      <p:sp>
+        <p:nvSpPr>
+          <p:cNvPr id="1114" name="TextBox 1113">
+            <a:extLst>
+              <a:ext uri="{FF2B5EF4-FFF2-40B4-BE49-F238E27FC236}">
+                <a16:creationId xmlns:a16="http://schemas.microsoft.com/office/drawing/2014/main" id="{1FEDC399-AC46-058B-35DC-C3C4982E4A68}"/>
+              </a:ext>
+            </a:extLst>
+          </p:cNvPr>
+          <p:cNvSpPr txBox="1"/>
+          <p:nvPr/>
+        </p:nvSpPr>
+        <p:spPr>
+          <a:xfrm>
+            <a:off x="4578491" y="68363"/>
+            <a:ext cx="277640" cy="246221"/>
+          </a:xfrm>
+          <a:prstGeom prst="rect">
+            <a:avLst/>
+          </a:prstGeom>
+          <a:noFill/>
+        </p:spPr>
+        <p:txBody>
+          <a:bodyPr wrap="none" rtlCol="0">
+            <a:spAutoFit/>
+          </a:bodyPr>
+          <a:lstStyle/>
+          <a:p>
+            <a:r>
+              <a:rPr lang="en-GB" sz="1000" b="1" dirty="0">
+                <a:latin typeface="Helvetica" pitchFamily="2" charset="0"/>
+              </a:rPr>
+              <a:t>C</a:t>
+            </a:r>
+            <a:endParaRPr lang="en-GB" sz="1000" b="1" dirty="0">
+              <a:latin typeface="Helvetica" pitchFamily="2" charset="0"/>
+            </a:endParaRPr>
+          </a:p>
+        </p:txBody>
+      </p:sp>
+      <p:sp>
+        <p:nvSpPr>
+          <p:cNvPr id="1115" name="TextBox 1114">
+            <a:extLst>
+              <a:ext uri="{FF2B5EF4-FFF2-40B4-BE49-F238E27FC236}">
+                <a16:creationId xmlns:a16="http://schemas.microsoft.com/office/drawing/2014/main" id="{33743A0C-A613-CF3E-CA37-79856E5A6576}"/>
+              </a:ext>
+            </a:extLst>
+          </p:cNvPr>
+          <p:cNvSpPr txBox="1"/>
+          <p:nvPr/>
+        </p:nvSpPr>
+        <p:spPr>
+          <a:xfrm>
+            <a:off x="-24834" y="66725"/>
+            <a:ext cx="271084" cy="246221"/>
+          </a:xfrm>
+          <a:prstGeom prst="rect">
+            <a:avLst/>
+          </a:prstGeom>
+          <a:noFill/>
+        </p:spPr>
+        <p:txBody>
+          <a:bodyPr wrap="square" rtlCol="0">
+            <a:spAutoFit/>
+          </a:bodyPr>
+          <a:lstStyle/>
+          <a:p>
+            <a:r>
+              <a:rPr lang="en-GB" sz="1000" b="1" dirty="0">
+                <a:latin typeface="Helvetica" pitchFamily="2" charset="0"/>
+              </a:rPr>
+              <a:t>A</a:t>
+            </a:r>
+          </a:p>
+        </p:txBody>
+      </p:sp>
       <p:cxnSp>
         <p:nvCxnSpPr>
           <p:cNvPr id="1123" name="Straight Connector 1122">
@@ -10277,7 +9808,7 @@
         </p:nvCxnSpPr>
         <p:spPr>
           <a:xfrm>
-            <a:off x="4777836" y="2100083"/>
+            <a:off x="4823556" y="2134373"/>
             <a:ext cx="0" cy="1238149"/>
           </a:xfrm>
           <a:prstGeom prst="line">
@@ -10320,7 +9851,7 @@
         </p:nvCxnSpPr>
         <p:spPr>
           <a:xfrm>
-            <a:off x="4777836" y="3334659"/>
+            <a:off x="4823556" y="3367044"/>
             <a:ext cx="91112" cy="0"/>
           </a:xfrm>
           <a:prstGeom prst="line">
@@ -10349,43 +9880,6 @@
           </a:fontRef>
         </p:style>
       </p:cxnSp>
-      <p:sp>
-        <p:nvSpPr>
-          <p:cNvPr id="1142" name="TextBox 1141">
-            <a:extLst>
-              <a:ext uri="{FF2B5EF4-FFF2-40B4-BE49-F238E27FC236}">
-                <a16:creationId xmlns:a16="http://schemas.microsoft.com/office/drawing/2014/main" id="{95A2047D-58A0-B55B-711E-50B2F5AA09D2}"/>
-              </a:ext>
-            </a:extLst>
-          </p:cNvPr>
-          <p:cNvSpPr txBox="1"/>
-          <p:nvPr/>
-        </p:nvSpPr>
-        <p:spPr>
-          <a:xfrm>
-            <a:off x="-47886" y="2586631"/>
-            <a:ext cx="277640" cy="246221"/>
-          </a:xfrm>
-          <a:prstGeom prst="rect">
-            <a:avLst/>
-          </a:prstGeom>
-          <a:noFill/>
-        </p:spPr>
-        <p:txBody>
-          <a:bodyPr wrap="none" rtlCol="0">
-            <a:spAutoFit/>
-          </a:bodyPr>
-          <a:lstStyle/>
-          <a:p>
-            <a:r>
-              <a:rPr lang="en-GB" sz="1000" b="1" dirty="0">
-                <a:latin typeface="Helvetica" pitchFamily="2" charset="0"/>
-              </a:rPr>
-              <a:t>B</a:t>
-            </a:r>
-          </a:p>
-        </p:txBody>
-      </p:sp>
       <p:sp>
         <p:nvSpPr>
           <p:cNvPr id="1143" name="TextBox 1142">
@@ -11830,7 +11324,7 @@
         </p:nvSpPr>
         <p:spPr>
           <a:xfrm>
-            <a:off x="1024923" y="3838847"/>
+            <a:off x="988116" y="3826147"/>
             <a:ext cx="335348" cy="176972"/>
           </a:xfrm>
           <a:prstGeom prst="rect">
@@ -11853,6 +11347,53 @@
           </a:p>
         </p:txBody>
       </p:sp>
+      <p:cxnSp>
+        <p:nvCxnSpPr>
+          <p:cNvPr id="1090" name="Straight Arrow Connector 1089">
+            <a:extLst>
+              <a:ext uri="{FF2B5EF4-FFF2-40B4-BE49-F238E27FC236}">
+                <a16:creationId xmlns:a16="http://schemas.microsoft.com/office/drawing/2014/main" id="{B90E577E-EF21-E7DF-7B7F-C3D9F3F31CC5}"/>
+              </a:ext>
+            </a:extLst>
+          </p:cNvPr>
+          <p:cNvCxnSpPr>
+            <a:cxnSpLocks/>
+          </p:cNvCxnSpPr>
+          <p:nvPr/>
+        </p:nvCxnSpPr>
+        <p:spPr>
+          <a:xfrm>
+            <a:off x="3710162" y="899053"/>
+            <a:ext cx="1204506" cy="0"/>
+          </a:xfrm>
+          <a:prstGeom prst="straightConnector1">
+            <a:avLst/>
+          </a:prstGeom>
+          <a:ln w="9525" cap="flat" cmpd="sng" algn="ctr">
+            <a:solidFill>
+              <a:schemeClr val="tx1"/>
+            </a:solidFill>
+            <a:prstDash val="solid"/>
+            <a:round/>
+            <a:headEnd type="none" w="med" len="med"/>
+            <a:tailEnd type="none" w="med" len="med"/>
+          </a:ln>
+        </p:spPr>
+        <p:style>
+          <a:lnRef idx="0">
+            <a:scrgbClr r="0" g="0" b="0"/>
+          </a:lnRef>
+          <a:fillRef idx="0">
+            <a:scrgbClr r="0" g="0" b="0"/>
+          </a:fillRef>
+          <a:effectRef idx="0">
+            <a:scrgbClr r="0" g="0" b="0"/>
+          </a:effectRef>
+          <a:fontRef idx="minor">
+            <a:schemeClr val="tx1"/>
+          </a:fontRef>
+        </p:style>
+      </p:cxnSp>
       <p:sp>
         <p:nvSpPr>
           <p:cNvPr id="1223" name="TextBox 1222">
@@ -11867,7 +11408,7 @@
         </p:nvSpPr>
         <p:spPr>
           <a:xfrm rot="16200000">
-            <a:off x="-288" y="3179072"/>
+            <a:off x="-288" y="3148592"/>
             <a:ext cx="617477" cy="169277"/>
           </a:xfrm>
           <a:prstGeom prst="rect">
@@ -11896,36 +11437,542 @@
           </a:p>
         </p:txBody>
       </p:sp>
-      <p:pic>
-        <p:nvPicPr>
-          <p:cNvPr id="10" name="Picture 9"/>
-          <p:cNvPicPr>
-            <a:picLocks noChangeAspect="1"/>
-          </p:cNvPicPr>
+      <p:sp>
+        <p:nvSpPr>
+          <p:cNvPr id="104" name="TextBox 103">
+            <a:extLst>
+              <a:ext uri="{FF2B5EF4-FFF2-40B4-BE49-F238E27FC236}">
+                <a16:creationId xmlns:a16="http://schemas.microsoft.com/office/drawing/2014/main" id="{1FEDC399-AC46-058B-35DC-C3C4982E4A68}"/>
+              </a:ext>
+            </a:extLst>
+          </p:cNvPr>
+          <p:cNvSpPr txBox="1"/>
           <p:nvPr/>
-        </p:nvPicPr>
-        <p:blipFill>
-          <a:blip r:embed="rId4" cstate="print">
-            <a:extLst>
-              <a:ext uri="{28A0092B-C50C-407E-A947-70E740481C1C}">
-                <a14:useLocalDpi xmlns:a14="http://schemas.microsoft.com/office/drawing/2010/main" val="0"/>
-              </a:ext>
-            </a:extLst>
-          </a:blip>
-          <a:stretch>
-            <a:fillRect/>
-          </a:stretch>
-        </p:blipFill>
-        <p:spPr>
-          <a:xfrm>
-            <a:off x="371880" y="2723424"/>
-            <a:ext cx="1694413" cy="1161689"/>
+        </p:nvSpPr>
+        <p:spPr>
+          <a:xfrm>
+            <a:off x="4578491" y="1402134"/>
+            <a:ext cx="277640" cy="246221"/>
           </a:xfrm>
           <a:prstGeom prst="rect">
             <a:avLst/>
           </a:prstGeom>
-        </p:spPr>
-      </p:pic>
+          <a:noFill/>
+        </p:spPr>
+        <p:txBody>
+          <a:bodyPr wrap="none" rtlCol="0">
+            <a:spAutoFit/>
+          </a:bodyPr>
+          <a:lstStyle/>
+          <a:p>
+            <a:r>
+              <a:rPr lang="en-GB" sz="1000" b="1" dirty="0">
+                <a:latin typeface="Helvetica" pitchFamily="2" charset="0"/>
+              </a:rPr>
+              <a:t>D</a:t>
+            </a:r>
+          </a:p>
+        </p:txBody>
+      </p:sp>
+      <p:sp>
+        <p:nvSpPr>
+          <p:cNvPr id="105" name="Rectangle 104">
+            <a:extLst>
+              <a:ext uri="{FF2B5EF4-FFF2-40B4-BE49-F238E27FC236}">
+                <a16:creationId xmlns:a16="http://schemas.microsoft.com/office/drawing/2014/main" id="{569C2496-DFAE-22EA-6D34-FA2B743EAE9F}"/>
+              </a:ext>
+            </a:extLst>
+          </p:cNvPr>
+          <p:cNvSpPr/>
+          <p:nvPr/>
+        </p:nvSpPr>
+        <p:spPr>
+          <a:xfrm>
+            <a:off x="4771035" y="1560262"/>
+            <a:ext cx="2071985" cy="2373102"/>
+          </a:xfrm>
+          <a:prstGeom prst="rect">
+            <a:avLst/>
+          </a:prstGeom>
+          <a:noFill/>
+          <a:ln w="6350"/>
+        </p:spPr>
+        <p:style>
+          <a:lnRef idx="2">
+            <a:schemeClr val="accent1">
+              <a:shade val="15000"/>
+            </a:schemeClr>
+          </a:lnRef>
+          <a:fillRef idx="1">
+            <a:schemeClr val="accent1"/>
+          </a:fillRef>
+          <a:effectRef idx="0">
+            <a:schemeClr val="accent1"/>
+          </a:effectRef>
+          <a:fontRef idx="minor">
+            <a:schemeClr val="lt1"/>
+          </a:fontRef>
+        </p:style>
+        <p:txBody>
+          <a:bodyPr rtlCol="0" anchor="ctr"/>
+          <a:lstStyle/>
+          <a:p>
+            <a:pPr algn="ctr"/>
+            <a:endParaRPr lang="en-GB"/>
+          </a:p>
+        </p:txBody>
+      </p:sp>
+      <p:sp>
+        <p:nvSpPr>
+          <p:cNvPr id="2" name="Rectangle 1">
+            <a:extLst>
+              <a:ext uri="{FF2B5EF4-FFF2-40B4-BE49-F238E27FC236}">
+                <a16:creationId xmlns:a16="http://schemas.microsoft.com/office/drawing/2014/main" id="{622D69E3-678C-88E2-A562-156386E17C15}"/>
+              </a:ext>
+            </a:extLst>
+          </p:cNvPr>
+          <p:cNvSpPr/>
+          <p:nvPr/>
+        </p:nvSpPr>
+        <p:spPr>
+          <a:xfrm>
+            <a:off x="4841950" y="491302"/>
+            <a:ext cx="726739" cy="542431"/>
+          </a:xfrm>
+          <a:prstGeom prst="rect">
+            <a:avLst/>
+          </a:prstGeom>
+          <a:solidFill>
+            <a:schemeClr val="accent4">
+              <a:lumMod val="20000"/>
+              <a:lumOff val="80000"/>
+            </a:schemeClr>
+          </a:solidFill>
+          <a:ln w="9525">
+            <a:noFill/>
+          </a:ln>
+        </p:spPr>
+        <p:style>
+          <a:lnRef idx="2">
+            <a:schemeClr val="accent1">
+              <a:shade val="15000"/>
+            </a:schemeClr>
+          </a:lnRef>
+          <a:fillRef idx="1">
+            <a:schemeClr val="accent1"/>
+          </a:fillRef>
+          <a:effectRef idx="0">
+            <a:schemeClr val="accent1"/>
+          </a:effectRef>
+          <a:fontRef idx="minor">
+            <a:schemeClr val="lt1"/>
+          </a:fontRef>
+        </p:style>
+        <p:txBody>
+          <a:bodyPr rtlCol="0" anchor="ctr"/>
+          <a:lstStyle/>
+          <a:p>
+            <a:pPr algn="ctr"/>
+            <a:endParaRPr lang="en-GB" dirty="0"/>
+          </a:p>
+        </p:txBody>
+      </p:sp>
+      <p:sp>
+        <p:nvSpPr>
+          <p:cNvPr id="14" name="Rectangle 13">
+            <a:extLst>
+              <a:ext uri="{FF2B5EF4-FFF2-40B4-BE49-F238E27FC236}">
+                <a16:creationId xmlns:a16="http://schemas.microsoft.com/office/drawing/2014/main" id="{8E28E2C1-1551-5ED1-3550-EA4C90462F91}"/>
+              </a:ext>
+            </a:extLst>
+          </p:cNvPr>
+          <p:cNvSpPr/>
+          <p:nvPr/>
+        </p:nvSpPr>
+        <p:spPr>
+          <a:xfrm>
+            <a:off x="4841950" y="694185"/>
+            <a:ext cx="726739" cy="712665"/>
+          </a:xfrm>
+          <a:prstGeom prst="rect">
+            <a:avLst/>
+          </a:prstGeom>
+          <a:solidFill>
+            <a:srgbClr val="FEF4E6"/>
+          </a:solidFill>
+          <a:ln>
+            <a:noFill/>
+          </a:ln>
+        </p:spPr>
+        <p:style>
+          <a:lnRef idx="2">
+            <a:schemeClr val="accent1">
+              <a:shade val="15000"/>
+            </a:schemeClr>
+          </a:lnRef>
+          <a:fillRef idx="1">
+            <a:schemeClr val="accent1"/>
+          </a:fillRef>
+          <a:effectRef idx="0">
+            <a:schemeClr val="accent1"/>
+          </a:effectRef>
+          <a:fontRef idx="minor">
+            <a:schemeClr val="lt1"/>
+          </a:fontRef>
+        </p:style>
+        <p:txBody>
+          <a:bodyPr rtlCol="0" anchor="ctr"/>
+          <a:lstStyle/>
+          <a:p>
+            <a:pPr algn="ctr"/>
+            <a:endParaRPr lang="en-GB"/>
+          </a:p>
+        </p:txBody>
+      </p:sp>
+      <p:cxnSp>
+        <p:nvCxnSpPr>
+          <p:cNvPr id="17" name="Straight Connector 16">
+            <a:extLst>
+              <a:ext uri="{FF2B5EF4-FFF2-40B4-BE49-F238E27FC236}">
+                <a16:creationId xmlns:a16="http://schemas.microsoft.com/office/drawing/2014/main" id="{69F21B93-60D4-3D7B-CA3C-CED5000AA0B0}"/>
+              </a:ext>
+            </a:extLst>
+          </p:cNvPr>
+          <p:cNvCxnSpPr>
+            <a:cxnSpLocks/>
+          </p:cNvCxnSpPr>
+          <p:nvPr/>
+        </p:nvCxnSpPr>
+        <p:spPr>
+          <a:xfrm>
+            <a:off x="4841950" y="663706"/>
+            <a:ext cx="726739" cy="0"/>
+          </a:xfrm>
+          <a:prstGeom prst="line">
+            <a:avLst/>
+          </a:prstGeom>
+          <a:ln w="6350">
+            <a:solidFill>
+              <a:schemeClr val="tx1"/>
+            </a:solidFill>
+          </a:ln>
+        </p:spPr>
+        <p:style>
+          <a:lnRef idx="1">
+            <a:schemeClr val="accent1"/>
+          </a:lnRef>
+          <a:fillRef idx="0">
+            <a:schemeClr val="accent1"/>
+          </a:fillRef>
+          <a:effectRef idx="0">
+            <a:schemeClr val="accent1"/>
+          </a:effectRef>
+          <a:fontRef idx="minor">
+            <a:schemeClr val="tx1"/>
+          </a:fontRef>
+        </p:style>
+      </p:cxnSp>
+      <p:cxnSp>
+        <p:nvCxnSpPr>
+          <p:cNvPr id="18" name="Straight Connector 17">
+            <a:extLst>
+              <a:ext uri="{FF2B5EF4-FFF2-40B4-BE49-F238E27FC236}">
+                <a16:creationId xmlns:a16="http://schemas.microsoft.com/office/drawing/2014/main" id="{64393F54-0E39-D3C7-914B-FA1852491C6F}"/>
+              </a:ext>
+            </a:extLst>
+          </p:cNvPr>
+          <p:cNvCxnSpPr>
+            <a:cxnSpLocks/>
+          </p:cNvCxnSpPr>
+          <p:nvPr/>
+        </p:nvCxnSpPr>
+        <p:spPr>
+          <a:xfrm>
+            <a:off x="4841950" y="1404540"/>
+            <a:ext cx="726739" cy="0"/>
+          </a:xfrm>
+          <a:prstGeom prst="line">
+            <a:avLst/>
+          </a:prstGeom>
+          <a:ln w="6350">
+            <a:solidFill>
+              <a:schemeClr val="tx1"/>
+            </a:solidFill>
+          </a:ln>
+        </p:spPr>
+        <p:style>
+          <a:lnRef idx="1">
+            <a:schemeClr val="accent1"/>
+          </a:lnRef>
+          <a:fillRef idx="0">
+            <a:schemeClr val="accent1"/>
+          </a:fillRef>
+          <a:effectRef idx="0">
+            <a:schemeClr val="accent1"/>
+          </a:effectRef>
+          <a:fontRef idx="minor">
+            <a:schemeClr val="tx1"/>
+          </a:fontRef>
+        </p:style>
+      </p:cxnSp>
+      <p:cxnSp>
+        <p:nvCxnSpPr>
+          <p:cNvPr id="23" name="Straight Connector 22">
+            <a:extLst>
+              <a:ext uri="{FF2B5EF4-FFF2-40B4-BE49-F238E27FC236}">
+                <a16:creationId xmlns:a16="http://schemas.microsoft.com/office/drawing/2014/main" id="{69D4FFD9-D0DB-99A3-BCD1-6179E96F1244}"/>
+              </a:ext>
+            </a:extLst>
+          </p:cNvPr>
+          <p:cNvCxnSpPr>
+            <a:cxnSpLocks/>
+          </p:cNvCxnSpPr>
+          <p:nvPr/>
+        </p:nvCxnSpPr>
+        <p:spPr>
+          <a:xfrm>
+            <a:off x="4841949" y="1252724"/>
+            <a:ext cx="726740" cy="0"/>
+          </a:xfrm>
+          <a:prstGeom prst="line">
+            <a:avLst/>
+          </a:prstGeom>
+          <a:ln w="6350">
+            <a:solidFill>
+              <a:schemeClr val="tx1"/>
+            </a:solidFill>
+          </a:ln>
+        </p:spPr>
+        <p:style>
+          <a:lnRef idx="1">
+            <a:schemeClr val="accent1"/>
+          </a:lnRef>
+          <a:fillRef idx="0">
+            <a:schemeClr val="accent1"/>
+          </a:fillRef>
+          <a:effectRef idx="0">
+            <a:schemeClr val="accent1"/>
+          </a:effectRef>
+          <a:fontRef idx="minor">
+            <a:schemeClr val="tx1"/>
+          </a:fontRef>
+        </p:style>
+      </p:cxnSp>
+      <p:sp>
+        <p:nvSpPr>
+          <p:cNvPr id="7" name="TextBox 6">
+            <a:extLst>
+              <a:ext uri="{FF2B5EF4-FFF2-40B4-BE49-F238E27FC236}">
+                <a16:creationId xmlns:a16="http://schemas.microsoft.com/office/drawing/2014/main" id="{709FDE6F-217C-E923-EA33-91B1E5358697}"/>
+              </a:ext>
+            </a:extLst>
+          </p:cNvPr>
+          <p:cNvSpPr txBox="1"/>
+          <p:nvPr/>
+        </p:nvSpPr>
+        <p:spPr>
+          <a:xfrm>
+            <a:off x="4797817" y="500403"/>
+            <a:ext cx="910243" cy="902811"/>
+          </a:xfrm>
+          <a:prstGeom prst="rect">
+            <a:avLst/>
+          </a:prstGeom>
+          <a:noFill/>
+          <a:ln>
+            <a:noFill/>
+          </a:ln>
+        </p:spPr>
+        <p:txBody>
+          <a:bodyPr wrap="square" rtlCol="0">
+            <a:spAutoFit/>
+          </a:bodyPr>
+          <a:lstStyle/>
+          <a:p>
+            <a:r>
+              <a:rPr lang="en-GB" sz="500" b="1" dirty="0">
+                <a:latin typeface="Helvetica" pitchFamily="2" charset="0"/>
+              </a:rPr>
+              <a:t>Task group        Count    </a:t>
+            </a:r>
+          </a:p>
+          <a:p>
+            <a:endParaRPr lang="en-GB" sz="450" dirty="0">
+              <a:latin typeface="Helvetica" pitchFamily="2" charset="0"/>
+            </a:endParaRPr>
+          </a:p>
+          <a:p>
+            <a:pPr>
+              <a:spcAft>
+                <a:spcPts val="350"/>
+              </a:spcAft>
+            </a:pPr>
+            <a:r>
+              <a:rPr lang="en-GB" sz="450" dirty="0">
+                <a:latin typeface="Helvetica" pitchFamily="2" charset="0"/>
+              </a:rPr>
+              <a:t>NRA	      0</a:t>
+            </a:r>
+          </a:p>
+          <a:p>
+            <a:pPr>
+              <a:spcAft>
+                <a:spcPts val="350"/>
+              </a:spcAft>
+            </a:pPr>
+            <a:r>
+              <a:rPr lang="en-GB" sz="450" dirty="0">
+                <a:latin typeface="Helvetica" pitchFamily="2" charset="0"/>
+              </a:rPr>
+              <a:t>NRI	      1</a:t>
+            </a:r>
+          </a:p>
+          <a:p>
+            <a:pPr>
+              <a:spcAft>
+                <a:spcPts val="350"/>
+              </a:spcAft>
+            </a:pPr>
+            <a:r>
+              <a:rPr lang="en-GB" sz="450" dirty="0">
+                <a:latin typeface="Helvetica" pitchFamily="2" charset="0"/>
+              </a:rPr>
+              <a:t>RC	      8</a:t>
+            </a:r>
+          </a:p>
+          <a:p>
+            <a:pPr>
+              <a:spcAft>
+                <a:spcPts val="350"/>
+              </a:spcAft>
+            </a:pPr>
+            <a:r>
+              <a:rPr lang="en-GB" sz="450" dirty="0">
+                <a:latin typeface="Helvetica" pitchFamily="2" charset="0"/>
+              </a:rPr>
+              <a:t>RM	      1</a:t>
+            </a:r>
+          </a:p>
+          <a:p>
+            <a:pPr>
+              <a:spcAft>
+                <a:spcPts val="350"/>
+              </a:spcAft>
+            </a:pPr>
+            <a:r>
+              <a:rPr lang="en-GB" sz="450" dirty="0">
+                <a:latin typeface="Helvetica" pitchFamily="2" charset="0"/>
+              </a:rPr>
+              <a:t>NRM 	      0</a:t>
+            </a:r>
+          </a:p>
+          <a:p>
+            <a:pPr>
+              <a:spcAft>
+                <a:spcPts val="350"/>
+              </a:spcAft>
+            </a:pPr>
+            <a:r>
+              <a:rPr lang="en-GB" sz="450" dirty="0">
+                <a:latin typeface="Helvetica" pitchFamily="2" charset="0"/>
+              </a:rPr>
+              <a:t>Total	    10</a:t>
+            </a:r>
+          </a:p>
+        </p:txBody>
+      </p:sp>
+      <p:cxnSp>
+        <p:nvCxnSpPr>
+          <p:cNvPr id="111" name="Straight Arrow Connector 110">
+            <a:extLst>
+              <a:ext uri="{FF2B5EF4-FFF2-40B4-BE49-F238E27FC236}">
+                <a16:creationId xmlns:a16="http://schemas.microsoft.com/office/drawing/2014/main" id="{80959219-6211-AF5D-913F-81863FEE04B6}"/>
+              </a:ext>
+            </a:extLst>
+          </p:cNvPr>
+          <p:cNvCxnSpPr>
+            <a:cxnSpLocks/>
+          </p:cNvCxnSpPr>
+          <p:nvPr/>
+        </p:nvCxnSpPr>
+        <p:spPr>
+          <a:xfrm>
+            <a:off x="2445102" y="609365"/>
+            <a:ext cx="2198828" cy="0"/>
+          </a:xfrm>
+          <a:prstGeom prst="straightConnector1">
+            <a:avLst/>
+          </a:prstGeom>
+          <a:ln w="9525">
+            <a:solidFill>
+              <a:srgbClr val="FF0000"/>
+            </a:solidFill>
+            <a:prstDash val="lgDash"/>
+            <a:headEnd type="none" w="med" len="med"/>
+            <a:tailEnd type="none" w="med" len="med"/>
+          </a:ln>
+        </p:spPr>
+        <p:style>
+          <a:lnRef idx="1">
+            <a:schemeClr val="accent1"/>
+          </a:lnRef>
+          <a:fillRef idx="0">
+            <a:schemeClr val="accent1"/>
+          </a:fillRef>
+          <a:effectRef idx="0">
+            <a:schemeClr val="accent1"/>
+          </a:effectRef>
+          <a:fontRef idx="minor">
+            <a:schemeClr val="tx1"/>
+          </a:fontRef>
+        </p:style>
+      </p:cxnSp>
+      <p:cxnSp>
+        <p:nvCxnSpPr>
+          <p:cNvPr id="112" name="Straight Arrow Connector 111">
+            <a:extLst>
+              <a:ext uri="{FF2B5EF4-FFF2-40B4-BE49-F238E27FC236}">
+                <a16:creationId xmlns:a16="http://schemas.microsoft.com/office/drawing/2014/main" id="{80959219-6211-AF5D-913F-81863FEE04B6}"/>
+              </a:ext>
+            </a:extLst>
+          </p:cNvPr>
+          <p:cNvCxnSpPr>
+            <a:cxnSpLocks/>
+          </p:cNvCxnSpPr>
+          <p:nvPr/>
+        </p:nvCxnSpPr>
+        <p:spPr>
+          <a:xfrm>
+            <a:off x="2445420" y="3501589"/>
+            <a:ext cx="2198828" cy="0"/>
+          </a:xfrm>
+          <a:prstGeom prst="straightConnector1">
+            <a:avLst/>
+          </a:prstGeom>
+          <a:ln w="9525">
+            <a:solidFill>
+              <a:srgbClr val="FF0000"/>
+            </a:solidFill>
+            <a:prstDash val="lgDash"/>
+            <a:headEnd type="none" w="med" len="med"/>
+            <a:tailEnd type="none" w="med" len="med"/>
+          </a:ln>
+        </p:spPr>
+        <p:style>
+          <a:lnRef idx="1">
+            <a:schemeClr val="accent1"/>
+          </a:lnRef>
+          <a:fillRef idx="0">
+            <a:schemeClr val="accent1"/>
+          </a:fillRef>
+          <a:effectRef idx="0">
+            <a:schemeClr val="accent1"/>
+          </a:effectRef>
+          <a:fontRef idx="minor">
+            <a:schemeClr val="tx1"/>
+          </a:fontRef>
+        </p:style>
+      </p:cxnSp>
     </p:spTree>
     <p:extLst>
       <p:ext uri="{BB962C8B-B14F-4D97-AF65-F5344CB8AC3E}">
@@ -11958,10 +12005,10 @@
       </p:grpSpPr>
       <p:pic>
         <p:nvPicPr>
-          <p:cNvPr id="2059" name="Picture 2058">
+          <p:cNvPr id="2074" name="Picture 2073">
             <a:extLst>
               <a:ext uri="{FF2B5EF4-FFF2-40B4-BE49-F238E27FC236}">
-                <a16:creationId xmlns:a16="http://schemas.microsoft.com/office/drawing/2014/main" id="{3AE4F478-2060-A7F3-CC13-5CFDA40BEC48}"/>
+                <a16:creationId xmlns:a16="http://schemas.microsoft.com/office/drawing/2014/main" id="{CC283889-58CD-AECE-FD8B-783DAF0EECA6}"/>
               </a:ext>
             </a:extLst>
           </p:cNvPr>
@@ -11971,20 +12018,21 @@
           <p:nvPr/>
         </p:nvPicPr>
         <p:blipFill>
-          <a:blip r:embed="rId2" cstate="print">
+          <a:blip r:embed="rId2">
             <a:extLst>
               <a:ext uri="{28A0092B-C50C-407E-A947-70E740481C1C}">
                 <a14:useLocalDpi xmlns:a14="http://schemas.microsoft.com/office/drawing/2010/main" val="0"/>
               </a:ext>
             </a:extLst>
           </a:blip>
-          <a:srcRect/>
-          <a:stretch/>
+          <a:stretch>
+            <a:fillRect/>
+          </a:stretch>
         </p:blipFill>
         <p:spPr>
           <a:xfrm>
-            <a:off x="2176664" y="2483654"/>
-            <a:ext cx="2013139" cy="1580830"/>
+            <a:off x="63292" y="2832568"/>
+            <a:ext cx="1915181" cy="1517359"/>
           </a:xfrm>
           <a:prstGeom prst="rect">
             <a:avLst/>
@@ -11993,10 +12041,46 @@
       </p:pic>
       <p:pic>
         <p:nvPicPr>
-          <p:cNvPr id="32" name="Picture 31">
+          <p:cNvPr id="28" name="Picture 27">
             <a:extLst>
               <a:ext uri="{FF2B5EF4-FFF2-40B4-BE49-F238E27FC236}">
-                <a16:creationId xmlns:a16="http://schemas.microsoft.com/office/drawing/2014/main" id="{DF10E122-FB3D-324B-CA2D-778279D47606}"/>
+                <a16:creationId xmlns:a16="http://schemas.microsoft.com/office/drawing/2014/main" id="{7476E29B-46DD-E1EB-BA90-407013EFBFD1}"/>
+              </a:ext>
+            </a:extLst>
+          </p:cNvPr>
+          <p:cNvPicPr>
+            <a:picLocks noChangeAspect="1"/>
+          </p:cNvPicPr>
+          <p:nvPr/>
+        </p:nvPicPr>
+        <p:blipFill>
+          <a:blip r:embed="rId3">
+            <a:extLst>
+              <a:ext uri="{28A0092B-C50C-407E-A947-70E740481C1C}">
+                <a14:useLocalDpi xmlns:a14="http://schemas.microsoft.com/office/drawing/2010/main" val="0"/>
+              </a:ext>
+            </a:extLst>
+          </a:blip>
+          <a:stretch>
+            <a:fillRect/>
+          </a:stretch>
+        </p:blipFill>
+        <p:spPr>
+          <a:xfrm>
+            <a:off x="2064161" y="2810812"/>
+            <a:ext cx="2023465" cy="1588939"/>
+          </a:xfrm>
+          <a:prstGeom prst="rect">
+            <a:avLst/>
+          </a:prstGeom>
+        </p:spPr>
+      </p:pic>
+      <p:pic>
+        <p:nvPicPr>
+          <p:cNvPr id="8" name="Picture 7">
+            <a:extLst>
+              <a:ext uri="{FF2B5EF4-FFF2-40B4-BE49-F238E27FC236}">
+                <a16:creationId xmlns:a16="http://schemas.microsoft.com/office/drawing/2014/main" id="{03E1F2C2-42F3-8590-9273-8F314C161E35}"/>
               </a:ext>
             </a:extLst>
           </p:cNvPr>
@@ -12006,61 +12090,26 @@
           <p:nvPr/>
         </p:nvPicPr>
         <p:blipFill rotWithShape="1">
-          <a:blip r:embed="rId3" cstate="print">
+          <a:blip r:embed="rId4">
             <a:extLst>
               <a:ext uri="{28A0092B-C50C-407E-A947-70E740481C1C}">
                 <a14:useLocalDpi xmlns:a14="http://schemas.microsoft.com/office/drawing/2010/main" val="0"/>
               </a:ext>
             </a:extLst>
           </a:blip>
-          <a:srcRect l="1" t="4331" r="-2354" b="1486"/>
+          <a:srcRect l="2499" t="9048" r="8094" b="2646"/>
           <a:stretch/>
         </p:blipFill>
         <p:spPr>
           <a:xfrm>
-            <a:off x="5548662" y="2515451"/>
-            <a:ext cx="1299717" cy="1432153"/>
+            <a:off x="3565864" y="66577"/>
+            <a:ext cx="3285045" cy="2595718"/>
           </a:xfrm>
           <a:prstGeom prst="rect">
             <a:avLst/>
           </a:prstGeom>
         </p:spPr>
       </p:pic>
-      <p:pic>
-        <p:nvPicPr>
-          <p:cNvPr id="30" name="Picture 29">
-            <a:extLst>
-              <a:ext uri="{FF2B5EF4-FFF2-40B4-BE49-F238E27FC236}">
-                <a16:creationId xmlns:a16="http://schemas.microsoft.com/office/drawing/2014/main" id="{72616D2A-3CCB-42F5-FB6F-02AD24AA6E34}"/>
-              </a:ext>
-            </a:extLst>
-          </p:cNvPr>
-          <p:cNvPicPr>
-            <a:picLocks noChangeAspect="1"/>
-          </p:cNvPicPr>
-          <p:nvPr/>
-        </p:nvPicPr>
-        <p:blipFill rotWithShape="1">
-          <a:blip r:embed="rId4" cstate="print">
-            <a:extLst>
-              <a:ext uri="{28A0092B-C50C-407E-A947-70E740481C1C}">
-                <a14:useLocalDpi xmlns:a14="http://schemas.microsoft.com/office/drawing/2010/main" val="0"/>
-              </a:ext>
-            </a:extLst>
-          </a:blip>
-          <a:srcRect l="-150" t="4262" r="269" b="102"/>
-          <a:stretch/>
-        </p:blipFill>
-        <p:spPr>
-          <a:xfrm>
-            <a:off x="4157745" y="2515451"/>
-            <a:ext cx="1392039" cy="1479428"/>
-          </a:xfrm>
-          <a:prstGeom prst="rect">
-            <a:avLst/>
-          </a:prstGeom>
-        </p:spPr>
-      </p:pic>
       <p:sp>
         <p:nvSpPr>
           <p:cNvPr id="33" name="TextBox 32">
@@ -12075,8 +12124,8 @@
         </p:nvSpPr>
         <p:spPr>
           <a:xfrm>
-            <a:off x="4118484" y="2335144"/>
-            <a:ext cx="263214" cy="246221"/>
+            <a:off x="4086425" y="2669788"/>
+            <a:ext cx="269626" cy="246221"/>
           </a:xfrm>
           <a:prstGeom prst="rect">
             <a:avLst/>
@@ -12093,7 +12142,7 @@
               <a:rPr lang="en-GB" sz="1000" b="1" dirty="0">
                 <a:latin typeface="Helvetica" pitchFamily="2" charset="0"/>
               </a:rPr>
-              <a:t>F</a:t>
+              <a:t>E</a:t>
             </a:r>
           </a:p>
         </p:txBody>
@@ -12112,8 +12161,8 @@
         </p:nvSpPr>
         <p:spPr>
           <a:xfrm>
-            <a:off x="4889861" y="2369768"/>
-            <a:ext cx="344352" cy="176972"/>
+            <a:off x="4814406" y="2697916"/>
+            <a:ext cx="360556" cy="184666"/>
           </a:xfrm>
           <a:prstGeom prst="rect">
             <a:avLst/>
@@ -12127,7 +12176,7 @@
           <a:lstStyle/>
           <a:p>
             <a:r>
-              <a:rPr lang="en-GB" sz="550" dirty="0">
+              <a:rPr lang="en-GB" sz="600" dirty="0">
                 <a:latin typeface="Helvetica" pitchFamily="2" charset="0"/>
               </a:rPr>
               <a:t>2012</a:t>
@@ -12149,8 +12198,8 @@
         </p:nvSpPr>
         <p:spPr>
           <a:xfrm>
-            <a:off x="6125419" y="2369768"/>
-            <a:ext cx="344352" cy="176972"/>
+            <a:off x="6166452" y="2697279"/>
+            <a:ext cx="385499" cy="184666"/>
           </a:xfrm>
           <a:prstGeom prst="rect">
             <a:avLst/>
@@ -12164,11 +12213,14 @@
           <a:lstStyle/>
           <a:p>
             <a:r>
-              <a:rPr lang="en-GB" sz="550" dirty="0">
+              <a:rPr lang="en-GB" sz="600" dirty="0">
                 <a:latin typeface="Helvetica" pitchFamily="2" charset="0"/>
               </a:rPr>
               <a:t>2022</a:t>
             </a:r>
+            <a:endParaRPr lang="en-GB" sz="550" dirty="0">
+              <a:latin typeface="Helvetica" pitchFamily="2" charset="0"/>
+            </a:endParaRPr>
           </a:p>
         </p:txBody>
       </p:sp>
@@ -12186,8 +12238,8 @@
         </p:nvSpPr>
         <p:spPr>
           <a:xfrm>
-            <a:off x="2137205" y="2307321"/>
-            <a:ext cx="269626" cy="246221"/>
+            <a:off x="2105146" y="2620020"/>
+            <a:ext cx="277640" cy="246221"/>
           </a:xfrm>
           <a:prstGeom prst="rect">
             <a:avLst/>
@@ -12204,7 +12256,7 @@
               <a:rPr lang="en-GB" sz="1000" b="1" dirty="0">
                 <a:latin typeface="Helvetica" pitchFamily="2" charset="0"/>
               </a:rPr>
-              <a:t>E</a:t>
+              <a:t>D</a:t>
             </a:r>
           </a:p>
         </p:txBody>
@@ -12223,8 +12275,8 @@
         </p:nvSpPr>
         <p:spPr>
           <a:xfrm>
-            <a:off x="458589" y="2327651"/>
-            <a:ext cx="1095389" cy="215444"/>
+            <a:off x="426530" y="2662295"/>
+            <a:ext cx="1095389" cy="184666"/>
           </a:xfrm>
           <a:prstGeom prst="rect">
             <a:avLst/>
@@ -12239,25 +12291,25 @@
           <a:p>
             <a:pPr algn="ctr"/>
             <a:r>
-              <a:rPr lang="en-GB" sz="550" dirty="0">
+              <a:rPr lang="en-GB" sz="600" dirty="0">
                 <a:latin typeface="Helvetica" pitchFamily="2" charset="0"/>
               </a:rPr>
               <a:t>Pearson </a:t>
             </a:r>
             <a:r>
-              <a:rPr lang="el-GR" sz="550" dirty="0">
+              <a:rPr lang="el-GR" sz="600" dirty="0">
                 <a:latin typeface="Helvetica" pitchFamily="2" charset="0"/>
               </a:rPr>
               <a:t>ρ</a:t>
             </a:r>
             <a:r>
-              <a:rPr lang="en-GB" sz="550" dirty="0">
+              <a:rPr lang="en-GB" sz="600" dirty="0">
                 <a:latin typeface="Helvetica" pitchFamily="2" charset="0"/>
               </a:rPr>
               <a:t> = 0.38</a:t>
             </a:r>
             <a:r>
-              <a:rPr lang="en-GB" sz="800" dirty="0">
+              <a:rPr lang="en-GB" sz="600" dirty="0">
                 <a:solidFill>
                   <a:srgbClr val="E2EEFF"/>
                 </a:solidFill>
@@ -12266,7 +12318,7 @@
               <a:t> </a:t>
             </a:r>
             <a:r>
-              <a:rPr lang="en-GB" sz="550" dirty="0">
+              <a:rPr lang="en-GB" sz="600" dirty="0">
                 <a:latin typeface="Helvetica" pitchFamily="2" charset="0"/>
               </a:rPr>
               <a:t> </a:t>
@@ -12288,7 +12340,7 @@
         </p:nvSpPr>
         <p:spPr>
           <a:xfrm>
-            <a:off x="9621" y="2291881"/>
+            <a:off x="-22438" y="2604580"/>
             <a:ext cx="277640" cy="246221"/>
           </a:xfrm>
           <a:prstGeom prst="rect">
@@ -12306,7 +12358,7 @@
               <a:rPr lang="en-GB" sz="1000" b="1" dirty="0">
                 <a:latin typeface="Helvetica" pitchFamily="2" charset="0"/>
               </a:rPr>
-              <a:t>D</a:t>
+              <a:t>C</a:t>
             </a:r>
           </a:p>
         </p:txBody>
@@ -12325,7 +12377,7 @@
         </p:nvSpPr>
         <p:spPr>
           <a:xfrm rot="16200000">
-            <a:off x="1834784" y="3159988"/>
+            <a:off x="1754386" y="3494632"/>
             <a:ext cx="593130" cy="176972"/>
           </a:xfrm>
           <a:prstGeom prst="rect">
@@ -12363,7 +12415,7 @@
         </p:nvSpPr>
         <p:spPr>
           <a:xfrm>
-            <a:off x="752662" y="3996039"/>
+            <a:off x="720603" y="4330683"/>
             <a:ext cx="593130" cy="176972"/>
           </a:xfrm>
           <a:prstGeom prst="rect">
@@ -12401,7 +12453,7 @@
         </p:nvSpPr>
         <p:spPr>
           <a:xfrm>
-            <a:off x="-65754" y="299983"/>
+            <a:off x="-22438" y="-11885"/>
             <a:ext cx="277640" cy="246221"/>
           </a:xfrm>
           <a:prstGeom prst="rect">
@@ -12420,43 +12472,6 @@
                 <a:latin typeface="Helvetica" pitchFamily="2" charset="0"/>
               </a:rPr>
               <a:t>A</a:t>
-            </a:r>
-          </a:p>
-        </p:txBody>
-      </p:sp>
-      <p:sp>
-        <p:nvSpPr>
-          <p:cNvPr id="53" name="TextBox 52">
-            <a:extLst>
-              <a:ext uri="{FF2B5EF4-FFF2-40B4-BE49-F238E27FC236}">
-                <a16:creationId xmlns:a16="http://schemas.microsoft.com/office/drawing/2014/main" id="{7D22A294-F138-2AD7-B68B-EDA26DA743F2}"/>
-              </a:ext>
-            </a:extLst>
-          </p:cNvPr>
-          <p:cNvSpPr txBox="1"/>
-          <p:nvPr/>
-        </p:nvSpPr>
-        <p:spPr>
-          <a:xfrm>
-            <a:off x="2181671" y="326952"/>
-            <a:ext cx="277640" cy="246221"/>
-          </a:xfrm>
-          <a:prstGeom prst="rect">
-            <a:avLst/>
-          </a:prstGeom>
-          <a:noFill/>
-        </p:spPr>
-        <p:txBody>
-          <a:bodyPr wrap="none" rtlCol="0">
-            <a:spAutoFit/>
-          </a:bodyPr>
-          <a:lstStyle/>
-          <a:p>
-            <a:r>
-              <a:rPr lang="en-GB" sz="1000" b="1" dirty="0">
-                <a:latin typeface="Helvetica" pitchFamily="2" charset="0"/>
-              </a:rPr>
-              <a:t>B</a:t>
             </a:r>
           </a:p>
         </p:txBody>
@@ -12477,7 +12492,7 @@
         </p:nvSpPr>
         <p:spPr bwMode="auto">
           <a:xfrm>
-            <a:off x="3276600" y="2547938"/>
+            <a:off x="3260171" y="2882582"/>
             <a:ext cx="304800" cy="304800"/>
           </a:xfrm>
           <a:prstGeom prst="rect">
@@ -12506,148 +12521,6 @@
           </a:p>
         </p:txBody>
       </p:sp>
-      <p:grpSp>
-        <p:nvGrpSpPr>
-          <p:cNvPr id="63" name="Group 62">
-            <a:extLst>
-              <a:ext uri="{FF2B5EF4-FFF2-40B4-BE49-F238E27FC236}">
-                <a16:creationId xmlns:a16="http://schemas.microsoft.com/office/drawing/2014/main" id="{EC9C14BE-CC0C-1478-84EF-682126AC1B70}"/>
-              </a:ext>
-            </a:extLst>
-          </p:cNvPr>
-          <p:cNvGrpSpPr/>
-          <p:nvPr/>
-        </p:nvGrpSpPr>
-        <p:grpSpPr>
-          <a:xfrm>
-            <a:off x="77375" y="2497566"/>
-            <a:ext cx="1960380" cy="1492809"/>
-            <a:chOff x="77375" y="2502070"/>
-            <a:chExt cx="1960380" cy="1492809"/>
-          </a:xfrm>
-        </p:grpSpPr>
-        <p:pic>
-          <p:nvPicPr>
-            <p:cNvPr id="60" name="Picture 59">
-              <a:extLst>
-                <a:ext uri="{FF2B5EF4-FFF2-40B4-BE49-F238E27FC236}">
-                  <a16:creationId xmlns:a16="http://schemas.microsoft.com/office/drawing/2014/main" id="{272412B0-912A-C9A3-12C4-C3791376F706}"/>
-                </a:ext>
-              </a:extLst>
-            </p:cNvPr>
-            <p:cNvPicPr>
-              <a:picLocks noChangeAspect="1"/>
-            </p:cNvPicPr>
-            <p:nvPr/>
-          </p:nvPicPr>
-          <p:blipFill rotWithShape="1">
-            <a:blip r:embed="rId5" cstate="print">
-              <a:extLst>
-                <a:ext uri="{28A0092B-C50C-407E-A947-70E740481C1C}">
-                  <a14:useLocalDpi xmlns:a14="http://schemas.microsoft.com/office/drawing/2010/main" val="0"/>
-                </a:ext>
-              </a:extLst>
-            </a:blip>
-            <a:srcRect t="8207" b="1264"/>
-            <a:stretch/>
-          </p:blipFill>
-          <p:spPr>
-            <a:xfrm>
-              <a:off x="77375" y="2511078"/>
-              <a:ext cx="1934121" cy="1483801"/>
-            </a:xfrm>
-            <a:prstGeom prst="rect">
-              <a:avLst/>
-            </a:prstGeom>
-          </p:spPr>
-        </p:pic>
-        <p:sp>
-          <p:nvSpPr>
-            <p:cNvPr id="61" name="TextBox 60">
-              <a:extLst>
-                <a:ext uri="{FF2B5EF4-FFF2-40B4-BE49-F238E27FC236}">
-                  <a16:creationId xmlns:a16="http://schemas.microsoft.com/office/drawing/2014/main" id="{FF9644EF-40D1-B54C-59F9-B2A18741FFA6}"/>
-                </a:ext>
-              </a:extLst>
-            </p:cNvPr>
-            <p:cNvSpPr txBox="1"/>
-            <p:nvPr/>
-          </p:nvSpPr>
-          <p:spPr>
-            <a:xfrm>
-              <a:off x="1397836" y="2502070"/>
-              <a:ext cx="639919" cy="200055"/>
-            </a:xfrm>
-            <a:prstGeom prst="rect">
-              <a:avLst/>
-            </a:prstGeom>
-            <a:noFill/>
-          </p:spPr>
-          <p:txBody>
-            <a:bodyPr wrap="none" rtlCol="0">
-              <a:spAutoFit/>
-            </a:bodyPr>
-            <a:lstStyle/>
-            <a:p>
-              <a:r>
-                <a:rPr lang="en-GB" sz="700" dirty="0">
-                  <a:solidFill>
-                    <a:srgbClr val="FF0000"/>
-                  </a:solidFill>
-                  <a:latin typeface="Helvetica" pitchFamily="2" charset="0"/>
-                </a:rPr>
-                <a:t>-- </a:t>
-              </a:r>
-              <a:r>
-                <a:rPr lang="en-GB" sz="500" dirty="0">
-                  <a:latin typeface="Helvetica" pitchFamily="2" charset="0"/>
-                </a:rPr>
-                <a:t>Best linear fit</a:t>
-              </a:r>
-            </a:p>
-          </p:txBody>
-        </p:sp>
-        <p:sp>
-          <p:nvSpPr>
-            <p:cNvPr id="62" name="TextBox 61">
-              <a:extLst>
-                <a:ext uri="{FF2B5EF4-FFF2-40B4-BE49-F238E27FC236}">
-                  <a16:creationId xmlns:a16="http://schemas.microsoft.com/office/drawing/2014/main" id="{1F598ED6-7AA4-AB2B-4C04-12CF2AC071AF}"/>
-                </a:ext>
-              </a:extLst>
-            </p:cNvPr>
-            <p:cNvSpPr txBox="1"/>
-            <p:nvPr/>
-          </p:nvSpPr>
-          <p:spPr>
-            <a:xfrm>
-              <a:off x="1510428" y="3438949"/>
-              <a:ext cx="510076" cy="169277"/>
-            </a:xfrm>
-            <a:prstGeom prst="rect">
-              <a:avLst/>
-            </a:prstGeom>
-            <a:noFill/>
-          </p:spPr>
-          <p:txBody>
-            <a:bodyPr wrap="none" rtlCol="0">
-              <a:spAutoFit/>
-            </a:bodyPr>
-            <a:lstStyle/>
-            <a:p>
-              <a:r>
-                <a:rPr lang="en-GB" sz="500" dirty="0">
-                  <a:latin typeface="Helvetica" pitchFamily="2" charset="0"/>
-                </a:rPr>
-                <a:t>Form views</a:t>
-              </a:r>
-              <a:endParaRPr lang="en-GB" sz="400" dirty="0">
-                <a:latin typeface="Helvetica" pitchFamily="2" charset="0"/>
-              </a:endParaRPr>
-            </a:p>
-          </p:txBody>
-        </p:sp>
-      </p:grpSp>
       <p:sp>
         <p:nvSpPr>
           <p:cNvPr id="47" name="TextBox 46">
@@ -12662,7 +12535,7 @@
         </p:nvSpPr>
         <p:spPr>
           <a:xfrm rot="16200000">
-            <a:off x="-223499" y="3143041"/>
+            <a:off x="-255558" y="3477685"/>
             <a:ext cx="593130" cy="176972"/>
           </a:xfrm>
           <a:prstGeom prst="rect">
@@ -12700,7 +12573,7 @@
         </p:nvSpPr>
         <p:spPr>
           <a:xfrm>
-            <a:off x="2969332" y="3996039"/>
+            <a:off x="2952903" y="4330683"/>
             <a:ext cx="593130" cy="176972"/>
           </a:xfrm>
           <a:prstGeom prst="rect">
@@ -12724,9 +12597,202 @@
           </a:p>
         </p:txBody>
       </p:sp>
-      <p:sp>
-        <p:nvSpPr>
-          <p:cNvPr id="27" name="TextBox 26">
+      <p:pic>
+        <p:nvPicPr>
+          <p:cNvPr id="6" name="Picture 5">
+            <a:extLst>
+              <a:ext uri="{FF2B5EF4-FFF2-40B4-BE49-F238E27FC236}">
+                <a16:creationId xmlns:a16="http://schemas.microsoft.com/office/drawing/2014/main" id="{B43CAB06-843F-E3F7-9A87-E4D84F4D0686}"/>
+              </a:ext>
+            </a:extLst>
+          </p:cNvPr>
+          <p:cNvPicPr>
+            <a:picLocks noChangeAspect="1"/>
+          </p:cNvPicPr>
+          <p:nvPr/>
+        </p:nvPicPr>
+        <p:blipFill>
+          <a:blip r:embed="rId5">
+            <a:extLst>
+              <a:ext uri="{28A0092B-C50C-407E-A947-70E740481C1C}">
+                <a14:useLocalDpi xmlns:a14="http://schemas.microsoft.com/office/drawing/2010/main" val="0"/>
+              </a:ext>
+            </a:extLst>
+          </a:blip>
+          <a:stretch>
+            <a:fillRect/>
+          </a:stretch>
+        </p:blipFill>
+        <p:spPr>
+          <a:xfrm>
+            <a:off x="5258970" y="180007"/>
+            <a:ext cx="1497448" cy="1053481"/>
+          </a:xfrm>
+          <a:prstGeom prst="rect">
+            <a:avLst/>
+          </a:prstGeom>
+        </p:spPr>
+      </p:pic>
+      <p:sp>
+        <p:nvSpPr>
+          <p:cNvPr id="9" name="Rectangle 8"/>
+          <p:cNvSpPr/>
+          <p:nvPr/>
+        </p:nvSpPr>
+        <p:spPr>
+          <a:xfrm>
+            <a:off x="4269626" y="183766"/>
+            <a:ext cx="1177786" cy="716500"/>
+          </a:xfrm>
+          <a:prstGeom prst="rect">
+            <a:avLst/>
+          </a:prstGeom>
+        </p:spPr>
+        <p:txBody>
+          <a:bodyPr wrap="square">
+            <a:spAutoFit/>
+          </a:bodyPr>
+          <a:lstStyle/>
+          <a:p>
+            <a:r>
+              <a:rPr lang="en-GB" sz="700" b="1" dirty="0">
+                <a:solidFill>
+                  <a:srgbClr val="FF7C09"/>
+                </a:solidFill>
+                <a:latin typeface="Helvetica" pitchFamily="2" charset="0"/>
+              </a:rPr>
+              <a:t>—</a:t>
+            </a:r>
+            <a:r>
+              <a:rPr lang="en-GB" sz="600" b="1" dirty="0">
+                <a:solidFill>
+                  <a:srgbClr val="FF0000"/>
+                </a:solidFill>
+                <a:latin typeface="Helvetica" pitchFamily="2" charset="0"/>
+              </a:rPr>
+              <a:t> </a:t>
+            </a:r>
+            <a:r>
+              <a:rPr lang="en-GB" sz="600" dirty="0">
+                <a:latin typeface="Helvetica" pitchFamily="2" charset="0"/>
+              </a:rPr>
+              <a:t>State pension claims</a:t>
+            </a:r>
+          </a:p>
+          <a:p>
+            <a:r>
+              <a:rPr lang="en-GB" sz="700" b="1" dirty="0">
+                <a:solidFill>
+                  <a:srgbClr val="249D24"/>
+                </a:solidFill>
+                <a:latin typeface="Helvetica" pitchFamily="2" charset="0"/>
+              </a:rPr>
+              <a:t>—</a:t>
+            </a:r>
+            <a:r>
+              <a:rPr lang="en-GB" sz="600" dirty="0">
+                <a:solidFill>
+                  <a:srgbClr val="FF0000"/>
+                </a:solidFill>
+                <a:latin typeface="Helvetica" pitchFamily="2" charset="0"/>
+              </a:rPr>
+              <a:t> </a:t>
+            </a:r>
+            <a:r>
+              <a:rPr lang="en-GB" sz="600" dirty="0">
+                <a:latin typeface="Helvetica" pitchFamily="2" charset="0"/>
+              </a:rPr>
+              <a:t>Vehicle registration</a:t>
+            </a:r>
+          </a:p>
+          <a:p>
+            <a:r>
+              <a:rPr lang="en-GB" sz="700" b="1" dirty="0">
+                <a:solidFill>
+                  <a:srgbClr val="9264BC"/>
+                </a:solidFill>
+                <a:latin typeface="Helvetica" pitchFamily="2" charset="0"/>
+              </a:rPr>
+              <a:t>—</a:t>
+            </a:r>
+            <a:r>
+              <a:rPr lang="en-GB" sz="600" dirty="0">
+                <a:solidFill>
+                  <a:srgbClr val="FF0000"/>
+                </a:solidFill>
+                <a:latin typeface="Helvetica" pitchFamily="2" charset="0"/>
+              </a:rPr>
+              <a:t> </a:t>
+            </a:r>
+            <a:r>
+              <a:rPr lang="en-GB" sz="600" dirty="0">
+                <a:latin typeface="Helvetica" pitchFamily="2" charset="0"/>
+              </a:rPr>
+              <a:t>Passport applications</a:t>
+            </a:r>
+          </a:p>
+          <a:p>
+            <a:r>
+              <a:rPr lang="en-GB" sz="700" b="1" dirty="0">
+                <a:solidFill>
+                  <a:srgbClr val="1772B1"/>
+                </a:solidFill>
+                <a:latin typeface="Helvetica" pitchFamily="2" charset="0"/>
+              </a:rPr>
+              <a:t>—</a:t>
+            </a:r>
+            <a:r>
+              <a:rPr lang="en-GB" sz="600" dirty="0">
+                <a:solidFill>
+                  <a:srgbClr val="FF0000"/>
+                </a:solidFill>
+                <a:latin typeface="Helvetica" pitchFamily="2" charset="0"/>
+              </a:rPr>
+              <a:t> </a:t>
+            </a:r>
+            <a:r>
+              <a:rPr lang="en-GB" sz="600" dirty="0">
+                <a:latin typeface="Helvetica" pitchFamily="2" charset="0"/>
+              </a:rPr>
+              <a:t>Jobseeker’s Allowance</a:t>
+            </a:r>
+          </a:p>
+          <a:p>
+            <a:r>
+              <a:rPr lang="en-GB" sz="700" b="1" dirty="0">
+                <a:solidFill>
+                  <a:srgbClr val="D41F20"/>
+                </a:solidFill>
+                <a:latin typeface="Helvetica" pitchFamily="2" charset="0"/>
+              </a:rPr>
+              <a:t>—</a:t>
+            </a:r>
+            <a:r>
+              <a:rPr lang="en-GB" sz="600" dirty="0">
+                <a:solidFill>
+                  <a:srgbClr val="FF0000"/>
+                </a:solidFill>
+                <a:latin typeface="Helvetica" pitchFamily="2" charset="0"/>
+              </a:rPr>
+              <a:t> </a:t>
+            </a:r>
+            <a:r>
+              <a:rPr lang="en-GB" sz="600" dirty="0">
+                <a:latin typeface="Helvetica" pitchFamily="2" charset="0"/>
+              </a:rPr>
+              <a:t>Jobcentre Plus</a:t>
+            </a:r>
+          </a:p>
+          <a:p>
+            <a:endParaRPr lang="en-GB" sz="600" dirty="0">
+              <a:latin typeface="Helvetica" pitchFamily="2" charset="0"/>
+            </a:endParaRPr>
+          </a:p>
+        </p:txBody>
+      </p:sp>
+      <p:sp>
+        <p:nvSpPr>
+          <p:cNvPr id="53" name="TextBox 52">
             <a:extLst>
               <a:ext uri="{FF2B5EF4-FFF2-40B4-BE49-F238E27FC236}">
                 <a16:creationId xmlns:a16="http://schemas.microsoft.com/office/drawing/2014/main" id="{7D22A294-F138-2AD7-B68B-EDA26DA743F2}"/>
@@ -12738,7 +12804,7 @@
         </p:nvSpPr>
         <p:spPr>
           <a:xfrm>
-            <a:off x="4262667" y="286326"/>
+            <a:off x="3273156" y="-11884"/>
             <a:ext cx="277640" cy="246221"/>
           </a:xfrm>
           <a:prstGeom prst="rect">
@@ -12753,60 +12819,383 @@
           <a:lstStyle/>
           <a:p>
             <a:r>
-              <a:rPr lang="en-GB" sz="1000" b="1" dirty="0" smtClean="0">
+              <a:rPr lang="en-GB" sz="1000" b="1" dirty="0">
                 <a:latin typeface="Helvetica" pitchFamily="2" charset="0"/>
               </a:rPr>
-              <a:t>C</a:t>
-            </a:r>
-            <a:endParaRPr lang="en-GB" sz="1000" b="1" dirty="0">
-              <a:latin typeface="Helvetica" pitchFamily="2" charset="0"/>
-            </a:endParaRPr>
+              <a:t>B</a:t>
+            </a:r>
           </a:p>
         </p:txBody>
       </p:sp>
       <p:pic>
         <p:nvPicPr>
-          <p:cNvPr id="2" name="Picture 1"/>
+          <p:cNvPr id="23" name="Picture 22" descr="A graph with text on it&#10;&#10;Description automatically generated">
+            <a:extLst>
+              <a:ext uri="{FF2B5EF4-FFF2-40B4-BE49-F238E27FC236}">
+                <a16:creationId xmlns:a16="http://schemas.microsoft.com/office/drawing/2014/main" id="{576D7FE7-A58E-72BD-6E61-307081B991E3}"/>
+              </a:ext>
+            </a:extLst>
+          </p:cNvPr>
           <p:cNvPicPr>
             <a:picLocks noChangeAspect="1"/>
           </p:cNvPicPr>
           <p:nvPr/>
         </p:nvPicPr>
         <p:blipFill rotWithShape="1">
-          <a:blip r:embed="rId6" cstate="print">
+          <a:blip r:embed="rId6">
             <a:extLst>
               <a:ext uri="{28A0092B-C50C-407E-A947-70E740481C1C}">
                 <a14:useLocalDpi xmlns:a14="http://schemas.microsoft.com/office/drawing/2010/main" val="0"/>
               </a:ext>
             </a:extLst>
           </a:blip>
-          <a:srcRect l="3724" t="10136" r="9361" b="3307"/>
+          <a:srcRect l="2" r="1820" b="6195"/>
           <a:stretch/>
         </p:blipFill>
         <p:spPr>
           <a:xfrm>
-            <a:off x="2176663" y="587631"/>
-            <a:ext cx="1981081" cy="1578344"/>
+            <a:off x="5540291" y="2832568"/>
+            <a:ext cx="1305009" cy="1500038"/>
           </a:xfrm>
           <a:prstGeom prst="rect">
             <a:avLst/>
           </a:prstGeom>
         </p:spPr>
       </p:pic>
-      <p:sp>
-        <p:nvSpPr>
-          <p:cNvPr id="9" name="Rectangle 8"/>
-          <p:cNvSpPr/>
+      <p:pic>
+        <p:nvPicPr>
+          <p:cNvPr id="20" name="Picture 19" descr="A graph with numbers and text&#10;&#10;Description automatically generated with medium confidence">
+            <a:extLst>
+              <a:ext uri="{FF2B5EF4-FFF2-40B4-BE49-F238E27FC236}">
+                <a16:creationId xmlns:a16="http://schemas.microsoft.com/office/drawing/2014/main" id="{2576A87A-84EA-F5D7-1913-416BC3FC5B4D}"/>
+              </a:ext>
+            </a:extLst>
+          </p:cNvPr>
+          <p:cNvPicPr>
+            <a:picLocks noChangeAspect="1"/>
+          </p:cNvPicPr>
           <p:nvPr/>
-        </p:nvSpPr>
-        <p:spPr>
-          <a:xfrm>
-            <a:off x="2787650" y="608963"/>
-            <a:ext cx="623238" cy="407804"/>
+        </p:nvPicPr>
+        <p:blipFill rotWithShape="1">
+          <a:blip r:embed="rId7">
+            <a:extLst>
+              <a:ext uri="{28A0092B-C50C-407E-A947-70E740481C1C}">
+                <a14:useLocalDpi xmlns:a14="http://schemas.microsoft.com/office/drawing/2010/main" val="0"/>
+              </a:ext>
+            </a:extLst>
+          </a:blip>
+          <a:srcRect l="1226" t="4749" b="5826"/>
+          <a:stretch/>
+        </p:blipFill>
+        <p:spPr>
+          <a:xfrm>
+            <a:off x="4065079" y="2846962"/>
+            <a:ext cx="1499882" cy="1491358"/>
           </a:xfrm>
           <a:prstGeom prst="rect">
             <a:avLst/>
           </a:prstGeom>
+        </p:spPr>
+      </p:pic>
+      <p:pic>
+        <p:nvPicPr>
+          <p:cNvPr id="25" name="Picture 24" descr="A graph of a graph&#10;&#10;Description automatically generated">
+            <a:extLst>
+              <a:ext uri="{FF2B5EF4-FFF2-40B4-BE49-F238E27FC236}">
+                <a16:creationId xmlns:a16="http://schemas.microsoft.com/office/drawing/2014/main" id="{C94661F7-49BE-41C9-42C6-E8348696A93F}"/>
+              </a:ext>
+            </a:extLst>
+          </p:cNvPr>
+          <p:cNvPicPr>
+            <a:picLocks noChangeAspect="1"/>
+          </p:cNvPicPr>
+          <p:nvPr/>
+        </p:nvPicPr>
+        <p:blipFill rotWithShape="1">
+          <a:blip r:embed="rId8">
+            <a:extLst>
+              <a:ext uri="{28A0092B-C50C-407E-A947-70E740481C1C}">
+                <a14:useLocalDpi xmlns:a14="http://schemas.microsoft.com/office/drawing/2010/main" val="0"/>
+              </a:ext>
+            </a:extLst>
+          </a:blip>
+          <a:srcRect l="4121" t="11558" r="9506" b="6170"/>
+          <a:stretch/>
+        </p:blipFill>
+        <p:spPr>
+          <a:xfrm>
+            <a:off x="3290173" y="2896994"/>
+            <a:ext cx="717739" cy="569707"/>
+          </a:xfrm>
+          <a:prstGeom prst="rect">
+            <a:avLst/>
+          </a:prstGeom>
+        </p:spPr>
+      </p:pic>
+      <p:sp>
+        <p:nvSpPr>
+          <p:cNvPr id="41" name="TextBox 40">
+            <a:extLst>
+              <a:ext uri="{FF2B5EF4-FFF2-40B4-BE49-F238E27FC236}">
+                <a16:creationId xmlns:a16="http://schemas.microsoft.com/office/drawing/2014/main" id="{43118C36-566C-DA5C-0D3E-E6B0C7D0BF6A}"/>
+              </a:ext>
+            </a:extLst>
+          </p:cNvPr>
+          <p:cNvSpPr txBox="1"/>
+          <p:nvPr/>
+        </p:nvSpPr>
+        <p:spPr>
+          <a:xfrm>
+            <a:off x="2208611" y="3482294"/>
+            <a:ext cx="820467" cy="169277"/>
+          </a:xfrm>
+          <a:prstGeom prst="rect">
+            <a:avLst/>
+          </a:prstGeom>
+          <a:noFill/>
+        </p:spPr>
+        <p:txBody>
+          <a:bodyPr wrap="square" rtlCol="0">
+            <a:spAutoFit/>
+          </a:bodyPr>
+          <a:lstStyle/>
+          <a:p>
+            <a:r>
+              <a:rPr lang="en-GB" sz="500" dirty="0"/>
+              <a:t>/report-covid19-result</a:t>
+            </a:r>
+          </a:p>
+        </p:txBody>
+      </p:sp>
+      <p:sp>
+        <p:nvSpPr>
+          <p:cNvPr id="44" name="TextBox 43">
+            <a:extLst>
+              <a:ext uri="{FF2B5EF4-FFF2-40B4-BE49-F238E27FC236}">
+                <a16:creationId xmlns:a16="http://schemas.microsoft.com/office/drawing/2014/main" id="{6CBD4515-8342-4DD2-7A53-5788C8C3D100}"/>
+              </a:ext>
+            </a:extLst>
+          </p:cNvPr>
+          <p:cNvSpPr txBox="1"/>
+          <p:nvPr/>
+        </p:nvSpPr>
+        <p:spPr>
+          <a:xfrm>
+            <a:off x="2541274" y="2856337"/>
+            <a:ext cx="820467" cy="169277"/>
+          </a:xfrm>
+          <a:prstGeom prst="rect">
+            <a:avLst/>
+          </a:prstGeom>
+          <a:noFill/>
+        </p:spPr>
+        <p:txBody>
+          <a:bodyPr wrap="square" rtlCol="0">
+            <a:spAutoFit/>
+          </a:bodyPr>
+          <a:lstStyle/>
+          <a:p>
+            <a:r>
+              <a:rPr lang="en-GB" sz="500" dirty="0"/>
+              <a:t>/sign-in-universal-credit</a:t>
+            </a:r>
+          </a:p>
+        </p:txBody>
+      </p:sp>
+      <p:sp>
+        <p:nvSpPr>
+          <p:cNvPr id="54" name="TextBox 53">
+            <a:extLst>
+              <a:ext uri="{FF2B5EF4-FFF2-40B4-BE49-F238E27FC236}">
+                <a16:creationId xmlns:a16="http://schemas.microsoft.com/office/drawing/2014/main" id="{A5F8E394-5DCF-6909-F1C7-78A970AED959}"/>
+              </a:ext>
+            </a:extLst>
+          </p:cNvPr>
+          <p:cNvSpPr txBox="1"/>
+          <p:nvPr/>
+        </p:nvSpPr>
+        <p:spPr>
+          <a:xfrm>
+            <a:off x="2367223" y="3305617"/>
+            <a:ext cx="820467" cy="169277"/>
+          </a:xfrm>
+          <a:prstGeom prst="rect">
+            <a:avLst/>
+          </a:prstGeom>
+          <a:noFill/>
+        </p:spPr>
+        <p:txBody>
+          <a:bodyPr wrap="square" rtlCol="0">
+            <a:spAutoFit/>
+          </a:bodyPr>
+          <a:lstStyle/>
+          <a:p>
+            <a:r>
+              <a:rPr lang="en-GB" sz="500" dirty="0"/>
+              <a:t>/check-mot-history</a:t>
+            </a:r>
+          </a:p>
+        </p:txBody>
+      </p:sp>
+      <p:cxnSp>
+        <p:nvCxnSpPr>
+          <p:cNvPr id="59" name="Straight Arrow Connector 58">
+            <a:extLst>
+              <a:ext uri="{FF2B5EF4-FFF2-40B4-BE49-F238E27FC236}">
+                <a16:creationId xmlns:a16="http://schemas.microsoft.com/office/drawing/2014/main" id="{EAD8F416-B1E8-34A4-73CF-004C5BAD5CCC}"/>
+              </a:ext>
+            </a:extLst>
+          </p:cNvPr>
+          <p:cNvCxnSpPr>
+            <a:cxnSpLocks/>
+          </p:cNvCxnSpPr>
+          <p:nvPr/>
+        </p:nvCxnSpPr>
+        <p:spPr>
+          <a:xfrm>
+            <a:off x="2322706" y="2960486"/>
+            <a:ext cx="67696" cy="575767"/>
+          </a:xfrm>
+          <a:prstGeom prst="straightConnector1">
+            <a:avLst/>
+          </a:prstGeom>
+          <a:ln w="6350">
+            <a:solidFill>
+              <a:schemeClr val="tx1"/>
+            </a:solidFill>
+            <a:round/>
+            <a:headEnd type="triangle" w="sm" len="sm"/>
+            <a:tailEnd type="none"/>
+          </a:ln>
+        </p:spPr>
+        <p:style>
+          <a:lnRef idx="1">
+            <a:schemeClr val="accent1"/>
+          </a:lnRef>
+          <a:fillRef idx="0">
+            <a:schemeClr val="accent1"/>
+          </a:fillRef>
+          <a:effectRef idx="0">
+            <a:schemeClr val="accent1"/>
+          </a:effectRef>
+          <a:fontRef idx="minor">
+            <a:schemeClr val="tx1"/>
+          </a:fontRef>
+        </p:style>
+      </p:cxnSp>
+      <p:cxnSp>
+        <p:nvCxnSpPr>
+          <p:cNvPr id="2051" name="Straight Arrow Connector 2050">
+            <a:extLst>
+              <a:ext uri="{FF2B5EF4-FFF2-40B4-BE49-F238E27FC236}">
+                <a16:creationId xmlns:a16="http://schemas.microsoft.com/office/drawing/2014/main" id="{10C13DB6-2D10-E44E-0528-19F6F8050C7C}"/>
+              </a:ext>
+            </a:extLst>
+          </p:cNvPr>
+          <p:cNvCxnSpPr>
+            <a:cxnSpLocks/>
+          </p:cNvCxnSpPr>
+          <p:nvPr/>
+        </p:nvCxnSpPr>
+        <p:spPr>
+          <a:xfrm>
+            <a:off x="2495351" y="3050198"/>
+            <a:ext cx="45923" cy="315474"/>
+          </a:xfrm>
+          <a:prstGeom prst="straightConnector1">
+            <a:avLst/>
+          </a:prstGeom>
+          <a:ln w="6350">
+            <a:solidFill>
+              <a:schemeClr val="tx1"/>
+            </a:solidFill>
+            <a:round/>
+            <a:headEnd type="triangle" w="sm" len="sm"/>
+            <a:tailEnd type="none"/>
+          </a:ln>
+        </p:spPr>
+        <p:style>
+          <a:lnRef idx="1">
+            <a:schemeClr val="accent1"/>
+          </a:lnRef>
+          <a:fillRef idx="0">
+            <a:schemeClr val="accent1"/>
+          </a:fillRef>
+          <a:effectRef idx="0">
+            <a:schemeClr val="accent1"/>
+          </a:effectRef>
+          <a:fontRef idx="minor">
+            <a:schemeClr val="tx1"/>
+          </a:fontRef>
+        </p:style>
+      </p:cxnSp>
+      <p:cxnSp>
+        <p:nvCxnSpPr>
+          <p:cNvPr id="2056" name="Straight Arrow Connector 2055">
+            <a:extLst>
+              <a:ext uri="{FF2B5EF4-FFF2-40B4-BE49-F238E27FC236}">
+                <a16:creationId xmlns:a16="http://schemas.microsoft.com/office/drawing/2014/main" id="{289EBBCE-4BD7-D373-CEF8-BEBACBF56372}"/>
+              </a:ext>
+            </a:extLst>
+          </p:cNvPr>
+          <p:cNvCxnSpPr>
+            <a:cxnSpLocks/>
+          </p:cNvCxnSpPr>
+          <p:nvPr/>
+        </p:nvCxnSpPr>
+        <p:spPr>
+          <a:xfrm>
+            <a:off x="2466559" y="2935639"/>
+            <a:ext cx="153080" cy="5337"/>
+          </a:xfrm>
+          <a:prstGeom prst="straightConnector1">
+            <a:avLst/>
+          </a:prstGeom>
+          <a:ln w="6350">
+            <a:solidFill>
+              <a:schemeClr val="tx1"/>
+            </a:solidFill>
+            <a:round/>
+            <a:headEnd type="triangle" w="sm" len="sm"/>
+            <a:tailEnd type="none"/>
+          </a:ln>
+        </p:spPr>
+        <p:style>
+          <a:lnRef idx="1">
+            <a:schemeClr val="accent1"/>
+          </a:lnRef>
+          <a:fillRef idx="0">
+            <a:schemeClr val="accent1"/>
+          </a:fillRef>
+          <a:effectRef idx="0">
+            <a:schemeClr val="accent1"/>
+          </a:effectRef>
+          <a:fontRef idx="minor">
+            <a:schemeClr val="tx1"/>
+          </a:fontRef>
+        </p:style>
+      </p:cxnSp>
+      <p:sp>
+        <p:nvSpPr>
+          <p:cNvPr id="2068" name="TextBox 2067">
+            <a:extLst>
+              <a:ext uri="{FF2B5EF4-FFF2-40B4-BE49-F238E27FC236}">
+                <a16:creationId xmlns:a16="http://schemas.microsoft.com/office/drawing/2014/main" id="{0DF5B5EF-8E75-6997-0BA4-CA6F884FE28F}"/>
+              </a:ext>
+            </a:extLst>
+          </p:cNvPr>
+          <p:cNvSpPr txBox="1"/>
+          <p:nvPr/>
+        </p:nvSpPr>
+        <p:spPr>
+          <a:xfrm>
+            <a:off x="1546410" y="3541979"/>
+            <a:ext cx="351249" cy="169277"/>
+          </a:xfrm>
+          <a:prstGeom prst="rect">
+            <a:avLst/>
+          </a:prstGeom>
+          <a:noFill/>
         </p:spPr>
         <p:txBody>
           <a:bodyPr wrap="square">
@@ -12815,161 +13204,220 @@
           <a:lstStyle/>
           <a:p>
             <a:r>
-              <a:rPr lang="en-GB" sz="350" b="1" dirty="0">
-                <a:solidFill>
-                  <a:srgbClr val="FF7C09"/>
-                </a:solidFill>
-                <a:latin typeface="Helvetica" pitchFamily="2" charset="0"/>
-              </a:rPr>
-              <a:t>—</a:t>
-            </a:r>
-            <a:r>
-              <a:rPr lang="en-GB" sz="300" b="1" dirty="0">
-                <a:solidFill>
-                  <a:srgbClr val="FF0000"/>
-                </a:solidFill>
-                <a:latin typeface="Helvetica" pitchFamily="2" charset="0"/>
-              </a:rPr>
-              <a:t> </a:t>
-            </a:r>
-            <a:r>
-              <a:rPr lang="en-GB" sz="300" dirty="0">
-                <a:latin typeface="Helvetica" pitchFamily="2" charset="0"/>
-              </a:rPr>
-              <a:t>State pension claims</a:t>
-            </a:r>
-          </a:p>
-          <a:p>
-            <a:r>
-              <a:rPr lang="en-GB" sz="350" b="1" dirty="0" smtClean="0">
-                <a:solidFill>
-                  <a:srgbClr val="249D24"/>
-                </a:solidFill>
-                <a:latin typeface="Helvetica" pitchFamily="2" charset="0"/>
-              </a:rPr>
-              <a:t>—</a:t>
-            </a:r>
-            <a:r>
-              <a:rPr lang="en-GB" sz="300" dirty="0" smtClean="0">
-                <a:solidFill>
-                  <a:srgbClr val="FF0000"/>
-                </a:solidFill>
-                <a:latin typeface="Helvetica" pitchFamily="2" charset="0"/>
-              </a:rPr>
-              <a:t> </a:t>
-            </a:r>
-            <a:r>
-              <a:rPr lang="en-GB" sz="300" dirty="0" smtClean="0">
-                <a:latin typeface="Helvetica" pitchFamily="2" charset="0"/>
-              </a:rPr>
-              <a:t>Vehicle registration</a:t>
-            </a:r>
-          </a:p>
-          <a:p>
-            <a:r>
-              <a:rPr lang="en-GB" sz="350" b="1" dirty="0" smtClean="0">
-                <a:solidFill>
-                  <a:srgbClr val="9264BC"/>
-                </a:solidFill>
-                <a:latin typeface="Helvetica" pitchFamily="2" charset="0"/>
-              </a:rPr>
-              <a:t>—</a:t>
-            </a:r>
-            <a:r>
-              <a:rPr lang="en-GB" sz="300" dirty="0" smtClean="0">
-                <a:solidFill>
-                  <a:srgbClr val="FF0000"/>
-                </a:solidFill>
-                <a:latin typeface="Helvetica" pitchFamily="2" charset="0"/>
-              </a:rPr>
-              <a:t> </a:t>
-            </a:r>
-            <a:r>
-              <a:rPr lang="en-GB" sz="300" dirty="0" smtClean="0">
-                <a:latin typeface="Helvetica" pitchFamily="2" charset="0"/>
-              </a:rPr>
-              <a:t>Passport applications</a:t>
-            </a:r>
-          </a:p>
-          <a:p>
-            <a:r>
-              <a:rPr lang="en-GB" sz="350" b="1" dirty="0">
-                <a:solidFill>
-                  <a:srgbClr val="1772B1"/>
-                </a:solidFill>
-                <a:latin typeface="Helvetica" pitchFamily="2" charset="0"/>
-              </a:rPr>
-              <a:t>—</a:t>
-            </a:r>
-            <a:r>
-              <a:rPr lang="en-GB" sz="300" dirty="0">
-                <a:solidFill>
-                  <a:srgbClr val="FF0000"/>
-                </a:solidFill>
-                <a:latin typeface="Helvetica" pitchFamily="2" charset="0"/>
-              </a:rPr>
-              <a:t> </a:t>
-            </a:r>
-            <a:r>
-              <a:rPr lang="en-GB" sz="300" dirty="0">
-                <a:latin typeface="Helvetica" pitchFamily="2" charset="0"/>
-              </a:rPr>
-              <a:t>Jobseeker’s Allowance</a:t>
-            </a:r>
-          </a:p>
-          <a:p>
-            <a:r>
-              <a:rPr lang="en-GB" sz="350" b="1" dirty="0">
-                <a:solidFill>
-                  <a:srgbClr val="D41F20"/>
-                </a:solidFill>
-                <a:latin typeface="Helvetica" pitchFamily="2" charset="0"/>
-              </a:rPr>
-              <a:t>—</a:t>
-            </a:r>
-            <a:r>
-              <a:rPr lang="en-GB" sz="300" dirty="0">
-                <a:solidFill>
-                  <a:srgbClr val="FF0000"/>
-                </a:solidFill>
-                <a:latin typeface="Helvetica" pitchFamily="2" charset="0"/>
-              </a:rPr>
-              <a:t> </a:t>
-            </a:r>
-            <a:r>
-              <a:rPr lang="en-GB" sz="300" dirty="0">
-                <a:latin typeface="Helvetica" pitchFamily="2" charset="0"/>
-              </a:rPr>
-              <a:t>Jobcentre Plus</a:t>
-            </a:r>
-          </a:p>
-          <a:p>
-            <a:endParaRPr lang="en-GB" sz="300" dirty="0">
-              <a:latin typeface="Helvetica" pitchFamily="2" charset="0"/>
-            </a:endParaRPr>
-          </a:p>
-        </p:txBody>
-      </p:sp>
-      <p:sp>
-        <p:nvSpPr>
-          <p:cNvPr id="12" name="Rectangle 11"/>
-          <p:cNvSpPr/>
+              <a:rPr lang="en-GB" sz="500" dirty="0"/>
+              <a:t>DWP</a:t>
+            </a:r>
+          </a:p>
+        </p:txBody>
+      </p:sp>
+      <p:sp>
+        <p:nvSpPr>
+          <p:cNvPr id="2069" name="TextBox 2068">
+            <a:extLst>
+              <a:ext uri="{FF2B5EF4-FFF2-40B4-BE49-F238E27FC236}">
+                <a16:creationId xmlns:a16="http://schemas.microsoft.com/office/drawing/2014/main" id="{05250613-4A32-555C-6E79-E59EA4E21901}"/>
+              </a:ext>
+            </a:extLst>
+          </p:cNvPr>
+          <p:cNvSpPr txBox="1"/>
           <p:nvPr/>
         </p:nvSpPr>
         <p:spPr>
           <a:xfrm>
-            <a:off x="4499625" y="608964"/>
-            <a:ext cx="2042146" cy="1456926"/>
+            <a:off x="934535" y="3389369"/>
+            <a:ext cx="3453492" cy="169277"/>
           </a:xfrm>
           <a:prstGeom prst="rect">
             <a:avLst/>
           </a:prstGeom>
+          <a:noFill/>
+        </p:spPr>
+        <p:txBody>
+          <a:bodyPr wrap="square">
+            <a:spAutoFit/>
+          </a:bodyPr>
+          <a:lstStyle/>
+          <a:p>
+            <a:r>
+              <a:rPr lang="en-GB" sz="500" dirty="0"/>
+              <a:t>DVLA</a:t>
+            </a:r>
+          </a:p>
+        </p:txBody>
+      </p:sp>
+      <p:sp>
+        <p:nvSpPr>
+          <p:cNvPr id="2070" name="TextBox 2069">
+            <a:extLst>
+              <a:ext uri="{FF2B5EF4-FFF2-40B4-BE49-F238E27FC236}">
+                <a16:creationId xmlns:a16="http://schemas.microsoft.com/office/drawing/2014/main" id="{8E57D556-F41B-6F36-BD6F-62183A5262FB}"/>
+              </a:ext>
+            </a:extLst>
+          </p:cNvPr>
+          <p:cNvSpPr txBox="1"/>
+          <p:nvPr/>
+        </p:nvSpPr>
+        <p:spPr>
+          <a:xfrm>
+            <a:off x="419921" y="2943203"/>
+            <a:ext cx="593130" cy="169277"/>
+          </a:xfrm>
+          <a:prstGeom prst="rect">
+            <a:avLst/>
+          </a:prstGeom>
+          <a:noFill/>
+        </p:spPr>
+        <p:txBody>
+          <a:bodyPr wrap="square">
+            <a:spAutoFit/>
+          </a:bodyPr>
+          <a:lstStyle/>
+          <a:p>
+            <a:r>
+              <a:rPr lang="en-GB" sz="500" dirty="0" smtClean="0"/>
+              <a:t>HMCTS</a:t>
+            </a:r>
+            <a:endParaRPr lang="en-GB" sz="500" dirty="0"/>
+          </a:p>
+        </p:txBody>
+      </p:sp>
+      <p:sp>
+        <p:nvSpPr>
+          <p:cNvPr id="2075" name="TextBox 2074">
+            <a:extLst>
+              <a:ext uri="{FF2B5EF4-FFF2-40B4-BE49-F238E27FC236}">
+                <a16:creationId xmlns:a16="http://schemas.microsoft.com/office/drawing/2014/main" id="{63223076-B2B2-3F65-18DD-81964CEE9B79}"/>
+              </a:ext>
+            </a:extLst>
+          </p:cNvPr>
+          <p:cNvSpPr txBox="1"/>
+          <p:nvPr/>
+        </p:nvSpPr>
+        <p:spPr>
+          <a:xfrm>
+            <a:off x="1490924" y="3768059"/>
+            <a:ext cx="528140" cy="169277"/>
+          </a:xfrm>
+          <a:prstGeom prst="rect">
+            <a:avLst/>
+          </a:prstGeom>
+          <a:noFill/>
+        </p:spPr>
+        <p:txBody>
+          <a:bodyPr wrap="square">
+            <a:spAutoFit/>
+          </a:bodyPr>
+          <a:lstStyle/>
+          <a:p>
+            <a:r>
+              <a:rPr lang="en-GB" sz="500" dirty="0"/>
+              <a:t>Form views</a:t>
+            </a:r>
+          </a:p>
+        </p:txBody>
+      </p:sp>
+      <p:sp>
+        <p:nvSpPr>
+          <p:cNvPr id="36" name="TextBox 35">
+            <a:extLst>
+              <a:ext uri="{FF2B5EF4-FFF2-40B4-BE49-F238E27FC236}">
+                <a16:creationId xmlns:a16="http://schemas.microsoft.com/office/drawing/2014/main" id="{AE998C2A-5987-4EAC-F0D0-4580B9A2DDE7}"/>
+              </a:ext>
+            </a:extLst>
+          </p:cNvPr>
+          <p:cNvSpPr txBox="1"/>
+          <p:nvPr/>
+        </p:nvSpPr>
+        <p:spPr>
+          <a:xfrm>
+            <a:off x="4563924" y="4330683"/>
+            <a:ext cx="867855" cy="176972"/>
+          </a:xfrm>
+          <a:prstGeom prst="rect">
+            <a:avLst/>
+          </a:prstGeom>
+          <a:noFill/>
+        </p:spPr>
+        <p:txBody>
+          <a:bodyPr wrap="square" rtlCol="0">
+            <a:spAutoFit/>
+          </a:bodyPr>
+          <a:lstStyle/>
+          <a:p>
+            <a:pPr algn="ctr"/>
+            <a:r>
+              <a:rPr lang="en-GB" sz="550" dirty="0" smtClean="0">
+                <a:latin typeface="Helvetica" pitchFamily="2" charset="0"/>
+              </a:rPr>
+              <a:t>Service verb use (%)</a:t>
+            </a:r>
+            <a:endParaRPr lang="en-GB" sz="550" dirty="0">
+              <a:latin typeface="Helvetica" pitchFamily="2" charset="0"/>
+            </a:endParaRPr>
+          </a:p>
+        </p:txBody>
+      </p:sp>
+      <p:sp>
+        <p:nvSpPr>
+          <p:cNvPr id="37" name="TextBox 36">
+            <a:extLst>
+              <a:ext uri="{FF2B5EF4-FFF2-40B4-BE49-F238E27FC236}">
+                <a16:creationId xmlns:a16="http://schemas.microsoft.com/office/drawing/2014/main" id="{AE998C2A-5987-4EAC-F0D0-4580B9A2DDE7}"/>
+              </a:ext>
+            </a:extLst>
+          </p:cNvPr>
+          <p:cNvSpPr txBox="1"/>
+          <p:nvPr/>
+        </p:nvSpPr>
+        <p:spPr>
+          <a:xfrm>
+            <a:off x="5850540" y="4338320"/>
+            <a:ext cx="867855" cy="176972"/>
+          </a:xfrm>
+          <a:prstGeom prst="rect">
+            <a:avLst/>
+          </a:prstGeom>
+          <a:noFill/>
+        </p:spPr>
+        <p:txBody>
+          <a:bodyPr wrap="square" rtlCol="0">
+            <a:spAutoFit/>
+          </a:bodyPr>
+          <a:lstStyle/>
+          <a:p>
+            <a:pPr algn="ctr"/>
+            <a:r>
+              <a:rPr lang="en-GB" sz="550" dirty="0" smtClean="0">
+                <a:latin typeface="Helvetica" pitchFamily="2" charset="0"/>
+              </a:rPr>
+              <a:t>Service verb use (%)</a:t>
+            </a:r>
+            <a:endParaRPr lang="en-GB" sz="550" dirty="0">
+              <a:latin typeface="Helvetica" pitchFamily="2" charset="0"/>
+            </a:endParaRPr>
+          </a:p>
+        </p:txBody>
+      </p:sp>
+      <p:sp>
+        <p:nvSpPr>
+          <p:cNvPr id="3" name="Oval 2"/>
+          <p:cNvSpPr/>
+          <p:nvPr/>
+        </p:nvSpPr>
+        <p:spPr>
+          <a:xfrm flipH="1">
+            <a:off x="567681" y="2888704"/>
+            <a:ext cx="60960" cy="60960"/>
+          </a:xfrm>
+          <a:prstGeom prst="ellipse">
+            <a:avLst/>
+          </a:prstGeom>
           <a:solidFill>
-            <a:srgbClr val="EFEFEF"/>
+            <a:srgbClr val="FFEFF2"/>
           </a:solidFill>
           <a:ln w="3175">
             <a:solidFill>
-              <a:srgbClr val="9A9A9A"/>
+              <a:schemeClr val="tx1"/>
             </a:solidFill>
           </a:ln>
         </p:spPr>
@@ -12994,82 +13442,152 @@
           <a:lstStyle/>
           <a:p>
             <a:pPr algn="ctr"/>
-            <a:endParaRPr lang="en-GB" dirty="0"/>
-          </a:p>
-        </p:txBody>
-      </p:sp>
-      <p:sp>
-        <p:nvSpPr>
-          <p:cNvPr id="13" name="TextBox 12"/>
-          <p:cNvSpPr txBox="1"/>
+            <a:endParaRPr lang="en-GB"/>
+          </a:p>
+        </p:txBody>
+      </p:sp>
+      <p:sp>
+        <p:nvSpPr>
+          <p:cNvPr id="39" name="Oval 38"/>
+          <p:cNvSpPr/>
           <p:nvPr/>
         </p:nvSpPr>
         <p:spPr>
-          <a:xfrm>
-            <a:off x="4499625" y="608963"/>
-            <a:ext cx="2042146" cy="184666"/>
-          </a:xfrm>
-          <a:prstGeom prst="rect">
+          <a:xfrm flipH="1">
+            <a:off x="1068136" y="3365672"/>
+            <a:ext cx="60960" cy="60960"/>
+          </a:xfrm>
+          <a:prstGeom prst="ellipse">
             <a:avLst/>
           </a:prstGeom>
-          <a:noFill/>
-        </p:spPr>
-        <p:txBody>
-          <a:bodyPr wrap="square" rtlCol="0">
-            <a:spAutoFit/>
-          </a:bodyPr>
+          <a:solidFill>
+            <a:srgbClr val="97882C"/>
+          </a:solidFill>
+          <a:ln w="3175">
+            <a:solidFill>
+              <a:schemeClr val="tx1"/>
+            </a:solidFill>
+          </a:ln>
+        </p:spPr>
+        <p:style>
+          <a:lnRef idx="2">
+            <a:schemeClr val="accent1">
+              <a:shade val="50000"/>
+            </a:schemeClr>
+          </a:lnRef>
+          <a:fillRef idx="1">
+            <a:schemeClr val="accent1"/>
+          </a:fillRef>
+          <a:effectRef idx="0">
+            <a:schemeClr val="accent1"/>
+          </a:effectRef>
+          <a:fontRef idx="minor">
+            <a:schemeClr val="lt1"/>
+          </a:fontRef>
+        </p:style>
+        <p:txBody>
+          <a:bodyPr rtlCol="0" anchor="ctr"/>
           <a:lstStyle/>
           <a:p>
-            <a:r>
-              <a:rPr lang="en-GB" sz="600" b="1" smtClean="0">
-                <a:latin typeface="Helvetica" panose="020B0604020202020204" pitchFamily="34" charset="0"/>
-                <a:cs typeface="Helvetica" panose="020B0604020202020204" pitchFamily="34" charset="0"/>
-              </a:rPr>
-              <a:t>Metric              Volume	</a:t>
-            </a:r>
-            <a:r>
-              <a:rPr lang="en-GB" sz="600" b="1" dirty="0" smtClean="0">
-                <a:latin typeface="Helvetica" panose="020B0604020202020204" pitchFamily="34" charset="0"/>
-                <a:cs typeface="Helvetica" panose="020B0604020202020204" pitchFamily="34" charset="0"/>
-              </a:rPr>
-              <a:t>	</a:t>
-            </a:r>
-            <a:endParaRPr lang="en-GB" sz="600" b="1" dirty="0">
-              <a:latin typeface="Helvetica" panose="020B0604020202020204" pitchFamily="34" charset="0"/>
-              <a:cs typeface="Helvetica" panose="020B0604020202020204" pitchFamily="34" charset="0"/>
-            </a:endParaRPr>
-          </a:p>
-        </p:txBody>
-      </p:sp>
-      <p:pic>
-        <p:nvPicPr>
-          <p:cNvPr id="3" name="Picture 2"/>
-          <p:cNvPicPr>
-            <a:picLocks noChangeAspect="1"/>
-          </p:cNvPicPr>
+            <a:pPr algn="ctr"/>
+            <a:endParaRPr lang="en-GB"/>
+          </a:p>
+        </p:txBody>
+      </p:sp>
+      <p:sp>
+        <p:nvSpPr>
+          <p:cNvPr id="45" name="Oval 44"/>
+          <p:cNvSpPr/>
           <p:nvPr/>
-        </p:nvPicPr>
-        <p:blipFill rotWithShape="1">
-          <a:blip r:embed="rId7" cstate="print">
-            <a:extLst>
-              <a:ext uri="{28A0092B-C50C-407E-A947-70E740481C1C}">
-                <a14:useLocalDpi xmlns:a14="http://schemas.microsoft.com/office/drawing/2010/main" val="0"/>
-              </a:ext>
-            </a:extLst>
-          </a:blip>
-          <a:srcRect l="4167" t="11087" r="9266" b="6376"/>
-          <a:stretch/>
-        </p:blipFill>
-        <p:spPr>
-          <a:xfrm>
-            <a:off x="3393802" y="2558304"/>
-            <a:ext cx="717025" cy="569705"/>
-          </a:xfrm>
-          <a:prstGeom prst="rect">
+        </p:nvSpPr>
+        <p:spPr>
+          <a:xfrm flipH="1">
+            <a:off x="1678477" y="3501323"/>
+            <a:ext cx="60960" cy="60960"/>
+          </a:xfrm>
+          <a:prstGeom prst="ellipse">
             <a:avLst/>
           </a:prstGeom>
-        </p:spPr>
-      </p:pic>
+          <a:solidFill>
+            <a:srgbClr val="0F395F"/>
+          </a:solidFill>
+          <a:ln w="3175">
+            <a:solidFill>
+              <a:schemeClr val="tx1"/>
+            </a:solidFill>
+          </a:ln>
+        </p:spPr>
+        <p:style>
+          <a:lnRef idx="2">
+            <a:schemeClr val="accent1">
+              <a:shade val="50000"/>
+            </a:schemeClr>
+          </a:lnRef>
+          <a:fillRef idx="1">
+            <a:schemeClr val="accent1"/>
+          </a:fillRef>
+          <a:effectRef idx="0">
+            <a:schemeClr val="accent1"/>
+          </a:effectRef>
+          <a:fontRef idx="minor">
+            <a:schemeClr val="lt1"/>
+          </a:fontRef>
+        </p:style>
+        <p:txBody>
+          <a:bodyPr rtlCol="0" anchor="ctr"/>
+          <a:lstStyle/>
+          <a:p>
+            <a:pPr algn="ctr"/>
+            <a:endParaRPr lang="en-GB"/>
+          </a:p>
+        </p:txBody>
+      </p:sp>
+      <p:sp>
+        <p:nvSpPr>
+          <p:cNvPr id="50" name="Oval 49"/>
+          <p:cNvSpPr/>
+          <p:nvPr/>
+        </p:nvSpPr>
+        <p:spPr>
+          <a:xfrm flipH="1">
+            <a:off x="1578338" y="4156274"/>
+            <a:ext cx="60960" cy="60960"/>
+          </a:xfrm>
+          <a:prstGeom prst="ellipse">
+            <a:avLst/>
+          </a:prstGeom>
+          <a:solidFill>
+            <a:srgbClr val="0F395F"/>
+          </a:solidFill>
+          <a:ln w="3175">
+            <a:noFill/>
+          </a:ln>
+        </p:spPr>
+        <p:style>
+          <a:lnRef idx="2">
+            <a:schemeClr val="accent1">
+              <a:shade val="50000"/>
+            </a:schemeClr>
+          </a:lnRef>
+          <a:fillRef idx="1">
+            <a:schemeClr val="accent1"/>
+          </a:fillRef>
+          <a:effectRef idx="0">
+            <a:schemeClr val="accent1"/>
+          </a:effectRef>
+          <a:fontRef idx="minor">
+            <a:schemeClr val="lt1"/>
+          </a:fontRef>
+        </p:style>
+        <p:txBody>
+          <a:bodyPr rtlCol="0" anchor="ctr"/>
+          <a:lstStyle/>
+          <a:p>
+            <a:pPr algn="ctr"/>
+            <a:endParaRPr lang="en-GB"/>
+          </a:p>
+        </p:txBody>
+      </p:sp>
       <p:pic>
         <p:nvPicPr>
           <p:cNvPr id="4" name="Picture 3"/>
@@ -13078,51 +13596,21 @@
           </p:cNvPicPr>
           <p:nvPr/>
         </p:nvPicPr>
-        <p:blipFill>
-          <a:blip r:embed="rId8" cstate="print">
+        <p:blipFill rotWithShape="1">
+          <a:blip r:embed="rId9">
             <a:extLst>
               <a:ext uri="{28A0092B-C50C-407E-A947-70E740481C1C}">
                 <a14:useLocalDpi xmlns:a14="http://schemas.microsoft.com/office/drawing/2010/main" val="0"/>
               </a:ext>
             </a:extLst>
           </a:blip>
-          <a:stretch>
-            <a:fillRect/>
-          </a:stretch>
-        </p:blipFill>
-        <p:spPr>
-          <a:xfrm>
-            <a:off x="3326097" y="638140"/>
-            <a:ext cx="792387" cy="556865"/>
-          </a:xfrm>
-          <a:prstGeom prst="rect">
-            <a:avLst/>
-          </a:prstGeom>
-        </p:spPr>
-      </p:pic>
-      <p:pic>
-        <p:nvPicPr>
-          <p:cNvPr id="19" name="Picture 18"/>
-          <p:cNvPicPr>
-            <a:picLocks noChangeAspect="1"/>
-          </p:cNvPicPr>
-          <p:nvPr/>
-        </p:nvPicPr>
-        <p:blipFill rotWithShape="1">
-          <a:blip r:embed="rId9" cstate="print">
-            <a:extLst>
-              <a:ext uri="{28A0092B-C50C-407E-A947-70E740481C1C}">
-                <a14:useLocalDpi xmlns:a14="http://schemas.microsoft.com/office/drawing/2010/main" val="0"/>
-              </a:ext>
-            </a:extLst>
-          </a:blip>
-          <a:srcRect r="7863" b="7346"/>
+          <a:srcRect l="2492" t="1582" r="7403" b="8111"/>
           <a:stretch/>
         </p:blipFill>
         <p:spPr>
           <a:xfrm>
-            <a:off x="9621" y="488668"/>
-            <a:ext cx="2070433" cy="1731414"/>
+            <a:off x="76200" y="198120"/>
+            <a:ext cx="3395173" cy="2432724"/>
           </a:xfrm>
           <a:prstGeom prst="rect">
             <a:avLst/>
@@ -13139,6 +13627,13 @@
   <p:clrMapOvr>
     <a:masterClrMapping/>
   </p:clrMapOvr>
+  <p:timing>
+    <p:tnLst>
+      <p:par>
+        <p:cTn id="1" dur="indefinite" restart="never" nodeType="tmRoot"/>
+      </p:par>
+    </p:tnLst>
+  </p:timing>
 </p:sld>
 </file>
 
@@ -13159,53 +13654,6 @@
           <a:chExt cx="0" cy="0"/>
         </a:xfrm>
       </p:grpSpPr>
-      <p:pic>
-        <p:nvPicPr>
-          <p:cNvPr id="3076" name="Picture 4">
-            <a:extLst>
-              <a:ext uri="{FF2B5EF4-FFF2-40B4-BE49-F238E27FC236}">
-                <a16:creationId xmlns:a16="http://schemas.microsoft.com/office/drawing/2014/main" id="{5EC1DC85-E316-FC6D-427E-E5384C13F773}"/>
-              </a:ext>
-            </a:extLst>
-          </p:cNvPr>
-          <p:cNvPicPr>
-            <a:picLocks noChangeAspect="1" noChangeArrowheads="1"/>
-          </p:cNvPicPr>
-          <p:nvPr/>
-        </p:nvPicPr>
-        <p:blipFill>
-          <a:blip r:embed="rId2" cstate="print">
-            <a:extLst>
-              <a:ext uri="{28A0092B-C50C-407E-A947-70E740481C1C}">
-                <a14:useLocalDpi xmlns:a14="http://schemas.microsoft.com/office/drawing/2010/main" val="0"/>
-              </a:ext>
-            </a:extLst>
-          </a:blip>
-          <a:srcRect/>
-          <a:stretch>
-            <a:fillRect/>
-          </a:stretch>
-        </p:blipFill>
-        <p:spPr bwMode="auto">
-          <a:xfrm>
-            <a:off x="3429000" y="134702"/>
-            <a:ext cx="2961685" cy="2195212"/>
-          </a:xfrm>
-          <a:prstGeom prst="rect">
-            <a:avLst/>
-          </a:prstGeom>
-          <a:noFill/>
-          <a:extLst>
-            <a:ext uri="{909E8E84-426E-40DD-AFC4-6F175D3DCCD1}">
-              <a14:hiddenFill xmlns:a14="http://schemas.microsoft.com/office/drawing/2010/main">
-                <a:solidFill>
-                  <a:srgbClr val="FFFFFF"/>
-                </a:solidFill>
-              </a14:hiddenFill>
-            </a:ext>
-          </a:extLst>
-        </p:spPr>
-      </p:pic>
       <p:sp>
         <p:nvSpPr>
           <p:cNvPr id="5" name="Rectangle 5">
@@ -13482,7 +13930,7 @@
           <p:nvPr/>
         </p:nvPicPr>
         <p:blipFill>
-          <a:blip r:embed="rId3" cstate="print">
+          <a:blip r:embed="rId2" cstate="print">
             <a:extLst>
               <a:ext uri="{28A0092B-C50C-407E-A947-70E740481C1C}">
                 <a14:useLocalDpi xmlns:a14="http://schemas.microsoft.com/office/drawing/2010/main" val="0"/>
@@ -13495,7 +13943,7 @@
         </p:blipFill>
         <p:spPr>
           <a:xfrm>
-            <a:off x="1737996" y="2407554"/>
+            <a:off x="1737996" y="2836253"/>
             <a:ext cx="2648700" cy="1188000"/>
           </a:xfrm>
           <a:prstGeom prst="rect">
@@ -13505,10 +13953,229 @@
       </p:pic>
       <p:pic>
         <p:nvPicPr>
-          <p:cNvPr id="3079" name="Picture 7">
+          <p:cNvPr id="11" name="Picture 10" descr="A screenshot of a phone&#10;&#10;Description automatically generated">
             <a:extLst>
               <a:ext uri="{FF2B5EF4-FFF2-40B4-BE49-F238E27FC236}">
-                <a16:creationId xmlns:a16="http://schemas.microsoft.com/office/drawing/2014/main" id="{7230BE56-CDC8-91A7-629B-E16FD50E5005}"/>
+                <a16:creationId xmlns:a16="http://schemas.microsoft.com/office/drawing/2014/main" id="{ACEED17E-F59D-009F-58C1-9FDE882AD934}"/>
+              </a:ext>
+            </a:extLst>
+          </p:cNvPr>
+          <p:cNvPicPr>
+            <a:picLocks noChangeAspect="1"/>
+          </p:cNvPicPr>
+          <p:nvPr/>
+        </p:nvPicPr>
+        <p:blipFill>
+          <a:blip r:embed="rId3" cstate="print">
+            <a:extLst>
+              <a:ext uri="{28A0092B-C50C-407E-A947-70E740481C1C}">
+                <a14:useLocalDpi xmlns:a14="http://schemas.microsoft.com/office/drawing/2010/main" val="0"/>
+              </a:ext>
+            </a:extLst>
+          </a:blip>
+          <a:stretch>
+            <a:fillRect/>
+          </a:stretch>
+        </p:blipFill>
+        <p:spPr>
+          <a:xfrm>
+            <a:off x="160047" y="2784042"/>
+            <a:ext cx="1201302" cy="1240211"/>
+          </a:xfrm>
+          <a:prstGeom prst="rect">
+            <a:avLst/>
+          </a:prstGeom>
+        </p:spPr>
+      </p:pic>
+      <p:pic>
+        <p:nvPicPr>
+          <p:cNvPr id="6" name="Picture 5" descr="A graph of different colored squares&#10;&#10;Description automatically generated">
+            <a:extLst>
+              <a:ext uri="{FF2B5EF4-FFF2-40B4-BE49-F238E27FC236}">
+                <a16:creationId xmlns:a16="http://schemas.microsoft.com/office/drawing/2014/main" id="{826F863E-325C-2140-1079-29D14A45238A}"/>
+              </a:ext>
+            </a:extLst>
+          </p:cNvPr>
+          <p:cNvPicPr>
+            <a:picLocks noChangeAspect="1"/>
+          </p:cNvPicPr>
+          <p:nvPr/>
+        </p:nvPicPr>
+        <p:blipFill rotWithShape="1">
+          <a:blip r:embed="rId4">
+            <a:extLst>
+              <a:ext uri="{28A0092B-C50C-407E-A947-70E740481C1C}">
+                <a14:useLocalDpi xmlns:a14="http://schemas.microsoft.com/office/drawing/2010/main" val="0"/>
+              </a:ext>
+            </a:extLst>
+          </a:blip>
+          <a:srcRect t="5346" r="791" b="5185"/>
+          <a:stretch/>
+        </p:blipFill>
+        <p:spPr>
+          <a:xfrm>
+            <a:off x="37985" y="356425"/>
+            <a:ext cx="3031514" cy="2037123"/>
+          </a:xfrm>
+          <a:prstGeom prst="rect">
+            <a:avLst/>
+          </a:prstGeom>
+        </p:spPr>
+      </p:pic>
+      <p:sp>
+        <p:nvSpPr>
+          <p:cNvPr id="7" name="TextBox 6">
+            <a:extLst>
+              <a:ext uri="{FF2B5EF4-FFF2-40B4-BE49-F238E27FC236}">
+                <a16:creationId xmlns:a16="http://schemas.microsoft.com/office/drawing/2014/main" id="{7552D84B-D8B8-6333-6106-4A60D9E27F17}"/>
+              </a:ext>
+            </a:extLst>
+          </p:cNvPr>
+          <p:cNvSpPr txBox="1"/>
+          <p:nvPr/>
+        </p:nvSpPr>
+        <p:spPr>
+          <a:xfrm>
+            <a:off x="21227" y="169681"/>
+            <a:ext cx="277640" cy="246221"/>
+          </a:xfrm>
+          <a:prstGeom prst="rect">
+            <a:avLst/>
+          </a:prstGeom>
+          <a:noFill/>
+        </p:spPr>
+        <p:txBody>
+          <a:bodyPr wrap="none" rtlCol="0">
+            <a:spAutoFit/>
+          </a:bodyPr>
+          <a:lstStyle/>
+          <a:p>
+            <a:r>
+              <a:rPr lang="en-GB" sz="1000" b="1" dirty="0">
+                <a:latin typeface="Helvetica" pitchFamily="2" charset="0"/>
+              </a:rPr>
+              <a:t>A</a:t>
+            </a:r>
+          </a:p>
+        </p:txBody>
+      </p:sp>
+      <p:sp>
+        <p:nvSpPr>
+          <p:cNvPr id="8" name="TextBox 7">
+            <a:extLst>
+              <a:ext uri="{FF2B5EF4-FFF2-40B4-BE49-F238E27FC236}">
+                <a16:creationId xmlns:a16="http://schemas.microsoft.com/office/drawing/2014/main" id="{480DD459-D859-AA4C-2906-A6FDF709BBED}"/>
+              </a:ext>
+            </a:extLst>
+          </p:cNvPr>
+          <p:cNvSpPr txBox="1"/>
+          <p:nvPr/>
+        </p:nvSpPr>
+        <p:spPr>
+          <a:xfrm>
+            <a:off x="-27608" y="2482654"/>
+            <a:ext cx="277640" cy="246221"/>
+          </a:xfrm>
+          <a:prstGeom prst="rect">
+            <a:avLst/>
+          </a:prstGeom>
+          <a:noFill/>
+        </p:spPr>
+        <p:txBody>
+          <a:bodyPr wrap="none" rtlCol="0">
+            <a:spAutoFit/>
+          </a:bodyPr>
+          <a:lstStyle/>
+          <a:p>
+            <a:r>
+              <a:rPr lang="en-GB" sz="1000" b="1" dirty="0">
+                <a:latin typeface="Helvetica" pitchFamily="2" charset="0"/>
+              </a:rPr>
+              <a:t>C</a:t>
+            </a:r>
+          </a:p>
+        </p:txBody>
+      </p:sp>
+      <p:sp>
+        <p:nvSpPr>
+          <p:cNvPr id="10" name="TextBox 9">
+            <a:extLst>
+              <a:ext uri="{FF2B5EF4-FFF2-40B4-BE49-F238E27FC236}">
+                <a16:creationId xmlns:a16="http://schemas.microsoft.com/office/drawing/2014/main" id="{469A1C26-FA48-94A6-7EC5-15FB6451B579}"/>
+              </a:ext>
+            </a:extLst>
+          </p:cNvPr>
+          <p:cNvSpPr txBox="1"/>
+          <p:nvPr/>
+        </p:nvSpPr>
+        <p:spPr>
+          <a:xfrm>
+            <a:off x="1599176" y="2502866"/>
+            <a:ext cx="277640" cy="246221"/>
+          </a:xfrm>
+          <a:prstGeom prst="rect">
+            <a:avLst/>
+          </a:prstGeom>
+          <a:noFill/>
+        </p:spPr>
+        <p:txBody>
+          <a:bodyPr wrap="none" rtlCol="0">
+            <a:spAutoFit/>
+          </a:bodyPr>
+          <a:lstStyle/>
+          <a:p>
+            <a:r>
+              <a:rPr lang="en-GB" sz="1000" b="1" dirty="0">
+                <a:latin typeface="Helvetica" pitchFamily="2" charset="0"/>
+              </a:rPr>
+              <a:t>D</a:t>
+            </a:r>
+          </a:p>
+        </p:txBody>
+      </p:sp>
+      <p:sp>
+        <p:nvSpPr>
+          <p:cNvPr id="12" name="TextBox 11">
+            <a:extLst>
+              <a:ext uri="{FF2B5EF4-FFF2-40B4-BE49-F238E27FC236}">
+                <a16:creationId xmlns:a16="http://schemas.microsoft.com/office/drawing/2014/main" id="{3C3E5AEF-468B-F06D-4B3A-17B84946870F}"/>
+              </a:ext>
+            </a:extLst>
+          </p:cNvPr>
+          <p:cNvSpPr txBox="1"/>
+          <p:nvPr/>
+        </p:nvSpPr>
+        <p:spPr>
+          <a:xfrm>
+            <a:off x="3216674" y="101100"/>
+            <a:ext cx="277640" cy="246221"/>
+          </a:xfrm>
+          <a:prstGeom prst="rect">
+            <a:avLst/>
+          </a:prstGeom>
+          <a:noFill/>
+        </p:spPr>
+        <p:txBody>
+          <a:bodyPr wrap="none" rtlCol="0">
+            <a:spAutoFit/>
+          </a:bodyPr>
+          <a:lstStyle/>
+          <a:p>
+            <a:r>
+              <a:rPr lang="en-GB" sz="1000" b="1" dirty="0">
+                <a:latin typeface="Helvetica" pitchFamily="2" charset="0"/>
+              </a:rPr>
+              <a:t>B</a:t>
+            </a:r>
+          </a:p>
+        </p:txBody>
+      </p:sp>
+      <p:pic>
+        <p:nvPicPr>
+          <p:cNvPr id="2060" name="Picture 12">
+            <a:extLst>
+              <a:ext uri="{FF2B5EF4-FFF2-40B4-BE49-F238E27FC236}">
+                <a16:creationId xmlns:a16="http://schemas.microsoft.com/office/drawing/2014/main" id="{03B03ED9-846A-CB8D-49C2-544CBC5294EC}"/>
               </a:ext>
             </a:extLst>
           </p:cNvPr>
@@ -13518,7 +14185,7 @@
           <p:nvPr/>
         </p:nvPicPr>
         <p:blipFill>
-          <a:blip r:embed="rId4" cstate="print">
+          <a:blip r:embed="rId5">
             <a:extLst>
               <a:ext uri="{28A0092B-C50C-407E-A947-70E740481C1C}">
                 <a14:useLocalDpi xmlns:a14="http://schemas.microsoft.com/office/drawing/2010/main" val="0"/>
@@ -13532,8 +14199,8 @@
         </p:blipFill>
         <p:spPr bwMode="auto">
           <a:xfrm>
-            <a:off x="211708" y="134702"/>
-            <a:ext cx="2622437" cy="1895804"/>
+            <a:off x="3261607" y="292791"/>
+            <a:ext cx="3596393" cy="2037123"/>
           </a:xfrm>
           <a:prstGeom prst="rect">
             <a:avLst/>
@@ -13552,76 +14219,88 @@
       </p:pic>
       <p:pic>
         <p:nvPicPr>
-          <p:cNvPr id="11" name="Picture 10" descr="A screenshot of a phone&#10;&#10;Description automatically generated">
+          <p:cNvPr id="2062" name="Picture 14">
             <a:extLst>
               <a:ext uri="{FF2B5EF4-FFF2-40B4-BE49-F238E27FC236}">
-                <a16:creationId xmlns:a16="http://schemas.microsoft.com/office/drawing/2014/main" id="{ACEED17E-F59D-009F-58C1-9FDE882AD934}"/>
+                <a16:creationId xmlns:a16="http://schemas.microsoft.com/office/drawing/2014/main" id="{CB5BA8A6-9F07-CBFB-2F6B-E845114F5A10}"/>
               </a:ext>
             </a:extLst>
           </p:cNvPr>
           <p:cNvPicPr>
-            <a:picLocks noChangeAspect="1"/>
+            <a:picLocks noChangeAspect="1" noChangeArrowheads="1"/>
           </p:cNvPicPr>
           <p:nvPr/>
         </p:nvPicPr>
         <p:blipFill>
-          <a:blip r:embed="rId5" cstate="print">
+          <a:blip r:embed="rId6">
             <a:extLst>
               <a:ext uri="{28A0092B-C50C-407E-A947-70E740481C1C}">
                 <a14:useLocalDpi xmlns:a14="http://schemas.microsoft.com/office/drawing/2010/main" val="0"/>
               </a:ext>
             </a:extLst>
           </a:blip>
+          <a:srcRect/>
           <a:stretch>
             <a:fillRect/>
           </a:stretch>
         </p:blipFill>
-        <p:spPr>
-          <a:xfrm>
-            <a:off x="160047" y="2355343"/>
-            <a:ext cx="1201302" cy="1240211"/>
+        <p:spPr bwMode="auto">
+          <a:xfrm>
+            <a:off x="4806230" y="2605764"/>
+            <a:ext cx="2022529" cy="1506129"/>
           </a:xfrm>
           <a:prstGeom prst="rect">
             <a:avLst/>
           </a:prstGeom>
+          <a:noFill/>
+          <a:extLst>
+            <a:ext uri="{909E8E84-426E-40DD-AFC4-6F175D3DCCD1}">
+              <a14:hiddenFill xmlns:a14="http://schemas.microsoft.com/office/drawing/2010/main">
+                <a:solidFill>
+                  <a:srgbClr val="FFFFFF"/>
+                </a:solidFill>
+              </a14:hiddenFill>
+            </a:ext>
+          </a:extLst>
         </p:spPr>
       </p:pic>
-      <p:pic>
-        <p:nvPicPr>
-          <p:cNvPr id="15" name="Picture 14" descr="A pie chart with numbers and a few percentages&#10;&#10;Description automatically generated">
+      <p:sp>
+        <p:nvSpPr>
+          <p:cNvPr id="13" name="TextBox 12">
             <a:extLst>
               <a:ext uri="{FF2B5EF4-FFF2-40B4-BE49-F238E27FC236}">
-                <a16:creationId xmlns:a16="http://schemas.microsoft.com/office/drawing/2014/main" id="{925337AA-0510-49E8-A964-22292479FC19}"/>
+                <a16:creationId xmlns:a16="http://schemas.microsoft.com/office/drawing/2014/main" id="{6D44E15B-DB6C-219C-CF74-29806A9A29F7}"/>
               </a:ext>
             </a:extLst>
           </p:cNvPr>
-          <p:cNvPicPr>
-            <a:picLocks noChangeAspect="1"/>
-          </p:cNvPicPr>
+          <p:cNvSpPr txBox="1"/>
           <p:nvPr/>
-        </p:nvPicPr>
-        <p:blipFill>
-          <a:blip r:embed="rId6" cstate="print">
-            <a:extLst>
-              <a:ext uri="{28A0092B-C50C-407E-A947-70E740481C1C}">
-                <a14:useLocalDpi xmlns:a14="http://schemas.microsoft.com/office/drawing/2010/main" val="0"/>
-              </a:ext>
-            </a:extLst>
-          </a:blip>
-          <a:stretch>
-            <a:fillRect/>
-          </a:stretch>
-        </p:blipFill>
-        <p:spPr>
-          <a:xfrm>
-            <a:off x="4763343" y="2467670"/>
-            <a:ext cx="1666947" cy="1155793"/>
+        </p:nvSpPr>
+        <p:spPr>
+          <a:xfrm>
+            <a:off x="4536604" y="2483319"/>
+            <a:ext cx="269626" cy="246221"/>
           </a:xfrm>
           <a:prstGeom prst="rect">
             <a:avLst/>
           </a:prstGeom>
-        </p:spPr>
-      </p:pic>
+          <a:noFill/>
+        </p:spPr>
+        <p:txBody>
+          <a:bodyPr wrap="none" rtlCol="0">
+            <a:spAutoFit/>
+          </a:bodyPr>
+          <a:lstStyle/>
+          <a:p>
+            <a:r>
+              <a:rPr lang="en-GB" sz="1000" b="1" dirty="0">
+                <a:latin typeface="Helvetica" pitchFamily="2" charset="0"/>
+              </a:rPr>
+              <a:t>E</a:t>
+            </a:r>
+          </a:p>
+        </p:txBody>
+      </p:sp>
     </p:spTree>
     <p:extLst>
       <p:ext uri="{BB962C8B-B14F-4D97-AF65-F5344CB8AC3E}">
@@ -13632,6 +14311,13 @@
   <p:clrMapOvr>
     <a:masterClrMapping/>
   </p:clrMapOvr>
+  <p:timing>
+    <p:tnLst>
+      <p:par>
+        <p:cTn id="1" dur="indefinite" restart="never" nodeType="tmRoot"/>
+      </p:par>
+    </p:tnLst>
+  </p:timing>
 </p:sld>
 </file>
 
@@ -13897,12 +14583,14 @@
 </file>
 
 <file path=customXml/item1.xml><?xml version="1.0" encoding="utf-8"?>
-<?mso-contentType ?>
-<FormTemplates xmlns="http://schemas.microsoft.com/sharepoint/v3/contenttype/forms">
-  <Display>DocumentLibraryForm</Display>
-  <Edit>DocumentLibraryForm</Edit>
-  <New>DocumentLibraryForm</New>
-</FormTemplates>
+<p:properties xmlns:p="http://schemas.microsoft.com/office/2006/metadata/properties" xmlns:xsi="http://www.w3.org/2001/XMLSchema-instance" xmlns:pc="http://schemas.microsoft.com/office/infopath/2007/PartnerControls">
+  <documentManagement>
+    <lcf76f155ced4ddcb4097134ff3c332f xmlns="d67fce5f-2f04-4f7c-8e45-1ec614d56b91">
+      <Terms xmlns="http://schemas.microsoft.com/office/infopath/2007/PartnerControls"/>
+    </lcf76f155ced4ddcb4097134ff3c332f>
+    <TaxCatchAll xmlns="5cad2852-fd11-4253-a5dd-38f1c2375401" xsi:nil="true"/>
+  </documentManagement>
+</p:properties>
 </file>
 
 <file path=customXml/item2.xml><?xml version="1.0" encoding="utf-8"?>
@@ -14143,20 +14831,27 @@
 </file>
 
 <file path=customXml/item3.xml><?xml version="1.0" encoding="utf-8"?>
-<p:properties xmlns:p="http://schemas.microsoft.com/office/2006/metadata/properties" xmlns:xsi="http://www.w3.org/2001/XMLSchema-instance" xmlns:pc="http://schemas.microsoft.com/office/infopath/2007/PartnerControls">
-  <documentManagement>
-    <lcf76f155ced4ddcb4097134ff3c332f xmlns="d67fce5f-2f04-4f7c-8e45-1ec614d56b91">
-      <Terms xmlns="http://schemas.microsoft.com/office/infopath/2007/PartnerControls"/>
-    </lcf76f155ced4ddcb4097134ff3c332f>
-    <TaxCatchAll xmlns="5cad2852-fd11-4253-a5dd-38f1c2375401" xsi:nil="true"/>
-  </documentManagement>
-</p:properties>
+<?mso-contentType ?>
+<FormTemplates xmlns="http://schemas.microsoft.com/sharepoint/v3/contenttype/forms">
+  <Display>DocumentLibraryForm</Display>
+  <Edit>DocumentLibraryForm</Edit>
+  <New>DocumentLibraryForm</New>
+</FormTemplates>
 </file>
 
 <file path=customXml/itemProps1.xml><?xml version="1.0" encoding="utf-8"?>
-<ds:datastoreItem xmlns:ds="http://schemas.openxmlformats.org/officeDocument/2006/customXml" ds:itemID="{C789930F-4919-4017-8038-D3ADC3BB80B1}">
+<ds:datastoreItem xmlns:ds="http://schemas.openxmlformats.org/officeDocument/2006/customXml" ds:itemID="{CB15E116-BD27-4B83-9379-B22A911FE43D}">
   <ds:schemaRefs>
-    <ds:schemaRef ds:uri="http://schemas.microsoft.com/sharepoint/v3/contenttype/forms"/>
+    <ds:schemaRef ds:uri="d67fce5f-2f04-4f7c-8e45-1ec614d56b91"/>
+    <ds:schemaRef ds:uri="http://schemas.microsoft.com/office/2006/documentManagement/types"/>
+    <ds:schemaRef ds:uri="http://purl.org/dc/dcmitype/"/>
+    <ds:schemaRef ds:uri="http://schemas.microsoft.com/office/infopath/2007/PartnerControls"/>
+    <ds:schemaRef ds:uri="http://purl.org/dc/elements/1.1/"/>
+    <ds:schemaRef ds:uri="http://www.w3.org/XML/1998/namespace"/>
+    <ds:schemaRef ds:uri="http://schemas.microsoft.com/office/2006/metadata/properties"/>
+    <ds:schemaRef ds:uri="http://schemas.openxmlformats.org/package/2006/metadata/core-properties"/>
+    <ds:schemaRef ds:uri="5cad2852-fd11-4253-a5dd-38f1c2375401"/>
+    <ds:schemaRef ds:uri="http://purl.org/dc/terms/"/>
   </ds:schemaRefs>
 </ds:datastoreItem>
 </file>
@@ -14181,18 +14876,9 @@
 </file>
 
 <file path=customXml/itemProps3.xml><?xml version="1.0" encoding="utf-8"?>
-<ds:datastoreItem xmlns:ds="http://schemas.openxmlformats.org/officeDocument/2006/customXml" ds:itemID="{CB15E116-BD27-4B83-9379-B22A911FE43D}">
+<ds:datastoreItem xmlns:ds="http://schemas.openxmlformats.org/officeDocument/2006/customXml" ds:itemID="{C789930F-4919-4017-8038-D3ADC3BB80B1}">
   <ds:schemaRefs>
-    <ds:schemaRef ds:uri="http://purl.org/dc/elements/1.1/"/>
-    <ds:schemaRef ds:uri="http://purl.org/dc/dcmitype/"/>
-    <ds:schemaRef ds:uri="http://www.w3.org/XML/1998/namespace"/>
-    <ds:schemaRef ds:uri="http://schemas.openxmlformats.org/package/2006/metadata/core-properties"/>
-    <ds:schemaRef ds:uri="http://purl.org/dc/terms/"/>
-    <ds:schemaRef ds:uri="http://schemas.microsoft.com/office/2006/metadata/properties"/>
-    <ds:schemaRef ds:uri="http://schemas.microsoft.com/office/2006/documentManagement/types"/>
-    <ds:schemaRef ds:uri="d67fce5f-2f04-4f7c-8e45-1ec614d56b91"/>
-    <ds:schemaRef ds:uri="http://schemas.microsoft.com/office/infopath/2007/PartnerControls"/>
-    <ds:schemaRef ds:uri="5cad2852-fd11-4253-a5dd-38f1c2375401"/>
+    <ds:schemaRef ds:uri="http://schemas.microsoft.com/sharepoint/v3/contenttype/forms"/>
   </ds:schemaRefs>
 </ds:datastoreItem>
 </file>
--- a/reports/2023-desindex-figures-v2.pptx
+++ b/reports/2023-desindex-figures-v2.pptx
@@ -130,6 +130,18 @@
 </p:presentation>
 </file>
 
+<file path=ppt/commentAuthors.xml><?xml version="1.0" encoding="utf-8"?>
+<p:cmAuthorLst xmlns:a="http://schemas.openxmlformats.org/drawingml/2006/main" xmlns:r="http://schemas.openxmlformats.org/officeDocument/2006/relationships" xmlns:p="http://schemas.openxmlformats.org/presentationml/2006/main">
+  <p:cmAuthor id="1" name="Vincent Straub" initials="VS" lastIdx="3" clrIdx="0">
+    <p:extLst>
+      <p:ext uri="{19B8F6BF-5375-455C-9EA6-DF929625EA0E}">
+        <p15:presenceInfo xmlns:p15="http://schemas.microsoft.com/office/powerpoint/2012/main" userId="S-1-5-21-944046252-2799899743-1142484129-14551" providerId="AD"/>
+      </p:ext>
+    </p:extLst>
+  </p:cmAuthor>
+</p:cmAuthorLst>
+</file>
+
 <file path=ppt/revisionInfo.xml><?xml version="1.0" encoding="utf-8"?>
 <p1510:revInfo xmlns:a="http://schemas.openxmlformats.org/drawingml/2006/main" xmlns:r="http://schemas.openxmlformats.org/officeDocument/2006/relationships" xmlns:p1510="http://schemas.microsoft.com/office/powerpoint/2015/10/main">
   <p1510:revLst>
@@ -3512,6 +3524,40 @@
     </pc:docChg>
   </pc:docChgLst>
 </pc:chgInfo>
+</file>
+
+<file path=ppt/comments/comment1.xml><?xml version="1.0" encoding="utf-8"?>
+<p:cmLst xmlns:a="http://schemas.openxmlformats.org/drawingml/2006/main" xmlns:r="http://schemas.openxmlformats.org/officeDocument/2006/relationships" xmlns:p="http://schemas.openxmlformats.org/presentationml/2006/main">
+  <p:cm authorId="1" dt="2023-11-19T10:57:01.359" idx="1">
+    <p:pos x="4303" y="299"/>
+    <p:text/>
+    <p:extLst>
+      <p:ext uri="{C676402C-5697-4E1C-873F-D02D1690AC5C}">
+        <p15:threadingInfo xmlns:p15="http://schemas.microsoft.com/office/powerpoint/2012/main" timeZoneBias="0"/>
+      </p:ext>
+    </p:extLst>
+  </p:cm>
+  <p:cm authorId="1" dt="2023-11-19T10:57:04.722" idx="2">
+    <p:pos x="4399" y="395"/>
+    <p:text>Add column for # of organisations</p:text>
+    <p:extLst>
+      <p:ext uri="{C676402C-5697-4E1C-873F-D02D1690AC5C}">
+        <p15:threadingInfo xmlns:p15="http://schemas.microsoft.com/office/powerpoint/2012/main" timeZoneBias="0"/>
+      </p:ext>
+    </p:extLst>
+  </p:cm>
+  <p:cm authorId="1" dt="2023-11-19T10:57:34.264" idx="3">
+    <p:pos x="4399" y="491"/>
+    <p:text>Add column for % of organisations</p:text>
+    <p:extLst>
+      <p:ext uri="{C676402C-5697-4E1C-873F-D02D1690AC5C}">
+        <p15:threadingInfo xmlns:p15="http://schemas.microsoft.com/office/powerpoint/2012/main" timeZoneBias="0">
+          <p15:parentCm authorId="1" idx="2"/>
+        </p15:threadingInfo>
+      </p:ext>
+    </p:extLst>
+  </p:cm>
+</p:cmLst>
 </file>
 
 <file path=ppt/slideLayouts/slideLayout1.xml><?xml version="1.0" encoding="utf-8"?>
@@ -13943,8 +13989,8 @@
         </p:blipFill>
         <p:spPr>
           <a:xfrm>
-            <a:off x="1737996" y="2836253"/>
-            <a:ext cx="2648700" cy="1188000"/>
+            <a:off x="4437630" y="605787"/>
+            <a:ext cx="2266685" cy="1016658"/>
           </a:xfrm>
           <a:prstGeom prst="rect">
             <a:avLst/>
@@ -13979,14 +14025,215 @@
         </p:blipFill>
         <p:spPr>
           <a:xfrm>
-            <a:off x="160047" y="2784042"/>
-            <a:ext cx="1201302" cy="1240211"/>
+            <a:off x="-874689" y="911452"/>
+            <a:ext cx="691375" cy="713768"/>
           </a:xfrm>
           <a:prstGeom prst="rect">
             <a:avLst/>
           </a:prstGeom>
         </p:spPr>
       </p:pic>
+      <p:sp>
+        <p:nvSpPr>
+          <p:cNvPr id="7" name="TextBox 6">
+            <a:extLst>
+              <a:ext uri="{FF2B5EF4-FFF2-40B4-BE49-F238E27FC236}">
+                <a16:creationId xmlns:a16="http://schemas.microsoft.com/office/drawing/2014/main" id="{7552D84B-D8B8-6333-6106-4A60D9E27F17}"/>
+              </a:ext>
+            </a:extLst>
+          </p:cNvPr>
+          <p:cNvSpPr txBox="1"/>
+          <p:nvPr/>
+        </p:nvSpPr>
+        <p:spPr>
+          <a:xfrm>
+            <a:off x="21227" y="169681"/>
+            <a:ext cx="277640" cy="246221"/>
+          </a:xfrm>
+          <a:prstGeom prst="rect">
+            <a:avLst/>
+          </a:prstGeom>
+          <a:noFill/>
+        </p:spPr>
+        <p:txBody>
+          <a:bodyPr wrap="none" rtlCol="0">
+            <a:spAutoFit/>
+          </a:bodyPr>
+          <a:lstStyle/>
+          <a:p>
+            <a:r>
+              <a:rPr lang="en-GB" sz="1000" b="1" dirty="0">
+                <a:latin typeface="Helvetica" pitchFamily="2" charset="0"/>
+              </a:rPr>
+              <a:t>A</a:t>
+            </a:r>
+          </a:p>
+        </p:txBody>
+      </p:sp>
+      <p:sp>
+        <p:nvSpPr>
+          <p:cNvPr id="8" name="TextBox 7">
+            <a:extLst>
+              <a:ext uri="{FF2B5EF4-FFF2-40B4-BE49-F238E27FC236}">
+                <a16:creationId xmlns:a16="http://schemas.microsoft.com/office/drawing/2014/main" id="{480DD459-D859-AA4C-2906-A6FDF709BBED}"/>
+              </a:ext>
+            </a:extLst>
+          </p:cNvPr>
+          <p:cNvSpPr txBox="1"/>
+          <p:nvPr/>
+        </p:nvSpPr>
+        <p:spPr>
+          <a:xfrm>
+            <a:off x="-27608" y="2482654"/>
+            <a:ext cx="277640" cy="246221"/>
+          </a:xfrm>
+          <a:prstGeom prst="rect">
+            <a:avLst/>
+          </a:prstGeom>
+          <a:noFill/>
+        </p:spPr>
+        <p:txBody>
+          <a:bodyPr wrap="none" rtlCol="0">
+            <a:spAutoFit/>
+          </a:bodyPr>
+          <a:lstStyle/>
+          <a:p>
+            <a:r>
+              <a:rPr lang="en-GB" sz="1000" b="1" dirty="0">
+                <a:latin typeface="Helvetica" pitchFamily="2" charset="0"/>
+              </a:rPr>
+              <a:t>D</a:t>
+            </a:r>
+            <a:endParaRPr lang="en-GB" sz="1000" b="1" dirty="0">
+              <a:latin typeface="Helvetica" pitchFamily="2" charset="0"/>
+            </a:endParaRPr>
+          </a:p>
+        </p:txBody>
+      </p:sp>
+      <p:sp>
+        <p:nvSpPr>
+          <p:cNvPr id="12" name="TextBox 11">
+            <a:extLst>
+              <a:ext uri="{FF2B5EF4-FFF2-40B4-BE49-F238E27FC236}">
+                <a16:creationId xmlns:a16="http://schemas.microsoft.com/office/drawing/2014/main" id="{3C3E5AEF-468B-F06D-4B3A-17B84946870F}"/>
+              </a:ext>
+            </a:extLst>
+          </p:cNvPr>
+          <p:cNvSpPr txBox="1"/>
+          <p:nvPr/>
+        </p:nvSpPr>
+        <p:spPr>
+          <a:xfrm>
+            <a:off x="3216674" y="101100"/>
+            <a:ext cx="277640" cy="246221"/>
+          </a:xfrm>
+          <a:prstGeom prst="rect">
+            <a:avLst/>
+          </a:prstGeom>
+          <a:noFill/>
+        </p:spPr>
+        <p:txBody>
+          <a:bodyPr wrap="none" rtlCol="0">
+            <a:spAutoFit/>
+          </a:bodyPr>
+          <a:lstStyle/>
+          <a:p>
+            <a:r>
+              <a:rPr lang="en-GB" sz="1000" b="1" dirty="0">
+                <a:latin typeface="Helvetica" pitchFamily="2" charset="0"/>
+              </a:rPr>
+              <a:t>B</a:t>
+            </a:r>
+          </a:p>
+        </p:txBody>
+      </p:sp>
+      <p:pic>
+        <p:nvPicPr>
+          <p:cNvPr id="2060" name="Picture 12">
+            <a:extLst>
+              <a:ext uri="{FF2B5EF4-FFF2-40B4-BE49-F238E27FC236}">
+                <a16:creationId xmlns:a16="http://schemas.microsoft.com/office/drawing/2014/main" id="{03B03ED9-846A-CB8D-49C2-544CBC5294EC}"/>
+              </a:ext>
+            </a:extLst>
+          </p:cNvPr>
+          <p:cNvPicPr>
+            <a:picLocks noChangeAspect="1" noChangeArrowheads="1"/>
+          </p:cNvPicPr>
+          <p:nvPr/>
+        </p:nvPicPr>
+        <p:blipFill>
+          <a:blip r:embed="rId4">
+            <a:extLst>
+              <a:ext uri="{28A0092B-C50C-407E-A947-70E740481C1C}">
+                <a14:useLocalDpi xmlns:a14="http://schemas.microsoft.com/office/drawing/2010/main" val="0"/>
+              </a:ext>
+            </a:extLst>
+          </a:blip>
+          <a:srcRect/>
+          <a:stretch>
+            <a:fillRect/>
+          </a:stretch>
+        </p:blipFill>
+        <p:spPr bwMode="auto">
+          <a:xfrm>
+            <a:off x="167475" y="415903"/>
+            <a:ext cx="2232997" cy="1264848"/>
+          </a:xfrm>
+          <a:prstGeom prst="rect">
+            <a:avLst/>
+          </a:prstGeom>
+          <a:noFill/>
+          <a:extLst>
+            <a:ext uri="{909E8E84-426E-40DD-AFC4-6F175D3DCCD1}">
+              <a14:hiddenFill xmlns:a14="http://schemas.microsoft.com/office/drawing/2010/main">
+                <a:solidFill>
+                  <a:srgbClr val="FFFFFF"/>
+                </a:solidFill>
+              </a14:hiddenFill>
+            </a:ext>
+          </a:extLst>
+        </p:spPr>
+      </p:pic>
+      <p:sp>
+        <p:nvSpPr>
+          <p:cNvPr id="13" name="TextBox 12">
+            <a:extLst>
+              <a:ext uri="{FF2B5EF4-FFF2-40B4-BE49-F238E27FC236}">
+                <a16:creationId xmlns:a16="http://schemas.microsoft.com/office/drawing/2014/main" id="{6D44E15B-DB6C-219C-CF74-29806A9A29F7}"/>
+              </a:ext>
+            </a:extLst>
+          </p:cNvPr>
+          <p:cNvSpPr txBox="1"/>
+          <p:nvPr/>
+        </p:nvSpPr>
+        <p:spPr>
+          <a:xfrm>
+            <a:off x="4536604" y="2483319"/>
+            <a:ext cx="269626" cy="246221"/>
+          </a:xfrm>
+          <a:prstGeom prst="rect">
+            <a:avLst/>
+          </a:prstGeom>
+          <a:noFill/>
+        </p:spPr>
+        <p:txBody>
+          <a:bodyPr wrap="none" rtlCol="0">
+            <a:spAutoFit/>
+          </a:bodyPr>
+          <a:lstStyle/>
+          <a:p>
+            <a:r>
+              <a:rPr lang="en-GB" sz="1000" b="1" dirty="0">
+                <a:latin typeface="Helvetica" pitchFamily="2" charset="0"/>
+              </a:rPr>
+              <a:t>E</a:t>
+            </a:r>
+            <a:endParaRPr lang="en-GB" sz="1000" b="1" dirty="0">
+              <a:latin typeface="Helvetica" pitchFamily="2" charset="0"/>
+            </a:endParaRPr>
+          </a:p>
+        </p:txBody>
+      </p:sp>
       <p:pic>
         <p:nvPicPr>
           <p:cNvPr id="6" name="Picture 5" descr="A graph of different colored squares&#10;&#10;Description automatically generated">
@@ -14002,7 +14249,7 @@
           <p:nvPr/>
         </p:nvPicPr>
         <p:blipFill rotWithShape="1">
-          <a:blip r:embed="rId4">
+          <a:blip r:embed="rId5">
             <a:extLst>
               <a:ext uri="{28A0092B-C50C-407E-A947-70E740481C1C}">
                 <a14:useLocalDpi xmlns:a14="http://schemas.microsoft.com/office/drawing/2010/main" val="0"/>
@@ -14014,8 +14261,8 @@
         </p:blipFill>
         <p:spPr>
           <a:xfrm>
-            <a:off x="37985" y="356425"/>
-            <a:ext cx="3031514" cy="2037123"/>
+            <a:off x="428159" y="474118"/>
+            <a:ext cx="584257" cy="392610"/>
           </a:xfrm>
           <a:prstGeom prst="rect">
             <a:avLst/>
@@ -14024,249 +14271,150 @@
       </p:pic>
       <p:sp>
         <p:nvSpPr>
-          <p:cNvPr id="7" name="TextBox 6">
-            <a:extLst>
-              <a:ext uri="{FF2B5EF4-FFF2-40B4-BE49-F238E27FC236}">
-                <a16:creationId xmlns:a16="http://schemas.microsoft.com/office/drawing/2014/main" id="{7552D84B-D8B8-6333-6106-4A60D9E27F17}"/>
-              </a:ext>
-            </a:extLst>
-          </p:cNvPr>
-          <p:cNvSpPr txBox="1"/>
+          <p:cNvPr id="2" name="Rectangle 1"/>
+          <p:cNvSpPr/>
           <p:nvPr/>
         </p:nvSpPr>
         <p:spPr>
           <a:xfrm>
-            <a:off x="21227" y="169681"/>
-            <a:ext cx="277640" cy="246221"/>
+            <a:off x="250032" y="2829560"/>
+            <a:ext cx="1487964" cy="1564640"/>
           </a:xfrm>
           <a:prstGeom prst="rect">
             <a:avLst/>
           </a:prstGeom>
-          <a:noFill/>
-        </p:spPr>
-        <p:txBody>
-          <a:bodyPr wrap="none" rtlCol="0">
-            <a:spAutoFit/>
-          </a:bodyPr>
+        </p:spPr>
+        <p:style>
+          <a:lnRef idx="2">
+            <a:schemeClr val="accent1">
+              <a:shade val="50000"/>
+            </a:schemeClr>
+          </a:lnRef>
+          <a:fillRef idx="1">
+            <a:schemeClr val="accent1"/>
+          </a:fillRef>
+          <a:effectRef idx="0">
+            <a:schemeClr val="accent1"/>
+          </a:effectRef>
+          <a:fontRef idx="minor">
+            <a:schemeClr val="lt1"/>
+          </a:fontRef>
+        </p:style>
+        <p:txBody>
+          <a:bodyPr rtlCol="0" anchor="ctr"/>
           <a:lstStyle/>
           <a:p>
-            <a:r>
-              <a:rPr lang="en-GB" sz="1000" b="1" dirty="0">
-                <a:latin typeface="Helvetica" pitchFamily="2" charset="0"/>
-              </a:rPr>
-              <a:t>A</a:t>
-            </a:r>
-          </a:p>
-        </p:txBody>
-      </p:sp>
-      <p:sp>
-        <p:nvSpPr>
-          <p:cNvPr id="8" name="TextBox 7">
-            <a:extLst>
-              <a:ext uri="{FF2B5EF4-FFF2-40B4-BE49-F238E27FC236}">
-                <a16:creationId xmlns:a16="http://schemas.microsoft.com/office/drawing/2014/main" id="{480DD459-D859-AA4C-2906-A6FDF709BBED}"/>
-              </a:ext>
-            </a:extLst>
-          </p:cNvPr>
-          <p:cNvSpPr txBox="1"/>
+            <a:pPr algn="ctr"/>
+            <a:r>
+              <a:rPr lang="en-GB" sz="1400" dirty="0" smtClean="0"/>
+              <a:t>services AST scores scatter plot of AST scores / # tasks where hue = priority status</a:t>
+            </a:r>
+            <a:endParaRPr lang="en-GB" sz="1400" dirty="0"/>
+          </a:p>
+        </p:txBody>
+      </p:sp>
+      <p:sp>
+        <p:nvSpPr>
+          <p:cNvPr id="14" name="Rectangle 13"/>
+          <p:cNvSpPr/>
           <p:nvPr/>
         </p:nvSpPr>
         <p:spPr>
           <a:xfrm>
-            <a:off x="-27608" y="2482654"/>
-            <a:ext cx="277640" cy="246221"/>
+            <a:off x="2675069" y="467008"/>
+            <a:ext cx="1487964" cy="1564640"/>
           </a:xfrm>
           <a:prstGeom prst="rect">
             <a:avLst/>
           </a:prstGeom>
-          <a:noFill/>
-        </p:spPr>
-        <p:txBody>
-          <a:bodyPr wrap="none" rtlCol="0">
-            <a:spAutoFit/>
-          </a:bodyPr>
+        </p:spPr>
+        <p:style>
+          <a:lnRef idx="2">
+            <a:schemeClr val="accent1">
+              <a:shade val="50000"/>
+            </a:schemeClr>
+          </a:lnRef>
+          <a:fillRef idx="1">
+            <a:schemeClr val="accent1"/>
+          </a:fillRef>
+          <a:effectRef idx="0">
+            <a:schemeClr val="accent1"/>
+          </a:effectRef>
+          <a:fontRef idx="minor">
+            <a:schemeClr val="lt1"/>
+          </a:fontRef>
+        </p:style>
+        <p:txBody>
+          <a:bodyPr rtlCol="0" anchor="ctr"/>
           <a:lstStyle/>
           <a:p>
-            <a:r>
-              <a:rPr lang="en-GB" sz="1000" b="1" dirty="0">
-                <a:latin typeface="Helvetica" pitchFamily="2" charset="0"/>
-              </a:rPr>
-              <a:t>C</a:t>
-            </a:r>
-          </a:p>
-        </p:txBody>
-      </p:sp>
-      <p:sp>
-        <p:nvSpPr>
-          <p:cNvPr id="10" name="TextBox 9">
-            <a:extLst>
-              <a:ext uri="{FF2B5EF4-FFF2-40B4-BE49-F238E27FC236}">
-                <a16:creationId xmlns:a16="http://schemas.microsoft.com/office/drawing/2014/main" id="{469A1C26-FA48-94A6-7EC5-15FB6451B579}"/>
-              </a:ext>
-            </a:extLst>
-          </p:cNvPr>
-          <p:cNvSpPr txBox="1"/>
+            <a:pPr algn="ctr"/>
+            <a:r>
+              <a:rPr lang="en-GB" dirty="0" smtClean="0"/>
+              <a:t>Strip plot of topic scores</a:t>
+            </a:r>
+            <a:endParaRPr lang="en-GB" dirty="0"/>
+          </a:p>
+        </p:txBody>
+      </p:sp>
+      <p:sp>
+        <p:nvSpPr>
+          <p:cNvPr id="15" name="Rectangle 14"/>
+          <p:cNvSpPr/>
           <p:nvPr/>
         </p:nvSpPr>
         <p:spPr>
           <a:xfrm>
-            <a:off x="1599176" y="2502866"/>
-            <a:ext cx="277640" cy="246221"/>
+            <a:off x="2791614" y="2829560"/>
+            <a:ext cx="3776826" cy="1564640"/>
           </a:xfrm>
           <a:prstGeom prst="rect">
             <a:avLst/>
           </a:prstGeom>
-          <a:noFill/>
-        </p:spPr>
-        <p:txBody>
-          <a:bodyPr wrap="none" rtlCol="0">
-            <a:spAutoFit/>
-          </a:bodyPr>
+        </p:spPr>
+        <p:style>
+          <a:lnRef idx="2">
+            <a:schemeClr val="accent1">
+              <a:shade val="50000"/>
+            </a:schemeClr>
+          </a:lnRef>
+          <a:fillRef idx="1">
+            <a:schemeClr val="accent1"/>
+          </a:fillRef>
+          <a:effectRef idx="0">
+            <a:schemeClr val="accent1"/>
+          </a:effectRef>
+          <a:fontRef idx="minor">
+            <a:schemeClr val="lt1"/>
+          </a:fontRef>
+        </p:style>
+        <p:txBody>
+          <a:bodyPr rtlCol="0" anchor="ctr"/>
           <a:lstStyle/>
           <a:p>
-            <a:r>
-              <a:rPr lang="en-GB" sz="1000" b="1" dirty="0">
-                <a:latin typeface="Helvetica" pitchFamily="2" charset="0"/>
-              </a:rPr>
-              <a:t>D</a:t>
-            </a:r>
-          </a:p>
-        </p:txBody>
-      </p:sp>
-      <p:sp>
-        <p:nvSpPr>
-          <p:cNvPr id="12" name="TextBox 11">
-            <a:extLst>
-              <a:ext uri="{FF2B5EF4-FFF2-40B4-BE49-F238E27FC236}">
-                <a16:creationId xmlns:a16="http://schemas.microsoft.com/office/drawing/2014/main" id="{3C3E5AEF-468B-F06D-4B3A-17B84946870F}"/>
-              </a:ext>
-            </a:extLst>
-          </p:cNvPr>
-          <p:cNvSpPr txBox="1"/>
-          <p:nvPr/>
-        </p:nvSpPr>
-        <p:spPr>
-          <a:xfrm>
-            <a:off x="3216674" y="101100"/>
-            <a:ext cx="277640" cy="246221"/>
-          </a:xfrm>
-          <a:prstGeom prst="rect">
-            <a:avLst/>
-          </a:prstGeom>
-          <a:noFill/>
-        </p:spPr>
-        <p:txBody>
-          <a:bodyPr wrap="none" rtlCol="0">
-            <a:spAutoFit/>
-          </a:bodyPr>
-          <a:lstStyle/>
-          <a:p>
-            <a:r>
-              <a:rPr lang="en-GB" sz="1000" b="1" dirty="0">
-                <a:latin typeface="Helvetica" pitchFamily="2" charset="0"/>
-              </a:rPr>
-              <a:t>B</a:t>
-            </a:r>
-          </a:p>
-        </p:txBody>
-      </p:sp>
-      <p:pic>
-        <p:nvPicPr>
-          <p:cNvPr id="2060" name="Picture 12">
-            <a:extLst>
-              <a:ext uri="{FF2B5EF4-FFF2-40B4-BE49-F238E27FC236}">
-                <a16:creationId xmlns:a16="http://schemas.microsoft.com/office/drawing/2014/main" id="{03B03ED9-846A-CB8D-49C2-544CBC5294EC}"/>
-              </a:ext>
-            </a:extLst>
-          </p:cNvPr>
-          <p:cNvPicPr>
-            <a:picLocks noChangeAspect="1" noChangeArrowheads="1"/>
-          </p:cNvPicPr>
-          <p:nvPr/>
-        </p:nvPicPr>
-        <p:blipFill>
-          <a:blip r:embed="rId5">
-            <a:extLst>
-              <a:ext uri="{28A0092B-C50C-407E-A947-70E740481C1C}">
-                <a14:useLocalDpi xmlns:a14="http://schemas.microsoft.com/office/drawing/2010/main" val="0"/>
-              </a:ext>
-            </a:extLst>
-          </a:blip>
-          <a:srcRect/>
-          <a:stretch>
-            <a:fillRect/>
-          </a:stretch>
-        </p:blipFill>
-        <p:spPr bwMode="auto">
-          <a:xfrm>
-            <a:off x="3261607" y="292791"/>
-            <a:ext cx="3596393" cy="2037123"/>
-          </a:xfrm>
-          <a:prstGeom prst="rect">
-            <a:avLst/>
-          </a:prstGeom>
-          <a:noFill/>
-          <a:extLst>
-            <a:ext uri="{909E8E84-426E-40DD-AFC4-6F175D3DCCD1}">
-              <a14:hiddenFill xmlns:a14="http://schemas.microsoft.com/office/drawing/2010/main">
-                <a:solidFill>
-                  <a:srgbClr val="FFFFFF"/>
-                </a:solidFill>
-              </a14:hiddenFill>
-            </a:ext>
-          </a:extLst>
-        </p:spPr>
-      </p:pic>
-      <p:pic>
-        <p:nvPicPr>
-          <p:cNvPr id="2062" name="Picture 14">
-            <a:extLst>
-              <a:ext uri="{FF2B5EF4-FFF2-40B4-BE49-F238E27FC236}">
-                <a16:creationId xmlns:a16="http://schemas.microsoft.com/office/drawing/2014/main" id="{CB5BA8A6-9F07-CBFB-2F6B-E845114F5A10}"/>
-              </a:ext>
-            </a:extLst>
-          </p:cNvPr>
-          <p:cNvPicPr>
-            <a:picLocks noChangeAspect="1" noChangeArrowheads="1"/>
-          </p:cNvPicPr>
-          <p:nvPr/>
-        </p:nvPicPr>
-        <p:blipFill>
-          <a:blip r:embed="rId6">
-            <a:extLst>
-              <a:ext uri="{28A0092B-C50C-407E-A947-70E740481C1C}">
-                <a14:useLocalDpi xmlns:a14="http://schemas.microsoft.com/office/drawing/2010/main" val="0"/>
-              </a:ext>
-            </a:extLst>
-          </a:blip>
-          <a:srcRect/>
-          <a:stretch>
-            <a:fillRect/>
-          </a:stretch>
-        </p:blipFill>
-        <p:spPr bwMode="auto">
-          <a:xfrm>
-            <a:off x="4806230" y="2605764"/>
-            <a:ext cx="2022529" cy="1506129"/>
-          </a:xfrm>
-          <a:prstGeom prst="rect">
-            <a:avLst/>
-          </a:prstGeom>
-          <a:noFill/>
-          <a:extLst>
-            <a:ext uri="{909E8E84-426E-40DD-AFC4-6F175D3DCCD1}">
-              <a14:hiddenFill xmlns:a14="http://schemas.microsoft.com/office/drawing/2010/main">
-                <a:solidFill>
-                  <a:srgbClr val="FFFFFF"/>
-                </a:solidFill>
-              </a14:hiddenFill>
-            </a:ext>
-          </a:extLst>
-        </p:spPr>
-      </p:pic>
-      <p:sp>
-        <p:nvSpPr>
-          <p:cNvPr id="13" name="TextBox 12">
+            <a:pPr algn="ctr"/>
+            <a:r>
+              <a:rPr lang="en-GB" dirty="0" smtClean="0"/>
+              <a:t>Complexity of tasks</a:t>
+            </a:r>
+          </a:p>
+          <a:p>
+            <a:pPr algn="ctr"/>
+            <a:endParaRPr lang="en-GB" dirty="0" smtClean="0"/>
+          </a:p>
+          <a:p>
+            <a:pPr algn="ctr"/>
+            <a:r>
+              <a:rPr lang="en-GB" dirty="0" smtClean="0"/>
+              <a:t>Rubric score matrix table</a:t>
+            </a:r>
+            <a:endParaRPr lang="en-GB" dirty="0"/>
+          </a:p>
+        </p:txBody>
+      </p:sp>
+      <p:sp>
+        <p:nvSpPr>
+          <p:cNvPr id="16" name="TextBox 15">
             <a:extLst>
               <a:ext uri="{FF2B5EF4-FFF2-40B4-BE49-F238E27FC236}">
                 <a16:creationId xmlns:a16="http://schemas.microsoft.com/office/drawing/2014/main" id="{6D44E15B-DB6C-219C-CF74-29806A9A29F7}"/>
@@ -14278,8 +14426,8 @@
         </p:nvSpPr>
         <p:spPr>
           <a:xfrm>
-            <a:off x="4536604" y="2483319"/>
-            <a:ext cx="269626" cy="246221"/>
+            <a:off x="4887393" y="93916"/>
+            <a:ext cx="277640" cy="246221"/>
           </a:xfrm>
           <a:prstGeom prst="rect">
             <a:avLst/>
@@ -14293,11 +14441,14 @@
           <a:lstStyle/>
           <a:p>
             <a:r>
-              <a:rPr lang="en-GB" sz="1000" b="1" dirty="0">
+              <a:rPr lang="en-GB" sz="1000" b="1" dirty="0" smtClean="0">
                 <a:latin typeface="Helvetica" pitchFamily="2" charset="0"/>
               </a:rPr>
-              <a:t>E</a:t>
-            </a:r>
+              <a:t>C</a:t>
+            </a:r>
+            <a:endParaRPr lang="en-GB" sz="1000" b="1" dirty="0">
+              <a:latin typeface="Helvetica" pitchFamily="2" charset="0"/>
+            </a:endParaRPr>
           </a:p>
         </p:txBody>
       </p:sp>
